--- a/doc/export/leeme-slides-plus.pptx
+++ b/doc/export/leeme-slides-plus.pptx
@@ -4,6 +4,9 @@
   <p:sldMasterIdLst>
     <p:sldMasterId id="2147483648" r:id="rId1"/>
   </p:sldMasterIdLst>
+  <p:notesMasterIdLst>
+    <p:NotesMasterId r:id="rId50"/>
+  </p:notesMasterIdLst>
   <p:sldIdLst>
     <p:sldId id="256" r:id="rId2"/>
     <p:sldId id="257" r:id="rId3"/>
@@ -52,6 +55,7 @@
     <p:sldId id="300" r:id="rId46"/>
     <p:sldId id="301" r:id="rId47"/>
     <p:sldId id="302" r:id="rId48"/>
+    <p:sldId id="303" r:id="rId49"/>
   </p:sldIdLst>
   <p:sldSz cx="9144000" cy="6858000" type="screen4x3"/>
   <p:notesSz cx="6858000" cy="9144000"/>
@@ -167,6 +171,550 @@
     </p:ext>
   </p:extLst>
 </p:presentation>
+</file>
+
+<file path=ppt/notesMasters/notesMaster1.xml><?xml version="1.0" encoding="utf-8"?>
+<p:notesMaster xmlns:a="http://schemas.openxmlformats.org/drawingml/2006/main" xmlns:r="http://schemas.openxmlformats.org/officeDocument/2006/relationships" xmlns:p="http://schemas.openxmlformats.org/presentationml/2006/main">
+  <p:cSld>
+    <p:bg>
+      <p:bgRef idx="1001">
+        <a:schemeClr val="bg1"/>
+      </p:bgRef>
+    </p:bg>
+    <p:spTree>
+      <p:nvGrpSpPr>
+        <p:cNvPr id="1" name=""/>
+        <p:cNvGrpSpPr/>
+        <p:nvPr/>
+      </p:nvGrpSpPr>
+      <p:grpSpPr>
+        <a:xfrm>
+          <a:off x="0" y="0"/>
+          <a:ext cx="0" cy="0"/>
+          <a:chOff x="0" y="0"/>
+          <a:chExt cx="0" cy="0"/>
+        </a:xfrm>
+      </p:grpSpPr>
+      <p:sp>
+        <p:nvSpPr>
+          <p:cNvPr id="2" name="Header Placeholder 1"/>
+          <p:cNvSpPr>
+            <a:spLocks noGrp="1"/>
+          </p:cNvSpPr>
+          <p:nvPr>
+            <p:ph type="hdr" sz="quarter"/>
+          </p:nvPr>
+        </p:nvSpPr>
+        <p:spPr>
+          <a:xfrm>
+            <a:off x="0" y="0"/>
+            <a:ext cx="2971800" cy="458788"/>
+          </a:xfrm>
+          <a:prstGeom prst="rect">
+            <a:avLst/>
+          </a:prstGeom>
+        </p:spPr>
+        <p:txBody>
+          <a:bodyPr vert="horz" lIns="91440" tIns="45720" rIns="91440" bIns="45720" rtlCol="0"/>
+          <a:lstStyle>
+            <a:lvl1pPr algn="l">
+              <a:defRPr sz="1200"/>
+            </a:lvl1pPr>
+          </a:lstStyle>
+          <a:p>
+            <a:endParaRPr lang="en-US"/>
+          </a:p>
+        </p:txBody>
+      </p:sp>
+      <p:sp>
+        <p:nvSpPr>
+          <p:cNvPr id="3" name="Date Placeholder 2"/>
+          <p:cNvSpPr>
+            <a:spLocks noGrp="1"/>
+          </p:cNvSpPr>
+          <p:nvPr>
+            <p:ph type="dt" idx="1"/>
+          </p:nvPr>
+        </p:nvSpPr>
+        <p:spPr>
+          <a:xfrm>
+            <a:off x="3884613" y="0"/>
+            <a:ext cx="2971800" cy="458788"/>
+          </a:xfrm>
+          <a:prstGeom prst="rect">
+            <a:avLst/>
+          </a:prstGeom>
+        </p:spPr>
+        <p:txBody>
+          <a:bodyPr vert="horz" lIns="91440" tIns="45720" rIns="91440" bIns="45720" rtlCol="0"/>
+          <a:lstStyle>
+            <a:lvl1pPr algn="r">
+              <a:defRPr sz="1200"/>
+            </a:lvl1pPr>
+          </a:lstStyle>
+          <a:p>
+            <a:fld id="{0F9C1CCF-B725-44A7-AA57-5E433BD85C9F}" type="datetimeFigureOut">
+              <a:rPr lang="en-US" smtClean="0"/>
+              <a:t>4/5/2019</a:t>
+            </a:fld>
+            <a:endParaRPr lang="en-US"/>
+          </a:p>
+        </p:txBody>
+      </p:sp>
+      <p:sp>
+        <p:nvSpPr>
+          <p:cNvPr id="4" name="Slide Image Placeholder 3"/>
+          <p:cNvSpPr>
+            <a:spLocks noGrp="1" noRot="1" noChangeAspect="1"/>
+          </p:cNvSpPr>
+          <p:nvPr>
+            <p:ph type="sldImg" idx="2"/>
+          </p:nvPr>
+        </p:nvSpPr>
+        <p:spPr>
+          <a:xfrm>
+            <a:off x="1371600" y="1143000"/>
+            <a:ext cx="4114800" cy="3086100"/>
+          </a:xfrm>
+          <a:prstGeom prst="rect">
+            <a:avLst/>
+          </a:prstGeom>
+          <a:noFill/>
+          <a:ln w="12700">
+            <a:solidFill>
+              <a:prstClr val="black"/>
+            </a:solidFill>
+          </a:ln>
+        </p:spPr>
+        <p:txBody>
+          <a:bodyPr vert="horz" lIns="91440" tIns="45720" rIns="91440" bIns="45720" rtlCol="0" anchor="ctr"/>
+          <a:lstStyle/>
+          <a:p>
+            <a:endParaRPr lang="en-US"/>
+          </a:p>
+        </p:txBody>
+      </p:sp>
+      <p:sp>
+        <p:nvSpPr>
+          <p:cNvPr id="5" name="Notes Placeholder 4"/>
+          <p:cNvSpPr>
+            <a:spLocks noGrp="1"/>
+          </p:cNvSpPr>
+          <p:nvPr>
+            <p:ph type="body" sz="quarter" idx="3"/>
+          </p:nvPr>
+        </p:nvSpPr>
+        <p:spPr>
+          <a:xfrm>
+            <a:off x="685800" y="4400550"/>
+            <a:ext cx="5486400" cy="3600450"/>
+          </a:xfrm>
+          <a:prstGeom prst="rect">
+            <a:avLst/>
+          </a:prstGeom>
+        </p:spPr>
+        <p:txBody>
+          <a:bodyPr vert="horz" lIns="91440" tIns="45720" rIns="91440" bIns="45720" rtlCol="0"/>
+          <a:lstStyle/>
+          <a:p>
+            <a:pPr lvl="0"/>
+            <a:r>
+              <a:rPr lang="en-US" smtClean="0"/>
+              <a:t>Click to edit Master text styles</a:t>
+            </a:r>
+          </a:p>
+          <a:p>
+            <a:pPr lvl="1"/>
+            <a:r>
+              <a:rPr lang="en-US" smtClean="0"/>
+              <a:t>Second level</a:t>
+            </a:r>
+          </a:p>
+          <a:p>
+            <a:pPr lvl="2"/>
+            <a:r>
+              <a:rPr lang="en-US" smtClean="0"/>
+              <a:t>Third level</a:t>
+            </a:r>
+          </a:p>
+          <a:p>
+            <a:pPr lvl="3"/>
+            <a:r>
+              <a:rPr lang="en-US" smtClean="0"/>
+              <a:t>Fourth level</a:t>
+            </a:r>
+          </a:p>
+          <a:p>
+            <a:pPr lvl="4"/>
+            <a:r>
+              <a:rPr lang="en-US" smtClean="0"/>
+              <a:t>Fifth level</a:t>
+            </a:r>
+            <a:endParaRPr lang="en-US"/>
+          </a:p>
+        </p:txBody>
+      </p:sp>
+      <p:sp>
+        <p:nvSpPr>
+          <p:cNvPr id="6" name="Footer Placeholder 5"/>
+          <p:cNvSpPr>
+            <a:spLocks noGrp="1"/>
+          </p:cNvSpPr>
+          <p:nvPr>
+            <p:ph type="ftr" sz="quarter" idx="4"/>
+          </p:nvPr>
+        </p:nvSpPr>
+        <p:spPr>
+          <a:xfrm>
+            <a:off x="0" y="8685213"/>
+            <a:ext cx="2971800" cy="458787"/>
+          </a:xfrm>
+          <a:prstGeom prst="rect">
+            <a:avLst/>
+          </a:prstGeom>
+        </p:spPr>
+        <p:txBody>
+          <a:bodyPr vert="horz" lIns="91440" tIns="45720" rIns="91440" bIns="45720" rtlCol="0" anchor="b"/>
+          <a:lstStyle>
+            <a:lvl1pPr algn="l">
+              <a:defRPr sz="1200"/>
+            </a:lvl1pPr>
+          </a:lstStyle>
+          <a:p>
+            <a:endParaRPr lang="en-US"/>
+          </a:p>
+        </p:txBody>
+      </p:sp>
+      <p:sp>
+        <p:nvSpPr>
+          <p:cNvPr id="7" name="Slide Number Placeholder 6"/>
+          <p:cNvSpPr>
+            <a:spLocks noGrp="1"/>
+          </p:cNvSpPr>
+          <p:nvPr>
+            <p:ph type="sldNum" sz="quarter" idx="5"/>
+          </p:nvPr>
+        </p:nvSpPr>
+        <p:spPr>
+          <a:xfrm>
+            <a:off x="3884613" y="8685213"/>
+            <a:ext cx="2971800" cy="458787"/>
+          </a:xfrm>
+          <a:prstGeom prst="rect">
+            <a:avLst/>
+          </a:prstGeom>
+        </p:spPr>
+        <p:txBody>
+          <a:bodyPr vert="horz" lIns="91440" tIns="45720" rIns="91440" bIns="45720" rtlCol="0" anchor="b"/>
+          <a:lstStyle>
+            <a:lvl1pPr algn="r">
+              <a:defRPr sz="1200"/>
+            </a:lvl1pPr>
+          </a:lstStyle>
+          <a:p>
+            <a:fld id="{18BDFEC3-8487-43E8-A154-7C12CBC1FFF2}" type="slidenum">
+              <a:rPr lang="en-US" smtClean="0"/>
+              <a:t>‹#›</a:t>
+            </a:fld>
+            <a:endParaRPr lang="en-US"/>
+          </a:p>
+        </p:txBody>
+      </p:sp>
+    </p:spTree>
+    <p:extLst>
+      <p:ext uri="{BB962C8B-B14F-4D97-AF65-F5344CB8AC3E}">
+        <p14:creationId xmlns:p14="http://schemas.microsoft.com/office/powerpoint/2010/main" val="3782709779"/>
+      </p:ext>
+    </p:extLst>
+  </p:cSld>
+  <p:clrMap bg1="lt1" tx1="dk1" bg2="lt2" tx2="dk2" accent1="accent1" accent2="accent2" accent3="accent3" accent4="accent4" accent5="accent5" accent6="accent6" hlink="hlink" folHlink="folHlink"/>
+  <p:notesStyle>
+    <a:lvl1pPr marL="0" algn="l" defTabSz="914400" rtl="0" eaLnBrk="1" latinLnBrk="0" hangingPunct="1">
+      <a:defRPr sz="1200" kern="1200">
+        <a:solidFill>
+          <a:schemeClr val="tx1"/>
+        </a:solidFill>
+        <a:latin typeface="+mn-lt"/>
+        <a:ea typeface="+mn-ea"/>
+        <a:cs typeface="+mn-cs"/>
+      </a:defRPr>
+    </a:lvl1pPr>
+    <a:lvl2pPr marL="457200" algn="l" defTabSz="914400" rtl="0" eaLnBrk="1" latinLnBrk="0" hangingPunct="1">
+      <a:defRPr sz="1200" kern="1200">
+        <a:solidFill>
+          <a:schemeClr val="tx1"/>
+        </a:solidFill>
+        <a:latin typeface="+mn-lt"/>
+        <a:ea typeface="+mn-ea"/>
+        <a:cs typeface="+mn-cs"/>
+      </a:defRPr>
+    </a:lvl2pPr>
+    <a:lvl3pPr marL="914400" algn="l" defTabSz="914400" rtl="0" eaLnBrk="1" latinLnBrk="0" hangingPunct="1">
+      <a:defRPr sz="1200" kern="1200">
+        <a:solidFill>
+          <a:schemeClr val="tx1"/>
+        </a:solidFill>
+        <a:latin typeface="+mn-lt"/>
+        <a:ea typeface="+mn-ea"/>
+        <a:cs typeface="+mn-cs"/>
+      </a:defRPr>
+    </a:lvl3pPr>
+    <a:lvl4pPr marL="1371600" algn="l" defTabSz="914400" rtl="0" eaLnBrk="1" latinLnBrk="0" hangingPunct="1">
+      <a:defRPr sz="1200" kern="1200">
+        <a:solidFill>
+          <a:schemeClr val="tx1"/>
+        </a:solidFill>
+        <a:latin typeface="+mn-lt"/>
+        <a:ea typeface="+mn-ea"/>
+        <a:cs typeface="+mn-cs"/>
+      </a:defRPr>
+    </a:lvl4pPr>
+    <a:lvl5pPr marL="1828800" algn="l" defTabSz="914400" rtl="0" eaLnBrk="1" latinLnBrk="0" hangingPunct="1">
+      <a:defRPr sz="1200" kern="1200">
+        <a:solidFill>
+          <a:schemeClr val="tx1"/>
+        </a:solidFill>
+        <a:latin typeface="+mn-lt"/>
+        <a:ea typeface="+mn-ea"/>
+        <a:cs typeface="+mn-cs"/>
+      </a:defRPr>
+    </a:lvl5pPr>
+    <a:lvl6pPr marL="2286000" algn="l" defTabSz="914400" rtl="0" eaLnBrk="1" latinLnBrk="0" hangingPunct="1">
+      <a:defRPr sz="1200" kern="1200">
+        <a:solidFill>
+          <a:schemeClr val="tx1"/>
+        </a:solidFill>
+        <a:latin typeface="+mn-lt"/>
+        <a:ea typeface="+mn-ea"/>
+        <a:cs typeface="+mn-cs"/>
+      </a:defRPr>
+    </a:lvl6pPr>
+    <a:lvl7pPr marL="2743200" algn="l" defTabSz="914400" rtl="0" eaLnBrk="1" latinLnBrk="0" hangingPunct="1">
+      <a:defRPr sz="1200" kern="1200">
+        <a:solidFill>
+          <a:schemeClr val="tx1"/>
+        </a:solidFill>
+        <a:latin typeface="+mn-lt"/>
+        <a:ea typeface="+mn-ea"/>
+        <a:cs typeface="+mn-cs"/>
+      </a:defRPr>
+    </a:lvl7pPr>
+    <a:lvl8pPr marL="3200400" algn="l" defTabSz="914400" rtl="0" eaLnBrk="1" latinLnBrk="0" hangingPunct="1">
+      <a:defRPr sz="1200" kern="1200">
+        <a:solidFill>
+          <a:schemeClr val="tx1"/>
+        </a:solidFill>
+        <a:latin typeface="+mn-lt"/>
+        <a:ea typeface="+mn-ea"/>
+        <a:cs typeface="+mn-cs"/>
+      </a:defRPr>
+    </a:lvl8pPr>
+    <a:lvl9pPr marL="3657600" algn="l" defTabSz="914400" rtl="0" eaLnBrk="1" latinLnBrk="0" hangingPunct="1">
+      <a:defRPr sz="1200" kern="1200">
+        <a:solidFill>
+          <a:schemeClr val="tx1"/>
+        </a:solidFill>
+        <a:latin typeface="+mn-lt"/>
+        <a:ea typeface="+mn-ea"/>
+        <a:cs typeface="+mn-cs"/>
+      </a:defRPr>
+    </a:lvl9pPr>
+  </p:notesStyle>
+</p:notesMaster>
+</file>
+
+<file path=ppt/notesSlides/notesSlide1.xml><?xml version="1.0" encoding="utf-8"?>
+<p:notes xmlns:a="http://schemas.openxmlformats.org/drawingml/2006/main" xmlns:r="http://schemas.openxmlformats.org/officeDocument/2006/relationships" xmlns:p="http://schemas.openxmlformats.org/presentationml/2006/main">
+  <p:cSld>
+    <p:spTree>
+      <p:nvGrpSpPr>
+        <p:cNvPr id="1" name=""/>
+        <p:cNvGrpSpPr/>
+        <p:nvPr/>
+      </p:nvGrpSpPr>
+      <p:grpSpPr>
+        <a:xfrm>
+          <a:off x="0" y="0"/>
+          <a:ext cx="0" cy="0"/>
+          <a:chOff x="0" y="0"/>
+          <a:chExt cx="0" cy="0"/>
+        </a:xfrm>
+      </p:grpSpPr>
+      <p:sp>
+        <p:nvSpPr>
+          <p:cNvPr id="2" name="Slide Image Placeholder 1"/>
+          <p:cNvSpPr>
+            <a:spLocks noGrp="1" noRot="1" noChangeAspect="1"/>
+          </p:cNvSpPr>
+          <p:nvPr>
+            <p:ph type="sldImg"/>
+          </p:nvPr>
+        </p:nvSpPr>
+        <p:spPr/>
+      </p:sp>
+      <p:sp>
+        <p:nvSpPr>
+          <p:cNvPr id="3" name="Notes Placeholder 2"/>
+          <p:cNvSpPr>
+            <a:spLocks noGrp="1"/>
+          </p:cNvSpPr>
+          <p:nvPr>
+            <p:ph type="body" idx="1"/>
+          </p:nvPr>
+        </p:nvSpPr>
+        <p:spPr/>
+        <p:txBody>
+          <a:bodyPr/>
+          <a:lstStyle/>
+          <a:p>
+            <a:pPr lvl="0" marL="0" indent="0">
+              <a:buNone/>
+            </a:pPr>
+            <a:r>
+              <a:rPr/>
+              <a:t>Esto</a:t>
+            </a:r>
+            <a:r>
+              <a:rPr/>
+              <a:t> </a:t>
+            </a:r>
+            <a:r>
+              <a:rPr/>
+              <a:t>solo</a:t>
+            </a:r>
+            <a:r>
+              <a:rPr/>
+              <a:t> </a:t>
+            </a:r>
+            <a:r>
+              <a:rPr/>
+              <a:t>es</a:t>
+            </a:r>
+            <a:r>
+              <a:rPr/>
+              <a:t> </a:t>
+            </a:r>
+            <a:r>
+              <a:rPr/>
+              <a:t>visible</a:t>
+            </a:r>
+            <a:r>
+              <a:rPr/>
+              <a:t> </a:t>
+            </a:r>
+            <a:r>
+              <a:rPr/>
+              <a:t>en</a:t>
+            </a:r>
+            <a:r>
+              <a:rPr/>
+              <a:t> </a:t>
+            </a:r>
+            <a:r>
+              <a:rPr/>
+              <a:t>modo</a:t>
+            </a:r>
+            <a:r>
+              <a:rPr/>
+              <a:t> </a:t>
+            </a:r>
+            <a:r>
+              <a:rPr/>
+              <a:t>libro</a:t>
+            </a:r>
+            <a:r>
+              <a:rPr/>
+              <a:t> </a:t>
+            </a:r>
+            <a:r>
+              <a:rPr/>
+              <a:t>o</a:t>
+            </a:r>
+            <a:r>
+              <a:rPr/>
+              <a:t> </a:t>
+            </a:r>
+            <a:r>
+              <a:rPr/>
+              <a:t>si</a:t>
+            </a:r>
+            <a:r>
+              <a:rPr/>
+              <a:t> </a:t>
+            </a:r>
+            <a:r>
+              <a:rPr/>
+              <a:t>pulsas</a:t>
+            </a:r>
+            <a:r>
+              <a:rPr/>
+              <a:t> </a:t>
+            </a:r>
+            <a:r>
+              <a:rPr/>
+              <a:t>‘</a:t>
+            </a:r>
+            <a:r>
+              <a:rPr/>
+              <a:t>s</a:t>
+            </a:r>
+            <a:r>
+              <a:rPr/>
+              <a:t>’</a:t>
+            </a:r>
+            <a:r>
+              <a:rPr/>
+              <a:t> </a:t>
+            </a:r>
+            <a:r>
+              <a:rPr/>
+              <a:t>en</a:t>
+            </a:r>
+            <a:r>
+              <a:rPr/>
+              <a:t> </a:t>
+            </a:r>
+            <a:r>
+              <a:rPr/>
+              <a:t>las</a:t>
+            </a:r>
+            <a:r>
+              <a:rPr/>
+              <a:t> </a:t>
+            </a:r>
+            <a:r>
+              <a:rPr/>
+              <a:t>slides.</a:t>
+            </a:r>
+          </a:p>
+        </p:txBody>
+      </p:sp>
+      <p:sp>
+        <p:nvSpPr>
+          <p:cNvPr id="4" name="Slide Number Placeholder 3"/>
+          <p:cNvSpPr>
+            <a:spLocks noGrp="1"/>
+          </p:cNvSpPr>
+          <p:nvPr>
+            <p:ph type="sldNum" sz="quarter" idx="10"/>
+          </p:nvPr>
+        </p:nvSpPr>
+        <p:spPr/>
+        <p:txBody>
+          <a:bodyPr/>
+          <a:lstStyle/>
+          <a:p>
+            <a:fld id="{18BDFEC3-8487-43E8-A154-7C12CBC1FFF2}" type="slidenum">
+              <a:rPr lang="en-US"/>
+              <a:t>22</a:t>
+            </a:fld>
+            <a:endParaRPr lang="en-US"/>
+          </a:p>
+        </p:txBody>
+      </p:sp>
+    </p:spTree>
+  </p:cSld>
+</p:notes>
 </file>
 
 <file path=ppt/slideLayouts/slideLayout1.xml><?xml version="1.0" encoding="utf-8"?>
@@ -4487,16 +5035,7 @@
               <a:rPr>
                 <a:latin typeface="Courier"/>
               </a:rPr>
-              <a:t/>
-            </a:r>
-          </a:p>
-          <a:p>
-            <a:pPr lvl="0" marL="0" indent="0">
-              <a:buNone/>
-            </a:pPr>
-            <a:r>
-              <a:rPr/>
-              <a:t>@import import/import-1.md startLine=2 endLine=3 showNumberLines ~~~ ~~~</a:t>
+              <a:t> @import import/import-1.md startLine=2 endLine=3 showNumberLines</a:t>
             </a:r>
           </a:p>
           <a:p>
@@ -4613,18 +5152,9 @@
               <a:rPr>
                 <a:latin typeface="Courier"/>
               </a:rPr>
-              <a:t>&lt;aside class="notes"&gt;
-Esto solo es visible en modo libro o si pulsas 's' en las slides.
-&lt;/aside&gt; </a:t>
-            </a:r>
-          </a:p>
-          <a:p>
-            <a:pPr lvl="0" marL="0" indent="0">
-              <a:buNone/>
-            </a:pPr>
-            <a:r>
-              <a:rPr/>
-              <a:t>Esto solo es visible en modo libro o si pulsas ‘s’ en las slides.</a:t>
+              <a:t> @start-notes
+ Esto solo es visible en modo libro o si pulsas 's' en las slides.
+ @end-notes </a:t>
             </a:r>
           </a:p>
         </p:txBody>
@@ -7709,12 +8239,7 @@
             <p:ph type="title"/>
           </p:nvPr>
         </p:nvSpPr>
-        <p:spPr>
-          <a:xfrm>
-            <a:off x="722313" y="4406900"/>
-            <a:ext cx="7772400" cy="1362075"/>
-          </a:xfrm>
-        </p:spPr>
+        <p:spPr/>
         <p:txBody>
           <a:bodyPr/>
           <a:lstStyle/>
@@ -7724,7 +8249,7 @@
             </a:pPr>
             <a:r>
               <a:rPr/>
-              <a:t>Adolfo</a:t>
+              <a:t>Versión</a:t>
             </a:r>
             <a:r>
               <a:rPr/>
@@ -7732,31 +8257,51 @@
             </a:r>
             <a:r>
               <a:rPr/>
-              <a:t>Sanz</a:t>
-            </a:r>
-            <a:r>
-              <a:rPr/>
-              <a:t> </a:t>
-            </a:r>
-            <a:r>
-              <a:rPr/>
-              <a:t>De</a:t>
-            </a:r>
-            <a:r>
-              <a:rPr/>
-              <a:t> </a:t>
-            </a:r>
-            <a:r>
-              <a:rPr/>
-              <a:t>Diego</a:t>
-            </a:r>
-            <a:r>
-              <a:rPr/>
-              <a:t> </a:t>
-            </a:r>
-            <a:r>
-              <a:rPr/>
-              <a:t>Autor</a:t>
+              <a:t>6.0</a:t>
+            </a:r>
+          </a:p>
+        </p:txBody>
+      </p:sp>
+      <p:sp>
+        <p:nvSpPr>
+          <p:cNvPr id="3" name="Content Placeholder 2"/>
+          <p:cNvSpPr>
+            <a:spLocks noGrp="1"/>
+          </p:cNvSpPr>
+          <p:nvPr>
+            <p:ph idx="1"/>
+          </p:nvPr>
+        </p:nvSpPr>
+        <p:spPr/>
+        <p:txBody>
+          <a:bodyPr/>
+          <a:lstStyle/>
+          <a:p>
+            <a:pPr lvl="1"/>
+            <a:r>
+              <a:rPr/>
+              <a:t>Añadida la posiibilidad de exportar a PowerPoint.</a:t>
+            </a:r>
+          </a:p>
+          <a:p>
+            <a:pPr lvl="1"/>
+            <a:r>
+              <a:rPr/>
+              <a:t>Actualizado todas las librerías a la última versión.</a:t>
+            </a:r>
+          </a:p>
+          <a:p>
+            <a:pPr lvl="1"/>
+            <a:r>
+              <a:rPr/>
+              <a:t>Actualizadas las plantillas.</a:t>
+            </a:r>
+          </a:p>
+          <a:p>
+            <a:pPr lvl="1"/>
+            <a:r>
+              <a:rPr/>
+              <a:t>Actualizado el Dockerfile.</a:t>
             </a:r>
           </a:p>
         </p:txBody>
@@ -7793,7 +8338,12 @@
             <p:ph type="title"/>
           </p:nvPr>
         </p:nvSpPr>
-        <p:spPr/>
+        <p:spPr>
+          <a:xfrm>
+            <a:off x="722313" y="4406900"/>
+            <a:ext cx="7772400" cy="1362075"/>
+          </a:xfrm>
+        </p:spPr>
         <p:txBody>
           <a:bodyPr/>
           <a:lstStyle/>
@@ -7829,66 +8379,13 @@
               <a:rPr/>
               <a:t>Diego</a:t>
             </a:r>
-          </a:p>
-        </p:txBody>
-      </p:sp>
-      <p:sp>
-        <p:nvSpPr>
-          <p:cNvPr id="3" name="Content Placeholder 2"/>
-          <p:cNvSpPr>
-            <a:spLocks noGrp="1"/>
-          </p:cNvSpPr>
-          <p:nvPr>
-            <p:ph idx="1"/>
-          </p:nvPr>
-        </p:nvSpPr>
-        <p:spPr/>
-        <p:txBody>
-          <a:bodyPr/>
-          <a:lstStyle/>
-          <a:p>
-            <a:pPr lvl="1"/>
-            <a:r>
-              <a:rPr/>
-              <a:t>Empecé </a:t>
-            </a:r>
-            <a:r>
-              <a:rPr b="1"/>
-              <a:t>desarrollando aplicaciones web</a:t>
-            </a:r>
-            <a:r>
-              <a:rPr/>
-              <a:t>, hasta que di el salto a la docencia.</a:t>
-            </a:r>
-          </a:p>
-          <a:p>
-            <a:pPr lvl="1"/>
-            <a:r>
-              <a:rPr/>
-              <a:t>Actualmente soy </a:t>
-            </a:r>
-            <a:r>
-              <a:rPr b="1"/>
-              <a:t>Asesor Técnico Docente</a:t>
-            </a:r>
-            <a:r>
-              <a:rPr/>
-              <a:t> en el servicio TIC de la D.G de Infraestructuras y Servicios de la Consejería de Educación, Juventud y Deporte de la Comunidad de Madrid.</a:t>
-            </a:r>
-          </a:p>
-          <a:p>
-            <a:pPr lvl="1"/>
-            <a:r>
-              <a:rPr/>
-              <a:t>Además colaboro como </a:t>
-            </a:r>
-            <a:r>
-              <a:rPr b="1"/>
-              <a:t>formador especializado en tecnologías de desarrollo</a:t>
-            </a:r>
-            <a:r>
-              <a:rPr/>
-              <a:t>.</a:t>
+            <a:r>
+              <a:rPr/>
+              <a:t> </a:t>
+            </a:r>
+            <a:r>
+              <a:rPr/>
+              <a:t>Autor</a:t>
             </a:r>
           </a:p>
         </p:txBody>
@@ -7935,7 +8432,7 @@
             </a:pPr>
             <a:r>
               <a:rPr/>
-              <a:t>Algunos</a:t>
+              <a:t>Adolfo</a:t>
             </a:r>
             <a:r>
               <a:rPr/>
@@ -7943,7 +8440,23 @@
             </a:r>
             <a:r>
               <a:rPr/>
-              <a:t>proyectos</a:t>
+              <a:t>Sanz</a:t>
+            </a:r>
+            <a:r>
+              <a:rPr/>
+              <a:t> </a:t>
+            </a:r>
+            <a:r>
+              <a:rPr/>
+              <a:t>De</a:t>
+            </a:r>
+            <a:r>
+              <a:rPr/>
+              <a:t> </a:t>
+            </a:r>
+            <a:r>
+              <a:rPr/>
+              <a:t>Diego</a:t>
             </a:r>
           </a:p>
         </p:txBody>
@@ -7966,43 +8479,45 @@
             <a:pPr lvl="1"/>
             <a:r>
               <a:rPr/>
-              <a:t>Hackathon Lovers </a:t>
-            </a:r>
-            <a:r>
-              <a:rPr>
-                <a:hlinkClick r:id="rId2"/>
-              </a:rPr>
-              <a:t>Hackathon Lovers</a:t>
-            </a:r>
-            <a:r>
-              <a:rPr/>
-              <a:t>: un grupo creado para emprendedores y desarrolladores amantes de los hackathones.</a:t>
-            </a:r>
-          </a:p>
-          <a:p>
-            <a:pPr lvl="1"/>
-            <a:r>
-              <a:rPr>
-                <a:hlinkClick r:id="rId3"/>
-              </a:rPr>
-              <a:t>Password Manager Generator</a:t>
-            </a:r>
-            <a:r>
-              <a:rPr/>
-              <a:t>: un gestor de contraseñas online.</a:t>
-            </a:r>
-          </a:p>
-          <a:p>
-            <a:pPr lvl="1"/>
-            <a:r>
-              <a:rPr>
-                <a:hlinkClick r:id="rId4"/>
-              </a:rPr>
-              <a:t>MarkdownSlides</a:t>
-            </a:r>
-            <a:r>
-              <a:rPr/>
-              <a:t>: un script para crear slides a partir de ficheros MD.</a:t>
+              <a:t>Empecé </a:t>
+            </a:r>
+            <a:r>
+              <a:rPr b="1"/>
+              <a:t>desarrollando aplicaciones web</a:t>
+            </a:r>
+            <a:r>
+              <a:rPr/>
+              <a:t>, hasta que di el salto a la docencia.</a:t>
+            </a:r>
+          </a:p>
+          <a:p>
+            <a:pPr lvl="1"/>
+            <a:r>
+              <a:rPr/>
+              <a:t>Actualmente soy </a:t>
+            </a:r>
+            <a:r>
+              <a:rPr b="1"/>
+              <a:t>Asesor Técnico Docente</a:t>
+            </a:r>
+            <a:r>
+              <a:rPr/>
+              <a:t> en el servicio TIC de la D.G de Infraestructuras y Servicios de la Consejería de Educación, Juventud y Deporte de la Comunidad de Madrid.</a:t>
+            </a:r>
+          </a:p>
+          <a:p>
+            <a:pPr lvl="1"/>
+            <a:r>
+              <a:rPr/>
+              <a:t>Además colaboro como </a:t>
+            </a:r>
+            <a:r>
+              <a:rPr b="1"/>
+              <a:t>formador especializado en tecnologías de desarrollo</a:t>
+            </a:r>
+            <a:r>
+              <a:rPr/>
+              <a:t>.</a:t>
             </a:r>
           </a:p>
         </p:txBody>
@@ -8049,6 +8564,120 @@
             </a:pPr>
             <a:r>
               <a:rPr/>
+              <a:t>Algunos</a:t>
+            </a:r>
+            <a:r>
+              <a:rPr/>
+              <a:t> </a:t>
+            </a:r>
+            <a:r>
+              <a:rPr/>
+              <a:t>proyectos</a:t>
+            </a:r>
+          </a:p>
+        </p:txBody>
+      </p:sp>
+      <p:sp>
+        <p:nvSpPr>
+          <p:cNvPr id="3" name="Content Placeholder 2"/>
+          <p:cNvSpPr>
+            <a:spLocks noGrp="1"/>
+          </p:cNvSpPr>
+          <p:nvPr>
+            <p:ph idx="1"/>
+          </p:nvPr>
+        </p:nvSpPr>
+        <p:spPr/>
+        <p:txBody>
+          <a:bodyPr/>
+          <a:lstStyle/>
+          <a:p>
+            <a:pPr lvl="1"/>
+            <a:r>
+              <a:rPr/>
+              <a:t>Hackathon Lovers </a:t>
+            </a:r>
+            <a:r>
+              <a:rPr>
+                <a:hlinkClick r:id="rId2"/>
+              </a:rPr>
+              <a:t>Hackathon Lovers</a:t>
+            </a:r>
+            <a:r>
+              <a:rPr/>
+              <a:t>: un grupo creado para emprendedores y desarrolladores amantes de los hackathones.</a:t>
+            </a:r>
+          </a:p>
+          <a:p>
+            <a:pPr lvl="1"/>
+            <a:r>
+              <a:rPr>
+                <a:hlinkClick r:id="rId3"/>
+              </a:rPr>
+              <a:t>Password Manager Generator</a:t>
+            </a:r>
+            <a:r>
+              <a:rPr/>
+              <a:t>: un gestor de contraseñas online.</a:t>
+            </a:r>
+          </a:p>
+          <a:p>
+            <a:pPr lvl="1"/>
+            <a:r>
+              <a:rPr>
+                <a:hlinkClick r:id="rId4"/>
+              </a:rPr>
+              <a:t>MarkdownSlides</a:t>
+            </a:r>
+            <a:r>
+              <a:rPr/>
+              <a:t>: un script para crear slides a partir de ficheros MD.</a:t>
+            </a:r>
+          </a:p>
+        </p:txBody>
+      </p:sp>
+    </p:spTree>
+  </p:cSld>
+</p:sld>
+</file>
+
+<file path=ppt/slides/slide48.xml><?xml version="1.0" encoding="utf-8"?>
+<p:sld xmlns:a="http://schemas.openxmlformats.org/drawingml/2006/main" xmlns:r="http://schemas.openxmlformats.org/officeDocument/2006/relationships" xmlns:p="http://schemas.openxmlformats.org/presentationml/2006/main">
+  <p:cSld>
+    <p:spTree>
+      <p:nvGrpSpPr>
+        <p:cNvPr id="1" name=""/>
+        <p:cNvGrpSpPr/>
+        <p:nvPr/>
+      </p:nvGrpSpPr>
+      <p:grpSpPr>
+        <a:xfrm>
+          <a:off x="0" y="0"/>
+          <a:ext cx="0" cy="0"/>
+          <a:chOff x="0" y="0"/>
+          <a:chExt cx="0" cy="0"/>
+        </a:xfrm>
+      </p:grpSpPr>
+      <p:sp>
+        <p:nvSpPr>
+          <p:cNvPr id="2" name="Title 1"/>
+          <p:cNvSpPr>
+            <a:spLocks noGrp="1"/>
+          </p:cNvSpPr>
+          <p:nvPr>
+            <p:ph type="title"/>
+          </p:nvPr>
+        </p:nvSpPr>
+        <p:spPr/>
+        <p:txBody>
+          <a:bodyPr/>
+          <a:lstStyle/>
+          <a:p>
+            <a:pPr lvl="0" marL="0" indent="0">
+              <a:buNone/>
+            </a:pPr>
+            <a:r>
+              <a:rPr/>
               <a:t>¿Donde</a:t>
             </a:r>
             <a:r>
@@ -8641,10 +9270,9 @@
               <a:rPr b="1"/>
               <a:t>Este obra está bajo una licencia:</a:t>
             </a:r>
-            <a:r>
-              <a:rPr/>
-              <a:t> - </a:t>
-            </a:r>
+          </a:p>
+          <a:p>
+            <a:pPr lvl="2"/>
             <a:r>
               <a:rPr>
                 <a:hlinkClick r:id="rId2"/>
@@ -8658,10 +9286,9 @@
               <a:rPr b="1"/>
               <a:t>El código fuente de los programas están bajo una licencia:</a:t>
             </a:r>
-            <a:r>
-              <a:rPr/>
-              <a:t> - </a:t>
-            </a:r>
+          </a:p>
+          <a:p>
+            <a:pPr lvl="2"/>
             <a:r>
               <a:rPr>
                 <a:hlinkClick r:id="rId3"/>
@@ -9046,4 +9673,265 @@
   </a:objectDefaults>
   <a:extraClrSchemeLst/>
 </a:theme>
+</file>
+
+<file path=ppt/theme/theme2.xml><?xml version="1.0" encoding="utf-8"?>
+<a:theme xmlns:a="http://schemas.openxmlformats.org/drawingml/2006/main" name="Office Theme">
+  <a:themeElements>
+    <a:clrScheme name="Office">
+      <a:dk1>
+        <a:sysClr val="windowText" lastClr="000000"/>
+      </a:dk1>
+      <a:lt1>
+        <a:sysClr val="window" lastClr="FFFFFF"/>
+      </a:lt1>
+      <a:dk2>
+        <a:srgbClr val="44546A"/>
+      </a:dk2>
+      <a:lt2>
+        <a:srgbClr val="E7E6E6"/>
+      </a:lt2>
+      <a:accent1>
+        <a:srgbClr val="5B9BD5"/>
+      </a:accent1>
+      <a:accent2>
+        <a:srgbClr val="ED7D31"/>
+      </a:accent2>
+      <a:accent3>
+        <a:srgbClr val="A5A5A5"/>
+      </a:accent3>
+      <a:accent4>
+        <a:srgbClr val="FFC000"/>
+      </a:accent4>
+      <a:accent5>
+        <a:srgbClr val="4472C4"/>
+      </a:accent5>
+      <a:accent6>
+        <a:srgbClr val="70AD47"/>
+      </a:accent6>
+      <a:hlink>
+        <a:srgbClr val="0563C1"/>
+      </a:hlink>
+      <a:folHlink>
+        <a:srgbClr val="954F72"/>
+      </a:folHlink>
+    </a:clrScheme>
+    <a:fontScheme name="Office">
+      <a:majorFont>
+        <a:latin typeface="Calibri Light" panose="020F0302020204030204"/>
+        <a:ea typeface=""/>
+        <a:cs typeface=""/>
+        <a:font script="Jpan" typeface="ＭＳ Ｐゴシック"/>
+        <a:font script="Hang" typeface="맑은 고딕"/>
+        <a:font script="Hans" typeface="宋体"/>
+        <a:font script="Hant" typeface="新細明體"/>
+        <a:font script="Arab" typeface="Times New Roman"/>
+        <a:font script="Hebr" typeface="Times New Roman"/>
+        <a:font script="Thai" typeface="Angsana New"/>
+        <a:font script="Ethi" typeface="Nyala"/>
+        <a:font script="Beng" typeface="Vrinda"/>
+        <a:font script="Gujr" typeface="Shruti"/>
+        <a:font script="Khmr" typeface="MoolBoran"/>
+        <a:font script="Knda" typeface="Tunga"/>
+        <a:font script="Guru" typeface="Raavi"/>
+        <a:font script="Cans" typeface="Euphemia"/>
+        <a:font script="Cher" typeface="Plantagenet Cherokee"/>
+        <a:font script="Yiii" typeface="Microsoft Yi Baiti"/>
+        <a:font script="Tibt" typeface="Microsoft Himalaya"/>
+        <a:font script="Thaa" typeface="MV Boli"/>
+        <a:font script="Deva" typeface="Mangal"/>
+        <a:font script="Telu" typeface="Gautami"/>
+        <a:font script="Taml" typeface="Latha"/>
+        <a:font script="Syrc" typeface="Estrangelo Edessa"/>
+        <a:font script="Orya" typeface="Kalinga"/>
+        <a:font script="Mlym" typeface="Kartika"/>
+        <a:font script="Laoo" typeface="DokChampa"/>
+        <a:font script="Sinh" typeface="Iskoola Pota"/>
+        <a:font script="Mong" typeface="Mongolian Baiti"/>
+        <a:font script="Viet" typeface="Times New Roman"/>
+        <a:font script="Uigh" typeface="Microsoft Uighur"/>
+        <a:font script="Geor" typeface="Sylfaen"/>
+      </a:majorFont>
+      <a:minorFont>
+        <a:latin typeface="Calibri" panose="020F0502020204030204"/>
+        <a:ea typeface=""/>
+        <a:cs typeface=""/>
+        <a:font script="Jpan" typeface="ＭＳ Ｐゴシック"/>
+        <a:font script="Hang" typeface="맑은 고딕"/>
+        <a:font script="Hans" typeface="宋体"/>
+        <a:font script="Hant" typeface="新細明體"/>
+        <a:font script="Arab" typeface="Arial"/>
+        <a:font script="Hebr" typeface="Arial"/>
+        <a:font script="Thai" typeface="Cordia New"/>
+        <a:font script="Ethi" typeface="Nyala"/>
+        <a:font script="Beng" typeface="Vrinda"/>
+        <a:font script="Gujr" typeface="Shruti"/>
+        <a:font script="Khmr" typeface="DaunPenh"/>
+        <a:font script="Knda" typeface="Tunga"/>
+        <a:font script="Guru" typeface="Raavi"/>
+        <a:font script="Cans" typeface="Euphemia"/>
+        <a:font script="Cher" typeface="Plantagenet Cherokee"/>
+        <a:font script="Yiii" typeface="Microsoft Yi Baiti"/>
+        <a:font script="Tibt" typeface="Microsoft Himalaya"/>
+        <a:font script="Thaa" typeface="MV Boli"/>
+        <a:font script="Deva" typeface="Mangal"/>
+        <a:font script="Telu" typeface="Gautami"/>
+        <a:font script="Taml" typeface="Latha"/>
+        <a:font script="Syrc" typeface="Estrangelo Edessa"/>
+        <a:font script="Orya" typeface="Kalinga"/>
+        <a:font script="Mlym" typeface="Kartika"/>
+        <a:font script="Laoo" typeface="DokChampa"/>
+        <a:font script="Sinh" typeface="Iskoola Pota"/>
+        <a:font script="Mong" typeface="Mongolian Baiti"/>
+        <a:font script="Viet" typeface="Arial"/>
+        <a:font script="Uigh" typeface="Microsoft Uighur"/>
+        <a:font script="Geor" typeface="Sylfaen"/>
+      </a:minorFont>
+    </a:fontScheme>
+    <a:fmtScheme name="Office">
+      <a:fillStyleLst>
+        <a:solidFill>
+          <a:schemeClr val="phClr"/>
+        </a:solidFill>
+        <a:gradFill rotWithShape="1">
+          <a:gsLst>
+            <a:gs pos="0">
+              <a:schemeClr val="phClr">
+                <a:lumMod val="110000"/>
+                <a:satMod val="105000"/>
+                <a:tint val="67000"/>
+              </a:schemeClr>
+            </a:gs>
+            <a:gs pos="50000">
+              <a:schemeClr val="phClr">
+                <a:lumMod val="105000"/>
+                <a:satMod val="103000"/>
+                <a:tint val="73000"/>
+              </a:schemeClr>
+            </a:gs>
+            <a:gs pos="100000">
+              <a:schemeClr val="phClr">
+                <a:lumMod val="105000"/>
+                <a:satMod val="109000"/>
+                <a:tint val="81000"/>
+              </a:schemeClr>
+            </a:gs>
+          </a:gsLst>
+          <a:lin ang="5400000" scaled="0"/>
+        </a:gradFill>
+        <a:gradFill rotWithShape="1">
+          <a:gsLst>
+            <a:gs pos="0">
+              <a:schemeClr val="phClr">
+                <a:satMod val="103000"/>
+                <a:lumMod val="102000"/>
+                <a:tint val="94000"/>
+              </a:schemeClr>
+            </a:gs>
+            <a:gs pos="50000">
+              <a:schemeClr val="phClr">
+                <a:satMod val="110000"/>
+                <a:lumMod val="100000"/>
+                <a:shade val="100000"/>
+              </a:schemeClr>
+            </a:gs>
+            <a:gs pos="100000">
+              <a:schemeClr val="phClr">
+                <a:lumMod val="99000"/>
+                <a:satMod val="120000"/>
+                <a:shade val="78000"/>
+              </a:schemeClr>
+            </a:gs>
+          </a:gsLst>
+          <a:lin ang="5400000" scaled="0"/>
+        </a:gradFill>
+      </a:fillStyleLst>
+      <a:lnStyleLst>
+        <a:ln w="6350" cap="flat" cmpd="sng" algn="ctr">
+          <a:solidFill>
+            <a:schemeClr val="phClr"/>
+          </a:solidFill>
+          <a:prstDash val="solid"/>
+          <a:miter lim="800000"/>
+        </a:ln>
+        <a:ln w="12700" cap="flat" cmpd="sng" algn="ctr">
+          <a:solidFill>
+            <a:schemeClr val="phClr"/>
+          </a:solidFill>
+          <a:prstDash val="solid"/>
+          <a:miter lim="800000"/>
+        </a:ln>
+        <a:ln w="19050" cap="flat" cmpd="sng" algn="ctr">
+          <a:solidFill>
+            <a:schemeClr val="phClr"/>
+          </a:solidFill>
+          <a:prstDash val="solid"/>
+          <a:miter lim="800000"/>
+        </a:ln>
+      </a:lnStyleLst>
+      <a:effectStyleLst>
+        <a:effectStyle>
+          <a:effectLst/>
+        </a:effectStyle>
+        <a:effectStyle>
+          <a:effectLst/>
+        </a:effectStyle>
+        <a:effectStyle>
+          <a:effectLst>
+            <a:outerShdw blurRad="57150" dist="19050" dir="5400000" algn="ctr" rotWithShape="0">
+              <a:srgbClr val="000000">
+                <a:alpha val="63000"/>
+              </a:srgbClr>
+            </a:outerShdw>
+          </a:effectLst>
+        </a:effectStyle>
+      </a:effectStyleLst>
+      <a:bgFillStyleLst>
+        <a:solidFill>
+          <a:schemeClr val="phClr"/>
+        </a:solidFill>
+        <a:solidFill>
+          <a:schemeClr val="phClr">
+            <a:tint val="95000"/>
+            <a:satMod val="170000"/>
+          </a:schemeClr>
+        </a:solidFill>
+        <a:gradFill rotWithShape="1">
+          <a:gsLst>
+            <a:gs pos="0">
+              <a:schemeClr val="phClr">
+                <a:tint val="93000"/>
+                <a:satMod val="150000"/>
+                <a:shade val="98000"/>
+                <a:lumMod val="102000"/>
+              </a:schemeClr>
+            </a:gs>
+            <a:gs pos="50000">
+              <a:schemeClr val="phClr">
+                <a:tint val="98000"/>
+                <a:satMod val="130000"/>
+                <a:shade val="90000"/>
+                <a:lumMod val="103000"/>
+              </a:schemeClr>
+            </a:gs>
+            <a:gs pos="100000">
+              <a:schemeClr val="phClr">
+                <a:shade val="63000"/>
+                <a:satMod val="120000"/>
+              </a:schemeClr>
+            </a:gs>
+          </a:gsLst>
+          <a:lin ang="5400000" scaled="0"/>
+        </a:gradFill>
+      </a:bgFillStyleLst>
+    </a:fmtScheme>
+  </a:themeElements>
+  <a:objectDefaults/>
+  <a:extraClrSchemeLst/>
+  <a:extLst>
+    <a:ext uri="{05A4C25C-085E-4340-85A3-A5531E510DB2}">
+      <thm15:themeFamily xmlns:thm15="http://schemas.microsoft.com/office/thememl/2012/main" name="Office Theme" id="{62F939B6-93AF-4DB8-9C6B-D6C7DFDC589F}" vid="{4A3C46E8-61CC-4603-A589-7422A47A8E4A}"/>
+    </a:ext>
+  </a:extLst>
+</a:theme>
 </file>
--- a/doc/export/leeme-slides-plus.pptx
+++ b/doc/export/leeme-slides-plus.pptx
@@ -4091,7 +4091,7 @@
               <a:rPr>
                 <a:hlinkClick r:id="rId2"/>
               </a:rPr>
-              <a:t>https://github.com/asanzdiego/markdownslides/archive/5.0.zip</a:t>
+              <a:t>https://github.com/asanzdiego/markdownslides/archive/6.0.zip</a:t>
             </a:r>
           </a:p>
         </p:txBody>

--- a/doc/export/leeme-slides-plus.pptx
+++ b/doc/export/leeme-slides-plus.pptx
@@ -6796,7 +6796,7 @@
             </a:pPr>
             <a:r>
               <a:rPr/>
-              <a:t>Releases</a:t>
+              <a:t>Notas</a:t>
             </a:r>
             <a:r>
               <a:rPr/>
@@ -6804,7 +6804,23 @@
             </a:r>
             <a:r>
               <a:rPr/>
-              <a:t>notes</a:t>
+              <a:t>de</a:t>
+            </a:r>
+            <a:r>
+              <a:rPr/>
+              <a:t> </a:t>
+            </a:r>
+            <a:r>
+              <a:rPr/>
+              <a:t>las</a:t>
+            </a:r>
+            <a:r>
+              <a:rPr/>
+              <a:t> </a:t>
+            </a:r>
+            <a:r>
+              <a:rPr/>
+              <a:t>versiones</a:t>
             </a:r>
           </a:p>
         </p:txBody>

--- a/doc/export/leeme-slides-plus.pptx
+++ b/doc/export/leeme-slides-plus.pptx
@@ -5,7 +5,7 @@
     <p:sldMasterId id="2147483648" r:id="rId1"/>
   </p:sldMasterIdLst>
   <p:notesMasterIdLst>
-    <p:NotesMasterId r:id="rId50"/>
+    <p:NotesMasterId r:id="rId51"/>
   </p:notesMasterIdLst>
   <p:sldIdLst>
     <p:sldId id="256" r:id="rId2"/>
@@ -56,6 +56,7 @@
     <p:sldId id="301" r:id="rId47"/>
     <p:sldId id="302" r:id="rId48"/>
     <p:sldId id="303" r:id="rId49"/>
+    <p:sldId id="304" r:id="rId50"/>
   </p:sldIdLst>
   <p:sldSz cx="9144000" cy="6858000" type="screen4x3"/>
   <p:notesSz cx="6858000" cy="9144000"/>
@@ -4091,7 +4092,7 @@
               <a:rPr>
                 <a:hlinkClick r:id="rId2"/>
               </a:rPr>
-              <a:t>https://github.com/asanzdiego/markdownslides/archive/6.0.zip</a:t>
+              <a:t>https://github.com/asanzdiego/markdownslides/archive/6.1.zip</a:t>
             </a:r>
           </a:p>
         </p:txBody>
@@ -7689,8 +7690,8 @@
         </p:blipFill>
         <p:spPr bwMode="auto">
           <a:xfrm>
-            <a:off x="876300" y="1600200"/>
-            <a:ext cx="7404100" cy="4521200"/>
+            <a:off x="457200" y="1803400"/>
+            <a:ext cx="8229600" cy="4114800"/>
           </a:xfrm>
           <a:prstGeom prst="rect">
             <a:avLst/>
@@ -8354,12 +8355,7 @@
             <p:ph type="title"/>
           </p:nvPr>
         </p:nvSpPr>
-        <p:spPr>
-          <a:xfrm>
-            <a:off x="722313" y="4406900"/>
-            <a:ext cx="7772400" cy="1362075"/>
-          </a:xfrm>
-        </p:spPr>
+        <p:spPr/>
         <p:txBody>
           <a:bodyPr/>
           <a:lstStyle/>
@@ -8369,7 +8365,7 @@
             </a:pPr>
             <a:r>
               <a:rPr/>
-              <a:t>Adolfo</a:t>
+              <a:t>Versión</a:t>
             </a:r>
             <a:r>
               <a:rPr/>
@@ -8377,31 +8373,37 @@
             </a:r>
             <a:r>
               <a:rPr/>
-              <a:t>Sanz</a:t>
-            </a:r>
-            <a:r>
-              <a:rPr/>
-              <a:t> </a:t>
-            </a:r>
-            <a:r>
-              <a:rPr/>
-              <a:t>De</a:t>
-            </a:r>
-            <a:r>
-              <a:rPr/>
-              <a:t> </a:t>
-            </a:r>
-            <a:r>
-              <a:rPr/>
-              <a:t>Diego</a:t>
-            </a:r>
-            <a:r>
-              <a:rPr/>
-              <a:t> </a:t>
-            </a:r>
-            <a:r>
-              <a:rPr/>
-              <a:t>Autor</a:t>
+              <a:t>6.1</a:t>
+            </a:r>
+          </a:p>
+        </p:txBody>
+      </p:sp>
+      <p:sp>
+        <p:nvSpPr>
+          <p:cNvPr id="3" name="Content Placeholder 2"/>
+          <p:cNvSpPr>
+            <a:spLocks noGrp="1"/>
+          </p:cNvSpPr>
+          <p:nvPr>
+            <p:ph idx="1"/>
+          </p:nvPr>
+        </p:nvSpPr>
+        <p:spPr/>
+        <p:txBody>
+          <a:bodyPr/>
+          <a:lstStyle/>
+          <a:p>
+            <a:pPr lvl="1"/>
+            <a:r>
+              <a:rPr/>
+              <a:t>Nueva imagen de MarkdownSlides.</a:t>
+            </a:r>
+          </a:p>
+          <a:p>
+            <a:pPr lvl="1"/>
+            <a:r>
+              <a:rPr/>
+              <a:t>Añadido Bootstrap a la plantilla de html.</a:t>
             </a:r>
           </a:p>
         </p:txBody>
@@ -8438,7 +8440,12 @@
             <p:ph type="title"/>
           </p:nvPr>
         </p:nvSpPr>
-        <p:spPr/>
+        <p:spPr>
+          <a:xfrm>
+            <a:off x="722313" y="4406900"/>
+            <a:ext cx="7772400" cy="1362075"/>
+          </a:xfrm>
+        </p:spPr>
         <p:txBody>
           <a:bodyPr/>
           <a:lstStyle/>
@@ -8474,66 +8481,13 @@
               <a:rPr/>
               <a:t>Diego</a:t>
             </a:r>
-          </a:p>
-        </p:txBody>
-      </p:sp>
-      <p:sp>
-        <p:nvSpPr>
-          <p:cNvPr id="3" name="Content Placeholder 2"/>
-          <p:cNvSpPr>
-            <a:spLocks noGrp="1"/>
-          </p:cNvSpPr>
-          <p:nvPr>
-            <p:ph idx="1"/>
-          </p:nvPr>
-        </p:nvSpPr>
-        <p:spPr/>
-        <p:txBody>
-          <a:bodyPr/>
-          <a:lstStyle/>
-          <a:p>
-            <a:pPr lvl="1"/>
-            <a:r>
-              <a:rPr/>
-              <a:t>Empecé </a:t>
-            </a:r>
-            <a:r>
-              <a:rPr b="1"/>
-              <a:t>desarrollando aplicaciones web</a:t>
-            </a:r>
-            <a:r>
-              <a:rPr/>
-              <a:t>, hasta que di el salto a la docencia.</a:t>
-            </a:r>
-          </a:p>
-          <a:p>
-            <a:pPr lvl="1"/>
-            <a:r>
-              <a:rPr/>
-              <a:t>Actualmente soy </a:t>
-            </a:r>
-            <a:r>
-              <a:rPr b="1"/>
-              <a:t>Asesor Técnico Docente</a:t>
-            </a:r>
-            <a:r>
-              <a:rPr/>
-              <a:t> en el servicio TIC de la D.G de Infraestructuras y Servicios de la Consejería de Educación, Juventud y Deporte de la Comunidad de Madrid.</a:t>
-            </a:r>
-          </a:p>
-          <a:p>
-            <a:pPr lvl="1"/>
-            <a:r>
-              <a:rPr/>
-              <a:t>Además colaboro como </a:t>
-            </a:r>
-            <a:r>
-              <a:rPr b="1"/>
-              <a:t>formador especializado en tecnologías de desarrollo</a:t>
-            </a:r>
-            <a:r>
-              <a:rPr/>
-              <a:t>.</a:t>
+            <a:r>
+              <a:rPr/>
+              <a:t> </a:t>
+            </a:r>
+            <a:r>
+              <a:rPr/>
+              <a:t>Autor</a:t>
             </a:r>
           </a:p>
         </p:txBody>
@@ -8580,7 +8534,7 @@
             </a:pPr>
             <a:r>
               <a:rPr/>
-              <a:t>Algunos</a:t>
+              <a:t>Adolfo</a:t>
             </a:r>
             <a:r>
               <a:rPr/>
@@ -8588,7 +8542,23 @@
             </a:r>
             <a:r>
               <a:rPr/>
-              <a:t>proyectos</a:t>
+              <a:t>Sanz</a:t>
+            </a:r>
+            <a:r>
+              <a:rPr/>
+              <a:t> </a:t>
+            </a:r>
+            <a:r>
+              <a:rPr/>
+              <a:t>De</a:t>
+            </a:r>
+            <a:r>
+              <a:rPr/>
+              <a:t> </a:t>
+            </a:r>
+            <a:r>
+              <a:rPr/>
+              <a:t>Diego</a:t>
             </a:r>
           </a:p>
         </p:txBody>
@@ -8611,43 +8581,45 @@
             <a:pPr lvl="1"/>
             <a:r>
               <a:rPr/>
-              <a:t>Hackathon Lovers </a:t>
-            </a:r>
-            <a:r>
-              <a:rPr>
-                <a:hlinkClick r:id="rId2"/>
-              </a:rPr>
-              <a:t>Hackathon Lovers</a:t>
-            </a:r>
-            <a:r>
-              <a:rPr/>
-              <a:t>: un grupo creado para emprendedores y desarrolladores amantes de los hackathones.</a:t>
-            </a:r>
-          </a:p>
-          <a:p>
-            <a:pPr lvl="1"/>
-            <a:r>
-              <a:rPr>
-                <a:hlinkClick r:id="rId3"/>
-              </a:rPr>
-              <a:t>Password Manager Generator</a:t>
-            </a:r>
-            <a:r>
-              <a:rPr/>
-              <a:t>: un gestor de contraseñas online.</a:t>
-            </a:r>
-          </a:p>
-          <a:p>
-            <a:pPr lvl="1"/>
-            <a:r>
-              <a:rPr>
-                <a:hlinkClick r:id="rId4"/>
-              </a:rPr>
-              <a:t>MarkdownSlides</a:t>
-            </a:r>
-            <a:r>
-              <a:rPr/>
-              <a:t>: un script para crear slides a partir de ficheros MD.</a:t>
+              <a:t>Empecé </a:t>
+            </a:r>
+            <a:r>
+              <a:rPr b="1"/>
+              <a:t>desarrollando aplicaciones web</a:t>
+            </a:r>
+            <a:r>
+              <a:rPr/>
+              <a:t>, hasta que di el salto a la docencia.</a:t>
+            </a:r>
+          </a:p>
+          <a:p>
+            <a:pPr lvl="1"/>
+            <a:r>
+              <a:rPr/>
+              <a:t>Actualmente soy </a:t>
+            </a:r>
+            <a:r>
+              <a:rPr b="1"/>
+              <a:t>Asesor Técnico Docente</a:t>
+            </a:r>
+            <a:r>
+              <a:rPr/>
+              <a:t> en el servicio TIC de la D.G de Infraestructuras y Servicios de la Consejería de Educación, Juventud y Deporte de la Comunidad de Madrid.</a:t>
+            </a:r>
+          </a:p>
+          <a:p>
+            <a:pPr lvl="1"/>
+            <a:r>
+              <a:rPr/>
+              <a:t>Además colaboro como </a:t>
+            </a:r>
+            <a:r>
+              <a:rPr b="1"/>
+              <a:t>formador especializado en tecnologías de desarrollo</a:t>
+            </a:r>
+            <a:r>
+              <a:rPr/>
+              <a:t>.</a:t>
             </a:r>
           </a:p>
         </p:txBody>
@@ -8658,6 +8630,120 @@
 </file>
 
 <file path=ppt/slides/slide48.xml><?xml version="1.0" encoding="utf-8"?>
+<p:sld xmlns:a="http://schemas.openxmlformats.org/drawingml/2006/main" xmlns:r="http://schemas.openxmlformats.org/officeDocument/2006/relationships" xmlns:p="http://schemas.openxmlformats.org/presentationml/2006/main">
+  <p:cSld>
+    <p:spTree>
+      <p:nvGrpSpPr>
+        <p:cNvPr id="1" name=""/>
+        <p:cNvGrpSpPr/>
+        <p:nvPr/>
+      </p:nvGrpSpPr>
+      <p:grpSpPr>
+        <a:xfrm>
+          <a:off x="0" y="0"/>
+          <a:ext cx="0" cy="0"/>
+          <a:chOff x="0" y="0"/>
+          <a:chExt cx="0" cy="0"/>
+        </a:xfrm>
+      </p:grpSpPr>
+      <p:sp>
+        <p:nvSpPr>
+          <p:cNvPr id="2" name="Title 1"/>
+          <p:cNvSpPr>
+            <a:spLocks noGrp="1"/>
+          </p:cNvSpPr>
+          <p:nvPr>
+            <p:ph type="title"/>
+          </p:nvPr>
+        </p:nvSpPr>
+        <p:spPr/>
+        <p:txBody>
+          <a:bodyPr/>
+          <a:lstStyle/>
+          <a:p>
+            <a:pPr lvl="0" marL="0" indent="0">
+              <a:buNone/>
+            </a:pPr>
+            <a:r>
+              <a:rPr/>
+              <a:t>Algunos</a:t>
+            </a:r>
+            <a:r>
+              <a:rPr/>
+              <a:t> </a:t>
+            </a:r>
+            <a:r>
+              <a:rPr/>
+              <a:t>proyectos</a:t>
+            </a:r>
+          </a:p>
+        </p:txBody>
+      </p:sp>
+      <p:sp>
+        <p:nvSpPr>
+          <p:cNvPr id="3" name="Content Placeholder 2"/>
+          <p:cNvSpPr>
+            <a:spLocks noGrp="1"/>
+          </p:cNvSpPr>
+          <p:nvPr>
+            <p:ph idx="1"/>
+          </p:nvPr>
+        </p:nvSpPr>
+        <p:spPr/>
+        <p:txBody>
+          <a:bodyPr/>
+          <a:lstStyle/>
+          <a:p>
+            <a:pPr lvl="1"/>
+            <a:r>
+              <a:rPr/>
+              <a:t>Hackathon Lovers </a:t>
+            </a:r>
+            <a:r>
+              <a:rPr>
+                <a:hlinkClick r:id="rId2"/>
+              </a:rPr>
+              <a:t>Hackathon Lovers</a:t>
+            </a:r>
+            <a:r>
+              <a:rPr/>
+              <a:t>: un grupo creado para emprendedores y desarrolladores amantes de los hackathones.</a:t>
+            </a:r>
+          </a:p>
+          <a:p>
+            <a:pPr lvl="1"/>
+            <a:r>
+              <a:rPr>
+                <a:hlinkClick r:id="rId3"/>
+              </a:rPr>
+              <a:t>Password Manager Generator</a:t>
+            </a:r>
+            <a:r>
+              <a:rPr/>
+              <a:t>: un gestor de contraseñas online.</a:t>
+            </a:r>
+          </a:p>
+          <a:p>
+            <a:pPr lvl="1"/>
+            <a:r>
+              <a:rPr>
+                <a:hlinkClick r:id="rId4"/>
+              </a:rPr>
+              <a:t>MarkdownSlides</a:t>
+            </a:r>
+            <a:r>
+              <a:rPr/>
+              <a:t>: un script para crear slides a partir de ficheros MD.</a:t>
+            </a:r>
+          </a:p>
+        </p:txBody>
+      </p:sp>
+    </p:spTree>
+  </p:cSld>
+</p:sld>
+</file>
+
+<file path=ppt/slides/slide49.xml><?xml version="1.0" encoding="utf-8"?>
 <p:sld xmlns:a="http://schemas.openxmlformats.org/drawingml/2006/main" xmlns:r="http://schemas.openxmlformats.org/officeDocument/2006/relationships" xmlns:p="http://schemas.openxmlformats.org/presentationml/2006/main">
   <p:cSld>
     <p:spTree>

--- a/doc/export/leeme-slides-plus.pptx
+++ b/doc/export/leeme-slides-plus.pptx
@@ -5,7 +5,7 @@
     <p:sldMasterId id="2147483648" r:id="rId1"/>
   </p:sldMasterIdLst>
   <p:notesMasterIdLst>
-    <p:NotesMasterId r:id="rId51"/>
+    <p:NotesMasterId r:id="rId52"/>
   </p:notesMasterIdLst>
   <p:sldIdLst>
     <p:sldId id="256" r:id="rId2"/>
@@ -57,6 +57,7 @@
     <p:sldId id="302" r:id="rId48"/>
     <p:sldId id="303" r:id="rId49"/>
     <p:sldId id="304" r:id="rId50"/>
+    <p:sldId id="305" r:id="rId51"/>
   </p:sldIdLst>
   <p:sldSz cx="9144000" cy="6858000" type="screen4x3"/>
   <p:notesSz cx="6858000" cy="9144000"/>
@@ -4092,7 +4093,7 @@
               <a:rPr>
                 <a:hlinkClick r:id="rId2"/>
               </a:rPr>
-              <a:t>https://github.com/asanzdiego/markdownslides/archive/6.1.zip</a:t>
+              <a:t>https://github.com/asanzdiego/markdownslides/archive/6.2.zip</a:t>
             </a:r>
           </a:p>
         </p:txBody>
@@ -5895,16 +5896,6 @@
               <a:buNone/>
             </a:pPr>
             <a:r>
-              <a:rPr i="1">
-                <a:solidFill>
-                  <a:srgbClr val="60A0B0"/>
-                </a:solidFill>
-                <a:latin typeface="Courier"/>
-              </a:rPr>
-              <a:t>#GENERATION_MODE='min|med|max'</a:t>
-            </a:r>
-            <a:br/>
-            <a:r>
               <a:rPr>
                 <a:solidFill>
                   <a:srgbClr val="19177C"/>
@@ -5923,7 +5914,6 @@
               <a:t>'min'</a:t>
             </a:r>
             <a:br/>
-            <a:br/>
             <a:r>
               <a:rPr>
                 <a:solidFill>
@@ -5941,6 +5931,25 @@
                 <a:latin typeface="Courier"/>
               </a:rPr>
               <a:t>'yes'</a:t>
+            </a:r>
+            <a:br/>
+            <a:r>
+              <a:rPr>
+                <a:solidFill>
+                  <a:srgbClr val="19177C"/>
+                </a:solidFill>
+                <a:latin typeface="Courier"/>
+              </a:rPr>
+              <a:t>DEFAULT_BUILD=</a:t>
+            </a:r>
+            <a:r>
+              <a:rPr>
+                <a:solidFill>
+                  <a:srgbClr val="4070A0"/>
+                </a:solidFill>
+                <a:latin typeface="Courier"/>
+              </a:rPr>
+              <a:t>'REVEAL_SLIDES_PDF'</a:t>
             </a:r>
             <a:br/>
             <a:br/>
@@ -8440,12 +8449,7 @@
             <p:ph type="title"/>
           </p:nvPr>
         </p:nvSpPr>
-        <p:spPr>
-          <a:xfrm>
-            <a:off x="722313" y="4406900"/>
-            <a:ext cx="7772400" cy="1362075"/>
-          </a:xfrm>
-        </p:spPr>
+        <p:spPr/>
         <p:txBody>
           <a:bodyPr/>
           <a:lstStyle/>
@@ -8455,7 +8459,7 @@
             </a:pPr>
             <a:r>
               <a:rPr/>
-              <a:t>Adolfo</a:t>
+              <a:t>Versión</a:t>
             </a:r>
             <a:r>
               <a:rPr/>
@@ -8463,31 +8467,30 @@
             </a:r>
             <a:r>
               <a:rPr/>
-              <a:t>Sanz</a:t>
-            </a:r>
-            <a:r>
-              <a:rPr/>
-              <a:t> </a:t>
-            </a:r>
-            <a:r>
-              <a:rPr/>
-              <a:t>De</a:t>
-            </a:r>
-            <a:r>
-              <a:rPr/>
-              <a:t> </a:t>
-            </a:r>
-            <a:r>
-              <a:rPr/>
-              <a:t>Diego</a:t>
-            </a:r>
-            <a:r>
-              <a:rPr/>
-              <a:t> </a:t>
-            </a:r>
-            <a:r>
-              <a:rPr/>
-              <a:t>Autor</a:t>
+              <a:t>6.2</a:t>
+            </a:r>
+          </a:p>
+        </p:txBody>
+      </p:sp>
+      <p:sp>
+        <p:nvSpPr>
+          <p:cNvPr id="3" name="Content Placeholder 2"/>
+          <p:cNvSpPr>
+            <a:spLocks noGrp="1"/>
+          </p:cNvSpPr>
+          <p:nvPr>
+            <p:ph idx="1"/>
+          </p:nvPr>
+        </p:nvSpPr>
+        <p:spPr/>
+        <p:txBody>
+          <a:bodyPr/>
+          <a:lstStyle/>
+          <a:p>
+            <a:pPr lvl="1"/>
+            <a:r>
+              <a:rPr/>
+              <a:t>Añadida la propiedad DEFAULT_BUILD.</a:t>
             </a:r>
           </a:p>
         </p:txBody>
@@ -8524,7 +8527,12 @@
             <p:ph type="title"/>
           </p:nvPr>
         </p:nvSpPr>
-        <p:spPr/>
+        <p:spPr>
+          <a:xfrm>
+            <a:off x="722313" y="4406900"/>
+            <a:ext cx="7772400" cy="1362075"/>
+          </a:xfrm>
+        </p:spPr>
         <p:txBody>
           <a:bodyPr/>
           <a:lstStyle/>
@@ -8560,66 +8568,13 @@
               <a:rPr/>
               <a:t>Diego</a:t>
             </a:r>
-          </a:p>
-        </p:txBody>
-      </p:sp>
-      <p:sp>
-        <p:nvSpPr>
-          <p:cNvPr id="3" name="Content Placeholder 2"/>
-          <p:cNvSpPr>
-            <a:spLocks noGrp="1"/>
-          </p:cNvSpPr>
-          <p:nvPr>
-            <p:ph idx="1"/>
-          </p:nvPr>
-        </p:nvSpPr>
-        <p:spPr/>
-        <p:txBody>
-          <a:bodyPr/>
-          <a:lstStyle/>
-          <a:p>
-            <a:pPr lvl="1"/>
-            <a:r>
-              <a:rPr/>
-              <a:t>Empecé </a:t>
-            </a:r>
-            <a:r>
-              <a:rPr b="1"/>
-              <a:t>desarrollando aplicaciones web</a:t>
-            </a:r>
-            <a:r>
-              <a:rPr/>
-              <a:t>, hasta que di el salto a la docencia.</a:t>
-            </a:r>
-          </a:p>
-          <a:p>
-            <a:pPr lvl="1"/>
-            <a:r>
-              <a:rPr/>
-              <a:t>Actualmente soy </a:t>
-            </a:r>
-            <a:r>
-              <a:rPr b="1"/>
-              <a:t>Asesor Técnico Docente</a:t>
-            </a:r>
-            <a:r>
-              <a:rPr/>
-              <a:t> en el servicio TIC de la D.G de Infraestructuras y Servicios de la Consejería de Educación, Juventud y Deporte de la Comunidad de Madrid.</a:t>
-            </a:r>
-          </a:p>
-          <a:p>
-            <a:pPr lvl="1"/>
-            <a:r>
-              <a:rPr/>
-              <a:t>Además colaboro como </a:t>
-            </a:r>
-            <a:r>
-              <a:rPr b="1"/>
-              <a:t>formador especializado en tecnologías de desarrollo</a:t>
-            </a:r>
-            <a:r>
-              <a:rPr/>
-              <a:t>.</a:t>
+            <a:r>
+              <a:rPr/>
+              <a:t> </a:t>
+            </a:r>
+            <a:r>
+              <a:rPr/>
+              <a:t>Autor</a:t>
             </a:r>
           </a:p>
         </p:txBody>
@@ -8666,7 +8621,7 @@
             </a:pPr>
             <a:r>
               <a:rPr/>
-              <a:t>Algunos</a:t>
+              <a:t>Adolfo</a:t>
             </a:r>
             <a:r>
               <a:rPr/>
@@ -8674,7 +8629,23 @@
             </a:r>
             <a:r>
               <a:rPr/>
-              <a:t>proyectos</a:t>
+              <a:t>Sanz</a:t>
+            </a:r>
+            <a:r>
+              <a:rPr/>
+              <a:t> </a:t>
+            </a:r>
+            <a:r>
+              <a:rPr/>
+              <a:t>De</a:t>
+            </a:r>
+            <a:r>
+              <a:rPr/>
+              <a:t> </a:t>
+            </a:r>
+            <a:r>
+              <a:rPr/>
+              <a:t>Diego</a:t>
             </a:r>
           </a:p>
         </p:txBody>
@@ -8697,43 +8668,45 @@
             <a:pPr lvl="1"/>
             <a:r>
               <a:rPr/>
-              <a:t>Hackathon Lovers </a:t>
-            </a:r>
-            <a:r>
-              <a:rPr>
-                <a:hlinkClick r:id="rId2"/>
-              </a:rPr>
-              <a:t>Hackathon Lovers</a:t>
-            </a:r>
-            <a:r>
-              <a:rPr/>
-              <a:t>: un grupo creado para emprendedores y desarrolladores amantes de los hackathones.</a:t>
-            </a:r>
-          </a:p>
-          <a:p>
-            <a:pPr lvl="1"/>
-            <a:r>
-              <a:rPr>
-                <a:hlinkClick r:id="rId3"/>
-              </a:rPr>
-              <a:t>Password Manager Generator</a:t>
-            </a:r>
-            <a:r>
-              <a:rPr/>
-              <a:t>: un gestor de contraseñas online.</a:t>
-            </a:r>
-          </a:p>
-          <a:p>
-            <a:pPr lvl="1"/>
-            <a:r>
-              <a:rPr>
-                <a:hlinkClick r:id="rId4"/>
-              </a:rPr>
-              <a:t>MarkdownSlides</a:t>
-            </a:r>
-            <a:r>
-              <a:rPr/>
-              <a:t>: un script para crear slides a partir de ficheros MD.</a:t>
+              <a:t>Empecé </a:t>
+            </a:r>
+            <a:r>
+              <a:rPr b="1"/>
+              <a:t>desarrollando aplicaciones web</a:t>
+            </a:r>
+            <a:r>
+              <a:rPr/>
+              <a:t>, hasta que di el salto a la docencia.</a:t>
+            </a:r>
+          </a:p>
+          <a:p>
+            <a:pPr lvl="1"/>
+            <a:r>
+              <a:rPr/>
+              <a:t>Actualmente soy </a:t>
+            </a:r>
+            <a:r>
+              <a:rPr b="1"/>
+              <a:t>Asesor Técnico Docente</a:t>
+            </a:r>
+            <a:r>
+              <a:rPr/>
+              <a:t> en el servicio TIC de la D.G de Infraestructuras y Servicios de la Consejería de Educación, Juventud y Deporte de la Comunidad de Madrid.</a:t>
+            </a:r>
+          </a:p>
+          <a:p>
+            <a:pPr lvl="1"/>
+            <a:r>
+              <a:rPr/>
+              <a:t>Además colaboro como </a:t>
+            </a:r>
+            <a:r>
+              <a:rPr b="1"/>
+              <a:t>formador especializado en tecnologías de desarrollo</a:t>
+            </a:r>
+            <a:r>
+              <a:rPr/>
+              <a:t>.</a:t>
             </a:r>
           </a:p>
         </p:txBody>
@@ -8780,7 +8753,7 @@
             </a:pPr>
             <a:r>
               <a:rPr/>
-              <a:t>¿Donde</a:t>
+              <a:t>Algunos</a:t>
             </a:r>
             <a:r>
               <a:rPr/>
@@ -8788,7 +8761,7 @@
             </a:r>
             <a:r>
               <a:rPr/>
-              <a:t>encontrarme?</a:t>
+              <a:t>proyectos</a:t>
             </a:r>
           </a:p>
         </p:txBody>
@@ -8811,76 +8784,43 @@
             <a:pPr lvl="1"/>
             <a:r>
               <a:rPr/>
-              <a:t>Mi nick: </a:t>
-            </a:r>
-            <a:r>
-              <a:rPr b="1"/>
-              <a:t>asanzdiego</a:t>
-            </a:r>
-          </a:p>
-          <a:p>
-            <a:pPr lvl="2"/>
-            <a:r>
-              <a:rPr/>
-              <a:t>Blog: </a:t>
+              <a:t>Hackathon Lovers </a:t>
             </a:r>
             <a:r>
               <a:rPr>
                 <a:hlinkClick r:id="rId2"/>
               </a:rPr>
-              <a:t>asanzdiego.com</a:t>
-            </a:r>
-          </a:p>
-          <a:p>
-            <a:pPr lvl="2"/>
-            <a:r>
-              <a:rPr/>
-              <a:t>GitHub: </a:t>
-            </a:r>
+              <a:t>Hackathon Lovers</a:t>
+            </a:r>
+            <a:r>
+              <a:rPr/>
+              <a:t>: un grupo creado para emprendedores y desarrolladores amantes de los hackathones.</a:t>
+            </a:r>
+          </a:p>
+          <a:p>
+            <a:pPr lvl="1"/>
             <a:r>
               <a:rPr>
                 <a:hlinkClick r:id="rId3"/>
               </a:rPr>
-              <a:t>github.com/asanzdiego</a:t>
-            </a:r>
-          </a:p>
-          <a:p>
-            <a:pPr lvl="2"/>
-            <a:r>
-              <a:rPr/>
-              <a:t>Twitter: </a:t>
-            </a:r>
+              <a:t>Password Manager Generator</a:t>
+            </a:r>
+            <a:r>
+              <a:rPr/>
+              <a:t>: un gestor de contraseñas online.</a:t>
+            </a:r>
+          </a:p>
+          <a:p>
+            <a:pPr lvl="1"/>
             <a:r>
               <a:rPr>
                 <a:hlinkClick r:id="rId4"/>
               </a:rPr>
-              <a:t>twitter.com/asanzdiego</a:t>
-            </a:r>
-          </a:p>
-          <a:p>
-            <a:pPr lvl="2"/>
-            <a:r>
-              <a:rPr/>
-              <a:t>LinkedIn: </a:t>
-            </a:r>
-            <a:r>
-              <a:rPr>
-                <a:hlinkClick r:id="rId5"/>
-              </a:rPr>
-              <a:t>linkedin.com/in/asanzdiego</a:t>
-            </a:r>
-          </a:p>
-          <a:p>
-            <a:pPr lvl="2"/>
-            <a:r>
-              <a:rPr/>
-              <a:t>SlideShare: </a:t>
-            </a:r>
-            <a:r>
-              <a:rPr>
-                <a:hlinkClick r:id="rId6"/>
-              </a:rPr>
-              <a:t>slideshare.net/asanzdiego</a:t>
+              <a:t>MarkdownSlides</a:t>
+            </a:r>
+            <a:r>
+              <a:rPr/>
+              <a:t>: un script para crear slides a partir de ficheros MD.</a:t>
             </a:r>
           </a:p>
         </p:txBody>
@@ -9023,6 +8963,153 @@
                 <a:hlinkClick r:id="rId8"/>
               </a:rPr>
               <a:t>pdf-book</a:t>
+            </a:r>
+          </a:p>
+        </p:txBody>
+      </p:sp>
+    </p:spTree>
+  </p:cSld>
+</p:sld>
+</file>
+
+<file path=ppt/slides/slide50.xml><?xml version="1.0" encoding="utf-8"?>
+<p:sld xmlns:a="http://schemas.openxmlformats.org/drawingml/2006/main" xmlns:r="http://schemas.openxmlformats.org/officeDocument/2006/relationships" xmlns:p="http://schemas.openxmlformats.org/presentationml/2006/main">
+  <p:cSld>
+    <p:spTree>
+      <p:nvGrpSpPr>
+        <p:cNvPr id="1" name=""/>
+        <p:cNvGrpSpPr/>
+        <p:nvPr/>
+      </p:nvGrpSpPr>
+      <p:grpSpPr>
+        <a:xfrm>
+          <a:off x="0" y="0"/>
+          <a:ext cx="0" cy="0"/>
+          <a:chOff x="0" y="0"/>
+          <a:chExt cx="0" cy="0"/>
+        </a:xfrm>
+      </p:grpSpPr>
+      <p:sp>
+        <p:nvSpPr>
+          <p:cNvPr id="2" name="Title 1"/>
+          <p:cNvSpPr>
+            <a:spLocks noGrp="1"/>
+          </p:cNvSpPr>
+          <p:nvPr>
+            <p:ph type="title"/>
+          </p:nvPr>
+        </p:nvSpPr>
+        <p:spPr/>
+        <p:txBody>
+          <a:bodyPr/>
+          <a:lstStyle/>
+          <a:p>
+            <a:pPr lvl="0" marL="0" indent="0">
+              <a:buNone/>
+            </a:pPr>
+            <a:r>
+              <a:rPr/>
+              <a:t>¿Donde</a:t>
+            </a:r>
+            <a:r>
+              <a:rPr/>
+              <a:t> </a:t>
+            </a:r>
+            <a:r>
+              <a:rPr/>
+              <a:t>encontrarme?</a:t>
+            </a:r>
+          </a:p>
+        </p:txBody>
+      </p:sp>
+      <p:sp>
+        <p:nvSpPr>
+          <p:cNvPr id="3" name="Content Placeholder 2"/>
+          <p:cNvSpPr>
+            <a:spLocks noGrp="1"/>
+          </p:cNvSpPr>
+          <p:nvPr>
+            <p:ph idx="1"/>
+          </p:nvPr>
+        </p:nvSpPr>
+        <p:spPr/>
+        <p:txBody>
+          <a:bodyPr/>
+          <a:lstStyle/>
+          <a:p>
+            <a:pPr lvl="1"/>
+            <a:r>
+              <a:rPr/>
+              <a:t>Mi nick: </a:t>
+            </a:r>
+            <a:r>
+              <a:rPr b="1"/>
+              <a:t>asanzdiego</a:t>
+            </a:r>
+          </a:p>
+          <a:p>
+            <a:pPr lvl="2"/>
+            <a:r>
+              <a:rPr/>
+              <a:t>Blog: </a:t>
+            </a:r>
+            <a:r>
+              <a:rPr>
+                <a:hlinkClick r:id="rId2"/>
+              </a:rPr>
+              <a:t>asanzdiego.com</a:t>
+            </a:r>
+          </a:p>
+          <a:p>
+            <a:pPr lvl="2"/>
+            <a:r>
+              <a:rPr/>
+              <a:t>GitHub: </a:t>
+            </a:r>
+            <a:r>
+              <a:rPr>
+                <a:hlinkClick r:id="rId3"/>
+              </a:rPr>
+              <a:t>github.com/asanzdiego</a:t>
+            </a:r>
+          </a:p>
+          <a:p>
+            <a:pPr lvl="2"/>
+            <a:r>
+              <a:rPr/>
+              <a:t>Twitter: </a:t>
+            </a:r>
+            <a:r>
+              <a:rPr>
+                <a:hlinkClick r:id="rId4"/>
+              </a:rPr>
+              <a:t>twitter.com/asanzdiego</a:t>
+            </a:r>
+          </a:p>
+          <a:p>
+            <a:pPr lvl="2"/>
+            <a:r>
+              <a:rPr/>
+              <a:t>LinkedIn: </a:t>
+            </a:r>
+            <a:r>
+              <a:rPr>
+                <a:hlinkClick r:id="rId5"/>
+              </a:rPr>
+              <a:t>linkedin.com/in/asanzdiego</a:t>
+            </a:r>
+          </a:p>
+          <a:p>
+            <a:pPr lvl="2"/>
+            <a:r>
+              <a:rPr/>
+              <a:t>SlideShare: </a:t>
+            </a:r>
+            <a:r>
+              <a:rPr>
+                <a:hlinkClick r:id="rId6"/>
+              </a:rPr>
+              <a:t>slideshare.net/asanzdiego</a:t>
             </a:r>
           </a:p>
         </p:txBody>

--- a/doc/export/leeme-slides-plus.pptx
+++ b/doc/export/leeme-slides-plus.pptx
@@ -5,7 +5,7 @@
     <p:sldMasterId id="2147483648" r:id="rId1"/>
   </p:sldMasterIdLst>
   <p:notesMasterIdLst>
-    <p:NotesMasterId r:id="rId52"/>
+    <p:NotesMasterId r:id="rId53"/>
   </p:notesMasterIdLst>
   <p:sldIdLst>
     <p:sldId id="256" r:id="rId2"/>
@@ -58,6 +58,7 @@
     <p:sldId id="303" r:id="rId49"/>
     <p:sldId id="304" r:id="rId50"/>
     <p:sldId id="305" r:id="rId51"/>
+    <p:sldId id="306" r:id="rId52"/>
   </p:sldIdLst>
   <p:sldSz cx="9144000" cy="6858000" type="screen4x3"/>
   <p:notesSz cx="6858000" cy="9144000"/>
@@ -4093,7 +4094,7 @@
               <a:rPr>
                 <a:hlinkClick r:id="rId2"/>
               </a:rPr>
-              <a:t>https://github.com/asanzdiego/markdownslides/archive/6.2.zip</a:t>
+              <a:t>https://github.com/asanzdiego/markdownslides/archive/6.3.zip</a:t>
             </a:r>
           </a:p>
         </p:txBody>
@@ -8527,12 +8528,7 @@
             <p:ph type="title"/>
           </p:nvPr>
         </p:nvSpPr>
-        <p:spPr>
-          <a:xfrm>
-            <a:off x="722313" y="4406900"/>
-            <a:ext cx="7772400" cy="1362075"/>
-          </a:xfrm>
-        </p:spPr>
+        <p:spPr/>
         <p:txBody>
           <a:bodyPr/>
           <a:lstStyle/>
@@ -8542,7 +8538,7 @@
             </a:pPr>
             <a:r>
               <a:rPr/>
-              <a:t>Adolfo</a:t>
+              <a:t>Versión</a:t>
             </a:r>
             <a:r>
               <a:rPr/>
@@ -8550,31 +8546,30 @@
             </a:r>
             <a:r>
               <a:rPr/>
-              <a:t>Sanz</a:t>
-            </a:r>
-            <a:r>
-              <a:rPr/>
-              <a:t> </a:t>
-            </a:r>
-            <a:r>
-              <a:rPr/>
-              <a:t>De</a:t>
-            </a:r>
-            <a:r>
-              <a:rPr/>
-              <a:t> </a:t>
-            </a:r>
-            <a:r>
-              <a:rPr/>
-              <a:t>Diego</a:t>
-            </a:r>
-            <a:r>
-              <a:rPr/>
-              <a:t> </a:t>
-            </a:r>
-            <a:r>
-              <a:rPr/>
-              <a:t>Autor</a:t>
+              <a:t>6.3</a:t>
+            </a:r>
+          </a:p>
+        </p:txBody>
+      </p:sp>
+      <p:sp>
+        <p:nvSpPr>
+          <p:cNvPr id="3" name="Content Placeholder 2"/>
+          <p:cNvSpPr>
+            <a:spLocks noGrp="1"/>
+          </p:cNvSpPr>
+          <p:nvPr>
+            <p:ph idx="1"/>
+          </p:nvPr>
+        </p:nvSpPr>
+        <p:spPr/>
+        <p:txBody>
+          <a:bodyPr/>
+          <a:lstStyle/>
+          <a:p>
+            <a:pPr lvl="1"/>
+            <a:r>
+              <a:rPr/>
+              <a:t>Cambio menor.</a:t>
             </a:r>
           </a:p>
         </p:txBody>
@@ -8611,7 +8606,12 @@
             <p:ph type="title"/>
           </p:nvPr>
         </p:nvSpPr>
-        <p:spPr/>
+        <p:spPr>
+          <a:xfrm>
+            <a:off x="722313" y="4406900"/>
+            <a:ext cx="7772400" cy="1362075"/>
+          </a:xfrm>
+        </p:spPr>
         <p:txBody>
           <a:bodyPr/>
           <a:lstStyle/>
@@ -8647,66 +8647,13 @@
               <a:rPr/>
               <a:t>Diego</a:t>
             </a:r>
-          </a:p>
-        </p:txBody>
-      </p:sp>
-      <p:sp>
-        <p:nvSpPr>
-          <p:cNvPr id="3" name="Content Placeholder 2"/>
-          <p:cNvSpPr>
-            <a:spLocks noGrp="1"/>
-          </p:cNvSpPr>
-          <p:nvPr>
-            <p:ph idx="1"/>
-          </p:nvPr>
-        </p:nvSpPr>
-        <p:spPr/>
-        <p:txBody>
-          <a:bodyPr/>
-          <a:lstStyle/>
-          <a:p>
-            <a:pPr lvl="1"/>
-            <a:r>
-              <a:rPr/>
-              <a:t>Empecé </a:t>
-            </a:r>
-            <a:r>
-              <a:rPr b="1"/>
-              <a:t>desarrollando aplicaciones web</a:t>
-            </a:r>
-            <a:r>
-              <a:rPr/>
-              <a:t>, hasta que di el salto a la docencia.</a:t>
-            </a:r>
-          </a:p>
-          <a:p>
-            <a:pPr lvl="1"/>
-            <a:r>
-              <a:rPr/>
-              <a:t>Actualmente soy </a:t>
-            </a:r>
-            <a:r>
-              <a:rPr b="1"/>
-              <a:t>Asesor Técnico Docente</a:t>
-            </a:r>
-            <a:r>
-              <a:rPr/>
-              <a:t> en el servicio TIC de la D.G de Infraestructuras y Servicios de la Consejería de Educación, Juventud y Deporte de la Comunidad de Madrid.</a:t>
-            </a:r>
-          </a:p>
-          <a:p>
-            <a:pPr lvl="1"/>
-            <a:r>
-              <a:rPr/>
-              <a:t>Además colaboro como </a:t>
-            </a:r>
-            <a:r>
-              <a:rPr b="1"/>
-              <a:t>formador especializado en tecnologías de desarrollo</a:t>
-            </a:r>
-            <a:r>
-              <a:rPr/>
-              <a:t>.</a:t>
+            <a:r>
+              <a:rPr/>
+              <a:t> </a:t>
+            </a:r>
+            <a:r>
+              <a:rPr/>
+              <a:t>Autor</a:t>
             </a:r>
           </a:p>
         </p:txBody>
@@ -8753,7 +8700,7 @@
             </a:pPr>
             <a:r>
               <a:rPr/>
-              <a:t>Algunos</a:t>
+              <a:t>Adolfo</a:t>
             </a:r>
             <a:r>
               <a:rPr/>
@@ -8761,7 +8708,23 @@
             </a:r>
             <a:r>
               <a:rPr/>
-              <a:t>proyectos</a:t>
+              <a:t>Sanz</a:t>
+            </a:r>
+            <a:r>
+              <a:rPr/>
+              <a:t> </a:t>
+            </a:r>
+            <a:r>
+              <a:rPr/>
+              <a:t>De</a:t>
+            </a:r>
+            <a:r>
+              <a:rPr/>
+              <a:t> </a:t>
+            </a:r>
+            <a:r>
+              <a:rPr/>
+              <a:t>Diego</a:t>
             </a:r>
           </a:p>
         </p:txBody>
@@ -8784,43 +8747,45 @@
             <a:pPr lvl="1"/>
             <a:r>
               <a:rPr/>
-              <a:t>Hackathon Lovers </a:t>
-            </a:r>
-            <a:r>
-              <a:rPr>
-                <a:hlinkClick r:id="rId2"/>
-              </a:rPr>
-              <a:t>Hackathon Lovers</a:t>
-            </a:r>
-            <a:r>
-              <a:rPr/>
-              <a:t>: un grupo creado para emprendedores y desarrolladores amantes de los hackathones.</a:t>
-            </a:r>
-          </a:p>
-          <a:p>
-            <a:pPr lvl="1"/>
-            <a:r>
-              <a:rPr>
-                <a:hlinkClick r:id="rId3"/>
-              </a:rPr>
-              <a:t>Password Manager Generator</a:t>
-            </a:r>
-            <a:r>
-              <a:rPr/>
-              <a:t>: un gestor de contraseñas online.</a:t>
-            </a:r>
-          </a:p>
-          <a:p>
-            <a:pPr lvl="1"/>
-            <a:r>
-              <a:rPr>
-                <a:hlinkClick r:id="rId4"/>
-              </a:rPr>
-              <a:t>MarkdownSlides</a:t>
-            </a:r>
-            <a:r>
-              <a:rPr/>
-              <a:t>: un script para crear slides a partir de ficheros MD.</a:t>
+              <a:t>Empecé </a:t>
+            </a:r>
+            <a:r>
+              <a:rPr b="1"/>
+              <a:t>desarrollando aplicaciones web</a:t>
+            </a:r>
+            <a:r>
+              <a:rPr/>
+              <a:t>, hasta que di el salto a la docencia.</a:t>
+            </a:r>
+          </a:p>
+          <a:p>
+            <a:pPr lvl="1"/>
+            <a:r>
+              <a:rPr/>
+              <a:t>Actualmente soy </a:t>
+            </a:r>
+            <a:r>
+              <a:rPr b="1"/>
+              <a:t>Asesor Técnico Docente</a:t>
+            </a:r>
+            <a:r>
+              <a:rPr/>
+              <a:t> en el servicio TIC de la D.G de Infraestructuras y Servicios de la Consejería de Educación, Juventud y Deporte de la Comunidad de Madrid.</a:t>
+            </a:r>
+          </a:p>
+          <a:p>
+            <a:pPr lvl="1"/>
+            <a:r>
+              <a:rPr/>
+              <a:t>Además colaboro como </a:t>
+            </a:r>
+            <a:r>
+              <a:rPr b="1"/>
+              <a:t>formador especializado en tecnologías de desarrollo</a:t>
+            </a:r>
+            <a:r>
+              <a:rPr/>
+              <a:t>.</a:t>
             </a:r>
           </a:p>
         </p:txBody>
@@ -8973,6 +8938,120 @@
 </file>
 
 <file path=ppt/slides/slide50.xml><?xml version="1.0" encoding="utf-8"?>
+<p:sld xmlns:a="http://schemas.openxmlformats.org/drawingml/2006/main" xmlns:r="http://schemas.openxmlformats.org/officeDocument/2006/relationships" xmlns:p="http://schemas.openxmlformats.org/presentationml/2006/main">
+  <p:cSld>
+    <p:spTree>
+      <p:nvGrpSpPr>
+        <p:cNvPr id="1" name=""/>
+        <p:cNvGrpSpPr/>
+        <p:nvPr/>
+      </p:nvGrpSpPr>
+      <p:grpSpPr>
+        <a:xfrm>
+          <a:off x="0" y="0"/>
+          <a:ext cx="0" cy="0"/>
+          <a:chOff x="0" y="0"/>
+          <a:chExt cx="0" cy="0"/>
+        </a:xfrm>
+      </p:grpSpPr>
+      <p:sp>
+        <p:nvSpPr>
+          <p:cNvPr id="2" name="Title 1"/>
+          <p:cNvSpPr>
+            <a:spLocks noGrp="1"/>
+          </p:cNvSpPr>
+          <p:nvPr>
+            <p:ph type="title"/>
+          </p:nvPr>
+        </p:nvSpPr>
+        <p:spPr/>
+        <p:txBody>
+          <a:bodyPr/>
+          <a:lstStyle/>
+          <a:p>
+            <a:pPr lvl="0" marL="0" indent="0">
+              <a:buNone/>
+            </a:pPr>
+            <a:r>
+              <a:rPr/>
+              <a:t>Algunos</a:t>
+            </a:r>
+            <a:r>
+              <a:rPr/>
+              <a:t> </a:t>
+            </a:r>
+            <a:r>
+              <a:rPr/>
+              <a:t>proyectos</a:t>
+            </a:r>
+          </a:p>
+        </p:txBody>
+      </p:sp>
+      <p:sp>
+        <p:nvSpPr>
+          <p:cNvPr id="3" name="Content Placeholder 2"/>
+          <p:cNvSpPr>
+            <a:spLocks noGrp="1"/>
+          </p:cNvSpPr>
+          <p:nvPr>
+            <p:ph idx="1"/>
+          </p:nvPr>
+        </p:nvSpPr>
+        <p:spPr/>
+        <p:txBody>
+          <a:bodyPr/>
+          <a:lstStyle/>
+          <a:p>
+            <a:pPr lvl="1"/>
+            <a:r>
+              <a:rPr/>
+              <a:t>Hackathon Lovers </a:t>
+            </a:r>
+            <a:r>
+              <a:rPr>
+                <a:hlinkClick r:id="rId2"/>
+              </a:rPr>
+              <a:t>Hackathon Lovers</a:t>
+            </a:r>
+            <a:r>
+              <a:rPr/>
+              <a:t>: un grupo creado para emprendedores y desarrolladores amantes de los hackathones.</a:t>
+            </a:r>
+          </a:p>
+          <a:p>
+            <a:pPr lvl="1"/>
+            <a:r>
+              <a:rPr>
+                <a:hlinkClick r:id="rId3"/>
+              </a:rPr>
+              <a:t>Password Manager Generator</a:t>
+            </a:r>
+            <a:r>
+              <a:rPr/>
+              <a:t>: un gestor de contraseñas online.</a:t>
+            </a:r>
+          </a:p>
+          <a:p>
+            <a:pPr lvl="1"/>
+            <a:r>
+              <a:rPr>
+                <a:hlinkClick r:id="rId4"/>
+              </a:rPr>
+              <a:t>MarkdownSlides</a:t>
+            </a:r>
+            <a:r>
+              <a:rPr/>
+              <a:t>: un script para crear slides a partir de ficheros MD.</a:t>
+            </a:r>
+          </a:p>
+        </p:txBody>
+      </p:sp>
+    </p:spTree>
+  </p:cSld>
+</p:sld>
+</file>
+
+<file path=ppt/slides/slide51.xml><?xml version="1.0" encoding="utf-8"?>
 <p:sld xmlns:a="http://schemas.openxmlformats.org/drawingml/2006/main" xmlns:r="http://schemas.openxmlformats.org/officeDocument/2006/relationships" xmlns:p="http://schemas.openxmlformats.org/presentationml/2006/main">
   <p:cSld>
     <p:spTree>

--- a/doc/export/leeme-slides-plus.pptx
+++ b/doc/export/leeme-slides-plus.pptx
@@ -5,7 +5,7 @@
     <p:sldMasterId id="2147483648" r:id="rId1"/>
   </p:sldMasterIdLst>
   <p:notesMasterIdLst>
-    <p:NotesMasterId r:id="rId53"/>
+    <p:NotesMasterId r:id="rId51"/>
   </p:notesMasterIdLst>
   <p:sldIdLst>
     <p:sldId id="256" r:id="rId2"/>
@@ -57,8 +57,6 @@
     <p:sldId id="302" r:id="rId48"/>
     <p:sldId id="303" r:id="rId49"/>
     <p:sldId id="304" r:id="rId50"/>
-    <p:sldId id="305" r:id="rId51"/>
-    <p:sldId id="306" r:id="rId52"/>
   </p:sldIdLst>
   <p:sldSz cx="9144000" cy="6858000" type="screen4x3"/>
   <p:notesSz cx="6858000" cy="9144000"/>
@@ -4094,7 +4092,7 @@
               <a:rPr>
                 <a:hlinkClick r:id="rId2"/>
               </a:rPr>
-              <a:t>https://github.com/asanzdiego/markdownslides/archive/6.3.zip</a:t>
+              <a:t>https://github.com/asanzdiego/markdownslides/releases</a:t>
             </a:r>
           </a:p>
         </p:txBody>
@@ -8383,7 +8381,7 @@
             </a:r>
             <a:r>
               <a:rPr/>
-              <a:t>6.1</a:t>
+              <a:t>6.*</a:t>
             </a:r>
           </a:p>
         </p:txBody>
@@ -8414,6 +8412,20 @@
             <a:r>
               <a:rPr/>
               <a:t>Añadido Bootstrap a la plantilla de html.</a:t>
+            </a:r>
+          </a:p>
+          <a:p>
+            <a:pPr lvl="1"/>
+            <a:r>
+              <a:rPr/>
+              <a:t>Añadida la propiedad DEFAULT_BUILD.</a:t>
+            </a:r>
+          </a:p>
+          <a:p>
+            <a:pPr lvl="1"/>
+            <a:r>
+              <a:rPr/>
+              <a:t>Cambios menores.</a:t>
             </a:r>
           </a:p>
         </p:txBody>
@@ -8450,7 +8462,12 @@
             <p:ph type="title"/>
           </p:nvPr>
         </p:nvSpPr>
-        <p:spPr/>
+        <p:spPr>
+          <a:xfrm>
+            <a:off x="722313" y="4406900"/>
+            <a:ext cx="7772400" cy="1362075"/>
+          </a:xfrm>
+        </p:spPr>
         <p:txBody>
           <a:bodyPr/>
           <a:lstStyle/>
@@ -8460,7 +8477,7 @@
             </a:pPr>
             <a:r>
               <a:rPr/>
-              <a:t>Versión</a:t>
+              <a:t>Adolfo</a:t>
             </a:r>
             <a:r>
               <a:rPr/>
@@ -8468,30 +8485,31 @@
             </a:r>
             <a:r>
               <a:rPr/>
-              <a:t>6.2</a:t>
-            </a:r>
-          </a:p>
-        </p:txBody>
-      </p:sp>
-      <p:sp>
-        <p:nvSpPr>
-          <p:cNvPr id="3" name="Content Placeholder 2"/>
-          <p:cNvSpPr>
-            <a:spLocks noGrp="1"/>
-          </p:cNvSpPr>
-          <p:nvPr>
-            <p:ph idx="1"/>
-          </p:nvPr>
-        </p:nvSpPr>
-        <p:spPr/>
-        <p:txBody>
-          <a:bodyPr/>
-          <a:lstStyle/>
-          <a:p>
-            <a:pPr lvl="1"/>
-            <a:r>
-              <a:rPr/>
-              <a:t>Añadida la propiedad DEFAULT_BUILD.</a:t>
+              <a:t>Sanz</a:t>
+            </a:r>
+            <a:r>
+              <a:rPr/>
+              <a:t> </a:t>
+            </a:r>
+            <a:r>
+              <a:rPr/>
+              <a:t>De</a:t>
+            </a:r>
+            <a:r>
+              <a:rPr/>
+              <a:t> </a:t>
+            </a:r>
+            <a:r>
+              <a:rPr/>
+              <a:t>Diego</a:t>
+            </a:r>
+            <a:r>
+              <a:rPr/>
+              <a:t> </a:t>
+            </a:r>
+            <a:r>
+              <a:rPr/>
+              <a:t>Autor</a:t>
             </a:r>
           </a:p>
         </p:txBody>
@@ -8538,7 +8556,7 @@
             </a:pPr>
             <a:r>
               <a:rPr/>
-              <a:t>Versión</a:t>
+              <a:t>Adolfo</a:t>
             </a:r>
             <a:r>
               <a:rPr/>
@@ -8546,7 +8564,23 @@
             </a:r>
             <a:r>
               <a:rPr/>
-              <a:t>6.3</a:t>
+              <a:t>Sanz</a:t>
+            </a:r>
+            <a:r>
+              <a:rPr/>
+              <a:t> </a:t>
+            </a:r>
+            <a:r>
+              <a:rPr/>
+              <a:t>De</a:t>
+            </a:r>
+            <a:r>
+              <a:rPr/>
+              <a:t> </a:t>
+            </a:r>
+            <a:r>
+              <a:rPr/>
+              <a:t>Diego</a:t>
             </a:r>
           </a:p>
         </p:txBody>
@@ -8569,7 +8603,45 @@
             <a:pPr lvl="1"/>
             <a:r>
               <a:rPr/>
-              <a:t>Cambio menor.</a:t>
+              <a:t>Empecé </a:t>
+            </a:r>
+            <a:r>
+              <a:rPr b="1"/>
+              <a:t>desarrollando aplicaciones web</a:t>
+            </a:r>
+            <a:r>
+              <a:rPr/>
+              <a:t>, hasta que di el salto a la docencia.</a:t>
+            </a:r>
+          </a:p>
+          <a:p>
+            <a:pPr lvl="1"/>
+            <a:r>
+              <a:rPr/>
+              <a:t>Actualmente soy </a:t>
+            </a:r>
+            <a:r>
+              <a:rPr b="1"/>
+              <a:t>Asesor Técnico Docente</a:t>
+            </a:r>
+            <a:r>
+              <a:rPr/>
+              <a:t> en el servicio TIC de la D.G de Infraestructuras y Servicios de la Consejería de Educación, Juventud y Deporte de la Comunidad de Madrid.</a:t>
+            </a:r>
+          </a:p>
+          <a:p>
+            <a:pPr lvl="1"/>
+            <a:r>
+              <a:rPr/>
+              <a:t>Además colaboro como </a:t>
+            </a:r>
+            <a:r>
+              <a:rPr b="1"/>
+              <a:t>formador especializado en tecnologías de desarrollo</a:t>
+            </a:r>
+            <a:r>
+              <a:rPr/>
+              <a:t>.</a:t>
             </a:r>
           </a:p>
         </p:txBody>
@@ -8606,12 +8678,7 @@
             <p:ph type="title"/>
           </p:nvPr>
         </p:nvSpPr>
-        <p:spPr>
-          <a:xfrm>
-            <a:off x="722313" y="4406900"/>
-            <a:ext cx="7772400" cy="1362075"/>
-          </a:xfrm>
-        </p:spPr>
+        <p:spPr/>
         <p:txBody>
           <a:bodyPr/>
           <a:lstStyle/>
@@ -8621,7 +8688,7 @@
             </a:pPr>
             <a:r>
               <a:rPr/>
-              <a:t>Adolfo</a:t>
+              <a:t>Algunos</a:t>
             </a:r>
             <a:r>
               <a:rPr/>
@@ -8629,31 +8696,66 @@
             </a:r>
             <a:r>
               <a:rPr/>
-              <a:t>Sanz</a:t>
-            </a:r>
-            <a:r>
-              <a:rPr/>
-              <a:t> </a:t>
-            </a:r>
-            <a:r>
-              <a:rPr/>
-              <a:t>De</a:t>
-            </a:r>
-            <a:r>
-              <a:rPr/>
-              <a:t> </a:t>
-            </a:r>
-            <a:r>
-              <a:rPr/>
-              <a:t>Diego</a:t>
-            </a:r>
-            <a:r>
-              <a:rPr/>
-              <a:t> </a:t>
-            </a:r>
-            <a:r>
-              <a:rPr/>
-              <a:t>Autor</a:t>
+              <a:t>proyectos</a:t>
+            </a:r>
+          </a:p>
+        </p:txBody>
+      </p:sp>
+      <p:sp>
+        <p:nvSpPr>
+          <p:cNvPr id="3" name="Content Placeholder 2"/>
+          <p:cNvSpPr>
+            <a:spLocks noGrp="1"/>
+          </p:cNvSpPr>
+          <p:nvPr>
+            <p:ph idx="1"/>
+          </p:nvPr>
+        </p:nvSpPr>
+        <p:spPr/>
+        <p:txBody>
+          <a:bodyPr/>
+          <a:lstStyle/>
+          <a:p>
+            <a:pPr lvl="1"/>
+            <a:r>
+              <a:rPr/>
+              <a:t>Hackathon Lovers </a:t>
+            </a:r>
+            <a:r>
+              <a:rPr>
+                <a:hlinkClick r:id="rId2"/>
+              </a:rPr>
+              <a:t>Hackathon Lovers</a:t>
+            </a:r>
+            <a:r>
+              <a:rPr/>
+              <a:t>: un grupo creado para emprendedores y desarrolladores amantes de los hackathones.</a:t>
+            </a:r>
+          </a:p>
+          <a:p>
+            <a:pPr lvl="1"/>
+            <a:r>
+              <a:rPr>
+                <a:hlinkClick r:id="rId3"/>
+              </a:rPr>
+              <a:t>Password Manager Generator</a:t>
+            </a:r>
+            <a:r>
+              <a:rPr/>
+              <a:t>: un gestor de contraseñas online.</a:t>
+            </a:r>
+          </a:p>
+          <a:p>
+            <a:pPr lvl="1"/>
+            <a:r>
+              <a:rPr>
+                <a:hlinkClick r:id="rId4"/>
+              </a:rPr>
+              <a:t>MarkdownSlides</a:t>
+            </a:r>
+            <a:r>
+              <a:rPr/>
+              <a:t>: un script para crear slides a partir de ficheros MD.</a:t>
             </a:r>
           </a:p>
         </p:txBody>
@@ -8700,7 +8802,7 @@
             </a:pPr>
             <a:r>
               <a:rPr/>
-              <a:t>Adolfo</a:t>
+              <a:t>¿Donde</a:t>
             </a:r>
             <a:r>
               <a:rPr/>
@@ -8708,23 +8810,7 @@
             </a:r>
             <a:r>
               <a:rPr/>
-              <a:t>Sanz</a:t>
-            </a:r>
-            <a:r>
-              <a:rPr/>
-              <a:t> </a:t>
-            </a:r>
-            <a:r>
-              <a:rPr/>
-              <a:t>De</a:t>
-            </a:r>
-            <a:r>
-              <a:rPr/>
-              <a:t> </a:t>
-            </a:r>
-            <a:r>
-              <a:rPr/>
-              <a:t>Diego</a:t>
+              <a:t>encontrarme?</a:t>
             </a:r>
           </a:p>
         </p:txBody>
@@ -8747,45 +8833,76 @@
             <a:pPr lvl="1"/>
             <a:r>
               <a:rPr/>
-              <a:t>Empecé </a:t>
+              <a:t>Mi nick: </a:t>
             </a:r>
             <a:r>
               <a:rPr b="1"/>
-              <a:t>desarrollando aplicaciones web</a:t>
-            </a:r>
-            <a:r>
-              <a:rPr/>
-              <a:t>, hasta que di el salto a la docencia.</a:t>
-            </a:r>
-          </a:p>
-          <a:p>
-            <a:pPr lvl="1"/>
-            <a:r>
-              <a:rPr/>
-              <a:t>Actualmente soy </a:t>
-            </a:r>
-            <a:r>
-              <a:rPr b="1"/>
-              <a:t>Asesor Técnico Docente</a:t>
-            </a:r>
-            <a:r>
-              <a:rPr/>
-              <a:t> en el servicio TIC de la D.G de Infraestructuras y Servicios de la Consejería de Educación, Juventud y Deporte de la Comunidad de Madrid.</a:t>
-            </a:r>
-          </a:p>
-          <a:p>
-            <a:pPr lvl="1"/>
-            <a:r>
-              <a:rPr/>
-              <a:t>Además colaboro como </a:t>
-            </a:r>
-            <a:r>
-              <a:rPr b="1"/>
-              <a:t>formador especializado en tecnologías de desarrollo</a:t>
-            </a:r>
-            <a:r>
-              <a:rPr/>
-              <a:t>.</a:t>
+              <a:t>asanzdiego</a:t>
+            </a:r>
+          </a:p>
+          <a:p>
+            <a:pPr lvl="2"/>
+            <a:r>
+              <a:rPr/>
+              <a:t>Blog: </a:t>
+            </a:r>
+            <a:r>
+              <a:rPr>
+                <a:hlinkClick r:id="rId2"/>
+              </a:rPr>
+              <a:t>asanzdiego.com</a:t>
+            </a:r>
+          </a:p>
+          <a:p>
+            <a:pPr lvl="2"/>
+            <a:r>
+              <a:rPr/>
+              <a:t>GitHub: </a:t>
+            </a:r>
+            <a:r>
+              <a:rPr>
+                <a:hlinkClick r:id="rId3"/>
+              </a:rPr>
+              <a:t>github.com/asanzdiego</a:t>
+            </a:r>
+          </a:p>
+          <a:p>
+            <a:pPr lvl="2"/>
+            <a:r>
+              <a:rPr/>
+              <a:t>Twitter: </a:t>
+            </a:r>
+            <a:r>
+              <a:rPr>
+                <a:hlinkClick r:id="rId4"/>
+              </a:rPr>
+              <a:t>twitter.com/asanzdiego</a:t>
+            </a:r>
+          </a:p>
+          <a:p>
+            <a:pPr lvl="2"/>
+            <a:r>
+              <a:rPr/>
+              <a:t>LinkedIn: </a:t>
+            </a:r>
+            <a:r>
+              <a:rPr>
+                <a:hlinkClick r:id="rId5"/>
+              </a:rPr>
+              <a:t>linkedin.com/in/asanzdiego</a:t>
+            </a:r>
+          </a:p>
+          <a:p>
+            <a:pPr lvl="2"/>
+            <a:r>
+              <a:rPr/>
+              <a:t>SlideShare: </a:t>
+            </a:r>
+            <a:r>
+              <a:rPr>
+                <a:hlinkClick r:id="rId6"/>
+              </a:rPr>
+              <a:t>slideshare.net/asanzdiego</a:t>
             </a:r>
           </a:p>
         </p:txBody>
@@ -8928,267 +9045,6 @@
                 <a:hlinkClick r:id="rId8"/>
               </a:rPr>
               <a:t>pdf-book</a:t>
-            </a:r>
-          </a:p>
-        </p:txBody>
-      </p:sp>
-    </p:spTree>
-  </p:cSld>
-</p:sld>
-</file>
-
-<file path=ppt/slides/slide50.xml><?xml version="1.0" encoding="utf-8"?>
-<p:sld xmlns:a="http://schemas.openxmlformats.org/drawingml/2006/main" xmlns:r="http://schemas.openxmlformats.org/officeDocument/2006/relationships" xmlns:p="http://schemas.openxmlformats.org/presentationml/2006/main">
-  <p:cSld>
-    <p:spTree>
-      <p:nvGrpSpPr>
-        <p:cNvPr id="1" name=""/>
-        <p:cNvGrpSpPr/>
-        <p:nvPr/>
-      </p:nvGrpSpPr>
-      <p:grpSpPr>
-        <a:xfrm>
-          <a:off x="0" y="0"/>
-          <a:ext cx="0" cy="0"/>
-          <a:chOff x="0" y="0"/>
-          <a:chExt cx="0" cy="0"/>
-        </a:xfrm>
-      </p:grpSpPr>
-      <p:sp>
-        <p:nvSpPr>
-          <p:cNvPr id="2" name="Title 1"/>
-          <p:cNvSpPr>
-            <a:spLocks noGrp="1"/>
-          </p:cNvSpPr>
-          <p:nvPr>
-            <p:ph type="title"/>
-          </p:nvPr>
-        </p:nvSpPr>
-        <p:spPr/>
-        <p:txBody>
-          <a:bodyPr/>
-          <a:lstStyle/>
-          <a:p>
-            <a:pPr lvl="0" marL="0" indent="0">
-              <a:buNone/>
-            </a:pPr>
-            <a:r>
-              <a:rPr/>
-              <a:t>Algunos</a:t>
-            </a:r>
-            <a:r>
-              <a:rPr/>
-              <a:t> </a:t>
-            </a:r>
-            <a:r>
-              <a:rPr/>
-              <a:t>proyectos</a:t>
-            </a:r>
-          </a:p>
-        </p:txBody>
-      </p:sp>
-      <p:sp>
-        <p:nvSpPr>
-          <p:cNvPr id="3" name="Content Placeholder 2"/>
-          <p:cNvSpPr>
-            <a:spLocks noGrp="1"/>
-          </p:cNvSpPr>
-          <p:nvPr>
-            <p:ph idx="1"/>
-          </p:nvPr>
-        </p:nvSpPr>
-        <p:spPr/>
-        <p:txBody>
-          <a:bodyPr/>
-          <a:lstStyle/>
-          <a:p>
-            <a:pPr lvl="1"/>
-            <a:r>
-              <a:rPr/>
-              <a:t>Hackathon Lovers </a:t>
-            </a:r>
-            <a:r>
-              <a:rPr>
-                <a:hlinkClick r:id="rId2"/>
-              </a:rPr>
-              <a:t>Hackathon Lovers</a:t>
-            </a:r>
-            <a:r>
-              <a:rPr/>
-              <a:t>: un grupo creado para emprendedores y desarrolladores amantes de los hackathones.</a:t>
-            </a:r>
-          </a:p>
-          <a:p>
-            <a:pPr lvl="1"/>
-            <a:r>
-              <a:rPr>
-                <a:hlinkClick r:id="rId3"/>
-              </a:rPr>
-              <a:t>Password Manager Generator</a:t>
-            </a:r>
-            <a:r>
-              <a:rPr/>
-              <a:t>: un gestor de contraseñas online.</a:t>
-            </a:r>
-          </a:p>
-          <a:p>
-            <a:pPr lvl="1"/>
-            <a:r>
-              <a:rPr>
-                <a:hlinkClick r:id="rId4"/>
-              </a:rPr>
-              <a:t>MarkdownSlides</a:t>
-            </a:r>
-            <a:r>
-              <a:rPr/>
-              <a:t>: un script para crear slides a partir de ficheros MD.</a:t>
-            </a:r>
-          </a:p>
-        </p:txBody>
-      </p:sp>
-    </p:spTree>
-  </p:cSld>
-</p:sld>
-</file>
-
-<file path=ppt/slides/slide51.xml><?xml version="1.0" encoding="utf-8"?>
-<p:sld xmlns:a="http://schemas.openxmlformats.org/drawingml/2006/main" xmlns:r="http://schemas.openxmlformats.org/officeDocument/2006/relationships" xmlns:p="http://schemas.openxmlformats.org/presentationml/2006/main">
-  <p:cSld>
-    <p:spTree>
-      <p:nvGrpSpPr>
-        <p:cNvPr id="1" name=""/>
-        <p:cNvGrpSpPr/>
-        <p:nvPr/>
-      </p:nvGrpSpPr>
-      <p:grpSpPr>
-        <a:xfrm>
-          <a:off x="0" y="0"/>
-          <a:ext cx="0" cy="0"/>
-          <a:chOff x="0" y="0"/>
-          <a:chExt cx="0" cy="0"/>
-        </a:xfrm>
-      </p:grpSpPr>
-      <p:sp>
-        <p:nvSpPr>
-          <p:cNvPr id="2" name="Title 1"/>
-          <p:cNvSpPr>
-            <a:spLocks noGrp="1"/>
-          </p:cNvSpPr>
-          <p:nvPr>
-            <p:ph type="title"/>
-          </p:nvPr>
-        </p:nvSpPr>
-        <p:spPr/>
-        <p:txBody>
-          <a:bodyPr/>
-          <a:lstStyle/>
-          <a:p>
-            <a:pPr lvl="0" marL="0" indent="0">
-              <a:buNone/>
-            </a:pPr>
-            <a:r>
-              <a:rPr/>
-              <a:t>¿Donde</a:t>
-            </a:r>
-            <a:r>
-              <a:rPr/>
-              <a:t> </a:t>
-            </a:r>
-            <a:r>
-              <a:rPr/>
-              <a:t>encontrarme?</a:t>
-            </a:r>
-          </a:p>
-        </p:txBody>
-      </p:sp>
-      <p:sp>
-        <p:nvSpPr>
-          <p:cNvPr id="3" name="Content Placeholder 2"/>
-          <p:cNvSpPr>
-            <a:spLocks noGrp="1"/>
-          </p:cNvSpPr>
-          <p:nvPr>
-            <p:ph idx="1"/>
-          </p:nvPr>
-        </p:nvSpPr>
-        <p:spPr/>
-        <p:txBody>
-          <a:bodyPr/>
-          <a:lstStyle/>
-          <a:p>
-            <a:pPr lvl="1"/>
-            <a:r>
-              <a:rPr/>
-              <a:t>Mi nick: </a:t>
-            </a:r>
-            <a:r>
-              <a:rPr b="1"/>
-              <a:t>asanzdiego</a:t>
-            </a:r>
-          </a:p>
-          <a:p>
-            <a:pPr lvl="2"/>
-            <a:r>
-              <a:rPr/>
-              <a:t>Blog: </a:t>
-            </a:r>
-            <a:r>
-              <a:rPr>
-                <a:hlinkClick r:id="rId2"/>
-              </a:rPr>
-              <a:t>asanzdiego.com</a:t>
-            </a:r>
-          </a:p>
-          <a:p>
-            <a:pPr lvl="2"/>
-            <a:r>
-              <a:rPr/>
-              <a:t>GitHub: </a:t>
-            </a:r>
-            <a:r>
-              <a:rPr>
-                <a:hlinkClick r:id="rId3"/>
-              </a:rPr>
-              <a:t>github.com/asanzdiego</a:t>
-            </a:r>
-          </a:p>
-          <a:p>
-            <a:pPr lvl="2"/>
-            <a:r>
-              <a:rPr/>
-              <a:t>Twitter: </a:t>
-            </a:r>
-            <a:r>
-              <a:rPr>
-                <a:hlinkClick r:id="rId4"/>
-              </a:rPr>
-              <a:t>twitter.com/asanzdiego</a:t>
-            </a:r>
-          </a:p>
-          <a:p>
-            <a:pPr lvl="2"/>
-            <a:r>
-              <a:rPr/>
-              <a:t>LinkedIn: </a:t>
-            </a:r>
-            <a:r>
-              <a:rPr>
-                <a:hlinkClick r:id="rId5"/>
-              </a:rPr>
-              <a:t>linkedin.com/in/asanzdiego</a:t>
-            </a:r>
-          </a:p>
-          <a:p>
-            <a:pPr lvl="2"/>
-            <a:r>
-              <a:rPr/>
-              <a:t>SlideShare: </a:t>
-            </a:r>
-            <a:r>
-              <a:rPr>
-                <a:hlinkClick r:id="rId6"/>
-              </a:rPr>
-              <a:t>slideshare.net/asanzdiego</a:t>
             </a:r>
           </a:p>
         </p:txBody>

--- a/doc/export/leeme-slides-plus.pptx
+++ b/doc/export/leeme-slides-plus.pptx
@@ -1,11 +1,11 @@
 
 <file path=ppt/presentation.xml><?xml version="1.0" encoding="utf-8"?>
-<p:presentation xmlns:a="http://schemas.openxmlformats.org/drawingml/2006/main" xmlns:r="http://schemas.openxmlformats.org/officeDocument/2006/relationships" xmlns:p="http://schemas.openxmlformats.org/presentationml/2006/main" saveSubsetFonts="1" autoCompressPictures="0">
+<p:presentation xmlns:a="http://schemas.openxmlformats.org/drawingml/2006/main" xmlns:p="http://schemas.openxmlformats.org/presentationml/2006/main" xmlns:r="http://schemas.openxmlformats.org/officeDocument/2006/relationships" autoCompressPictures="0" saveSubsetFonts="1">
   <p:sldMasterIdLst>
     <p:sldMasterId id="2147483648" r:id="rId1"/>
   </p:sldMasterIdLst>
   <p:notesMasterIdLst>
-    <p:NotesMasterId r:id="rId51"/>
+    <p:notesMasterId r:id="rId52"/>
   </p:notesMasterIdLst>
   <p:sldIdLst>
     <p:sldId id="256" r:id="rId2"/>
@@ -57,15 +57,16 @@
     <p:sldId id="302" r:id="rId48"/>
     <p:sldId id="303" r:id="rId49"/>
     <p:sldId id="304" r:id="rId50"/>
+    <p:sldId id="305" r:id="rId51"/>
   </p:sldIdLst>
-  <p:sldSz cx="9144000" cy="6858000" type="screen4x3"/>
+  <p:sldSz cx="9144000" cy="5143500" type="screen16x9"/>
   <p:notesSz cx="6858000" cy="9144000"/>
   <p:defaultTextStyle>
     <a:defPPr>
       <a:defRPr lang="en-US"/>
     </a:defPPr>
-    <a:lvl1pPr marL="0" algn="l" defTabSz="457200" rtl="0" eaLnBrk="1" latinLnBrk="0" hangingPunct="1">
-      <a:defRPr sz="1800" kern="1200">
+    <a:lvl1pPr algn="l" defTabSz="457200" eaLnBrk="1" hangingPunct="1" latinLnBrk="0" marL="0" rtl="0">
+      <a:defRPr kern="1200" sz="1800">
         <a:solidFill>
           <a:schemeClr val="tx1"/>
         </a:solidFill>
@@ -74,8 +75,8 @@
         <a:cs typeface="+mn-cs"/>
       </a:defRPr>
     </a:lvl1pPr>
-    <a:lvl2pPr marL="457200" algn="l" defTabSz="457200" rtl="0" eaLnBrk="1" latinLnBrk="0" hangingPunct="1">
-      <a:defRPr sz="1800" kern="1200">
+    <a:lvl2pPr algn="l" defTabSz="457200" eaLnBrk="1" hangingPunct="1" latinLnBrk="0" marL="457200" rtl="0">
+      <a:defRPr kern="1200" sz="1800">
         <a:solidFill>
           <a:schemeClr val="tx1"/>
         </a:solidFill>
@@ -84,8 +85,8 @@
         <a:cs typeface="+mn-cs"/>
       </a:defRPr>
     </a:lvl2pPr>
-    <a:lvl3pPr marL="914400" algn="l" defTabSz="457200" rtl="0" eaLnBrk="1" latinLnBrk="0" hangingPunct="1">
-      <a:defRPr sz="1800" kern="1200">
+    <a:lvl3pPr algn="l" defTabSz="457200" eaLnBrk="1" hangingPunct="1" latinLnBrk="0" marL="914400" rtl="0">
+      <a:defRPr kern="1200" sz="1800">
         <a:solidFill>
           <a:schemeClr val="tx1"/>
         </a:solidFill>
@@ -94,8 +95,8 @@
         <a:cs typeface="+mn-cs"/>
       </a:defRPr>
     </a:lvl3pPr>
-    <a:lvl4pPr marL="1371600" algn="l" defTabSz="457200" rtl="0" eaLnBrk="1" latinLnBrk="0" hangingPunct="1">
-      <a:defRPr sz="1800" kern="1200">
+    <a:lvl4pPr algn="l" defTabSz="457200" eaLnBrk="1" hangingPunct="1" latinLnBrk="0" marL="1371600" rtl="0">
+      <a:defRPr kern="1200" sz="1800">
         <a:solidFill>
           <a:schemeClr val="tx1"/>
         </a:solidFill>
@@ -104,8 +105,8 @@
         <a:cs typeface="+mn-cs"/>
       </a:defRPr>
     </a:lvl4pPr>
-    <a:lvl5pPr marL="1828800" algn="l" defTabSz="457200" rtl="0" eaLnBrk="1" latinLnBrk="0" hangingPunct="1">
-      <a:defRPr sz="1800" kern="1200">
+    <a:lvl5pPr algn="l" defTabSz="457200" eaLnBrk="1" hangingPunct="1" latinLnBrk="0" marL="1828800" rtl="0">
+      <a:defRPr kern="1200" sz="1800">
         <a:solidFill>
           <a:schemeClr val="tx1"/>
         </a:solidFill>
@@ -114,8 +115,8 @@
         <a:cs typeface="+mn-cs"/>
       </a:defRPr>
     </a:lvl5pPr>
-    <a:lvl6pPr marL="2286000" algn="l" defTabSz="457200" rtl="0" eaLnBrk="1" latinLnBrk="0" hangingPunct="1">
-      <a:defRPr sz="1800" kern="1200">
+    <a:lvl6pPr algn="l" defTabSz="457200" eaLnBrk="1" hangingPunct="1" latinLnBrk="0" marL="2286000" rtl="0">
+      <a:defRPr kern="1200" sz="1800">
         <a:solidFill>
           <a:schemeClr val="tx1"/>
         </a:solidFill>
@@ -124,8 +125,8 @@
         <a:cs typeface="+mn-cs"/>
       </a:defRPr>
     </a:lvl6pPr>
-    <a:lvl7pPr marL="2743200" algn="l" defTabSz="457200" rtl="0" eaLnBrk="1" latinLnBrk="0" hangingPunct="1">
-      <a:defRPr sz="1800" kern="1200">
+    <a:lvl7pPr algn="l" defTabSz="457200" eaLnBrk="1" hangingPunct="1" latinLnBrk="0" marL="2743200" rtl="0">
+      <a:defRPr kern="1200" sz="1800">
         <a:solidFill>
           <a:schemeClr val="tx1"/>
         </a:solidFill>
@@ -134,8 +135,8 @@
         <a:cs typeface="+mn-cs"/>
       </a:defRPr>
     </a:lvl7pPr>
-    <a:lvl8pPr marL="3200400" algn="l" defTabSz="457200" rtl="0" eaLnBrk="1" latinLnBrk="0" hangingPunct="1">
-      <a:defRPr sz="1800" kern="1200">
+    <a:lvl8pPr algn="l" defTabSz="457200" eaLnBrk="1" hangingPunct="1" latinLnBrk="0" marL="3200400" rtl="0">
+      <a:defRPr kern="1200" sz="1800">
         <a:solidFill>
           <a:schemeClr val="tx1"/>
         </a:solidFill>
@@ -144,8 +145,8 @@
         <a:cs typeface="+mn-cs"/>
       </a:defRPr>
     </a:lvl8pPr>
-    <a:lvl9pPr marL="3657600" algn="l" defTabSz="457200" rtl="0" eaLnBrk="1" latinLnBrk="0" hangingPunct="1">
-      <a:defRPr sz="1800" kern="1200">
+    <a:lvl9pPr algn="l" defTabSz="457200" eaLnBrk="1" hangingPunct="1" latinLnBrk="0" marL="3657600" rtl="0">
+      <a:defRPr kern="1200" sz="1800">
         <a:solidFill>
           <a:schemeClr val="tx1"/>
         </a:solidFill>
@@ -158,12 +159,12 @@
   <p:extLst>
     <p:ext uri="{EFAFB233-063F-42B5-8137-9DF3F51BA10A}">
       <p15:sldGuideLst xmlns:p15="http://schemas.microsoft.com/office/powerpoint/2012/main">
-        <p15:guide id="1" orient="horz" pos="2160">
+        <p15:guide id="1" orient="horz" pos="1620" userDrawn="1">
           <p15:clr>
             <a:srgbClr val="A4A3A4"/>
           </p15:clr>
         </p15:guide>
-        <p15:guide id="2" pos="2880">
+        <p15:guide id="2" pos="2880" userDrawn="1">
           <p15:clr>
             <a:srgbClr val="A4A3A4"/>
           </p15:clr>
@@ -256,7 +257,7 @@
           <a:p>
             <a:fld id="{0F9C1CCF-B725-44A7-AA57-5E433BD85C9F}" type="datetimeFigureOut">
               <a:rPr lang="en-US" smtClean="0"/>
-              <a:t>4/5/2019</a:t>
+              <a:t>1/2/22</a:t>
             </a:fld>
             <a:endParaRPr lang="en-US"/>
           </a:p>
@@ -274,8 +275,8 @@
         </p:nvSpPr>
         <p:spPr>
           <a:xfrm>
-            <a:off x="1371600" y="1143000"/>
-            <a:ext cx="4114800" cy="3086100"/>
+            <a:off x="685800" y="1143000"/>
+            <a:ext cx="5486400" cy="3086100"/>
           </a:xfrm>
           <a:prstGeom prst="rect">
             <a:avLst/>
@@ -320,38 +321,37 @@
           <a:p>
             <a:pPr lvl="0"/>
             <a:r>
-              <a:rPr lang="en-US" smtClean="0"/>
+              <a:rPr lang="en-US"/>
               <a:t>Click to edit Master text styles</a:t>
             </a:r>
           </a:p>
           <a:p>
             <a:pPr lvl="1"/>
             <a:r>
-              <a:rPr lang="en-US" smtClean="0"/>
+              <a:rPr lang="en-US"/>
               <a:t>Second level</a:t>
             </a:r>
           </a:p>
           <a:p>
             <a:pPr lvl="2"/>
             <a:r>
-              <a:rPr lang="en-US" smtClean="0"/>
+              <a:rPr lang="en-US"/>
               <a:t>Third level</a:t>
             </a:r>
           </a:p>
           <a:p>
             <a:pPr lvl="3"/>
             <a:r>
-              <a:rPr lang="en-US" smtClean="0"/>
+              <a:rPr lang="en-US"/>
               <a:t>Fourth level</a:t>
             </a:r>
           </a:p>
           <a:p>
             <a:pPr lvl="4"/>
             <a:r>
-              <a:rPr lang="en-US" smtClean="0"/>
+              <a:rPr lang="en-US"/>
               <a:t>Fifth level</a:t>
             </a:r>
-            <a:endParaRPr lang="en-US"/>
           </a:p>
         </p:txBody>
       </p:sp>
@@ -568,124 +568,12 @@
           <a:bodyPr/>
           <a:lstStyle/>
           <a:p>
-            <a:pPr lvl="0" marL="0" indent="0">
+            <a:pPr lvl="0" indent="0" marL="0">
               <a:buNone/>
             </a:pPr>
             <a:r>
               <a:rPr/>
-              <a:t>Esto</a:t>
-            </a:r>
-            <a:r>
-              <a:rPr/>
-              <a:t> </a:t>
-            </a:r>
-            <a:r>
-              <a:rPr/>
-              <a:t>solo</a:t>
-            </a:r>
-            <a:r>
-              <a:rPr/>
-              <a:t> </a:t>
-            </a:r>
-            <a:r>
-              <a:rPr/>
-              <a:t>es</a:t>
-            </a:r>
-            <a:r>
-              <a:rPr/>
-              <a:t> </a:t>
-            </a:r>
-            <a:r>
-              <a:rPr/>
-              <a:t>visible</a:t>
-            </a:r>
-            <a:r>
-              <a:rPr/>
-              <a:t> </a:t>
-            </a:r>
-            <a:r>
-              <a:rPr/>
-              <a:t>en</a:t>
-            </a:r>
-            <a:r>
-              <a:rPr/>
-              <a:t> </a:t>
-            </a:r>
-            <a:r>
-              <a:rPr/>
-              <a:t>modo</a:t>
-            </a:r>
-            <a:r>
-              <a:rPr/>
-              <a:t> </a:t>
-            </a:r>
-            <a:r>
-              <a:rPr/>
-              <a:t>libro</a:t>
-            </a:r>
-            <a:r>
-              <a:rPr/>
-              <a:t> </a:t>
-            </a:r>
-            <a:r>
-              <a:rPr/>
-              <a:t>o</a:t>
-            </a:r>
-            <a:r>
-              <a:rPr/>
-              <a:t> </a:t>
-            </a:r>
-            <a:r>
-              <a:rPr/>
-              <a:t>si</a:t>
-            </a:r>
-            <a:r>
-              <a:rPr/>
-              <a:t> </a:t>
-            </a:r>
-            <a:r>
-              <a:rPr/>
-              <a:t>pulsas</a:t>
-            </a:r>
-            <a:r>
-              <a:rPr/>
-              <a:t> </a:t>
-            </a:r>
-            <a:r>
-              <a:rPr/>
-              <a:t>‘</a:t>
-            </a:r>
-            <a:r>
-              <a:rPr/>
-              <a:t>s</a:t>
-            </a:r>
-            <a:r>
-              <a:rPr/>
-              <a:t>’</a:t>
-            </a:r>
-            <a:r>
-              <a:rPr/>
-              <a:t> </a:t>
-            </a:r>
-            <a:r>
-              <a:rPr/>
-              <a:t>en</a:t>
-            </a:r>
-            <a:r>
-              <a:rPr/>
-              <a:t> </a:t>
-            </a:r>
-            <a:r>
-              <a:rPr/>
-              <a:t>las</a:t>
-            </a:r>
-            <a:r>
-              <a:rPr/>
-              <a:t> </a:t>
-            </a:r>
-            <a:r>
-              <a:rPr/>
-              <a:t>slides.</a:t>
+              <a:t>Esto solo es visible en modo libro o si pulsas ‘s’ en las slides.</a:t>
             </a:r>
           </a:p>
         </p:txBody>
@@ -747,8 +635,8 @@
         </p:nvSpPr>
         <p:spPr>
           <a:xfrm>
-            <a:off x="685800" y="2130425"/>
-            <a:ext cx="7772400" cy="1470025"/>
+            <a:off x="685800" y="1597819"/>
+            <a:ext cx="7772400" cy="1102519"/>
           </a:xfrm>
         </p:spPr>
         <p:txBody>
@@ -756,10 +644,9 @@
           <a:lstStyle/>
           <a:p>
             <a:r>
-              <a:rPr lang="en-US" smtClean="0"/>
+              <a:rPr lang="en-US"/>
               <a:t>Click to edit Master title style</a:t>
             </a:r>
-            <a:endParaRPr lang="en-US"/>
           </a:p>
         </p:txBody>
       </p:sp>
@@ -775,8 +662,8 @@
         </p:nvSpPr>
         <p:spPr>
           <a:xfrm>
-            <a:off x="1371600" y="3886200"/>
-            <a:ext cx="6400800" cy="1752600"/>
+            <a:off x="1371600" y="2914650"/>
+            <a:ext cx="6400800" cy="1314450"/>
           </a:xfrm>
         </p:spPr>
         <p:txBody>
@@ -792,7 +679,7 @@
                 </a:solidFill>
               </a:defRPr>
             </a:lvl1pPr>
-            <a:lvl2pPr marL="457200" indent="0" algn="ctr">
+            <a:lvl2pPr marL="342900" indent="0" algn="ctr">
               <a:buNone/>
               <a:defRPr>
                 <a:solidFill>
@@ -802,7 +689,7 @@
                 </a:solidFill>
               </a:defRPr>
             </a:lvl2pPr>
-            <a:lvl3pPr marL="914400" indent="0" algn="ctr">
+            <a:lvl3pPr marL="685800" indent="0" algn="ctr">
               <a:buNone/>
               <a:defRPr>
                 <a:solidFill>
@@ -812,7 +699,7 @@
                 </a:solidFill>
               </a:defRPr>
             </a:lvl3pPr>
-            <a:lvl4pPr marL="1371600" indent="0" algn="ctr">
+            <a:lvl4pPr marL="1028700" indent="0" algn="ctr">
               <a:buNone/>
               <a:defRPr>
                 <a:solidFill>
@@ -822,7 +709,7 @@
                 </a:solidFill>
               </a:defRPr>
             </a:lvl4pPr>
-            <a:lvl5pPr marL="1828800" indent="0" algn="ctr">
+            <a:lvl5pPr marL="1371600" indent="0" algn="ctr">
               <a:buNone/>
               <a:defRPr>
                 <a:solidFill>
@@ -832,7 +719,7 @@
                 </a:solidFill>
               </a:defRPr>
             </a:lvl5pPr>
-            <a:lvl6pPr marL="2286000" indent="0" algn="ctr">
+            <a:lvl6pPr marL="1714500" indent="0" algn="ctr">
               <a:buNone/>
               <a:defRPr>
                 <a:solidFill>
@@ -842,7 +729,7 @@
                 </a:solidFill>
               </a:defRPr>
             </a:lvl6pPr>
-            <a:lvl7pPr marL="2743200" indent="0" algn="ctr">
+            <a:lvl7pPr marL="2057400" indent="0" algn="ctr">
               <a:buNone/>
               <a:defRPr>
                 <a:solidFill>
@@ -852,7 +739,7 @@
                 </a:solidFill>
               </a:defRPr>
             </a:lvl7pPr>
-            <a:lvl8pPr marL="3200400" indent="0" algn="ctr">
+            <a:lvl8pPr marL="2400300" indent="0" algn="ctr">
               <a:buNone/>
               <a:defRPr>
                 <a:solidFill>
@@ -862,7 +749,7 @@
                 </a:solidFill>
               </a:defRPr>
             </a:lvl8pPr>
-            <a:lvl9pPr marL="3657600" indent="0" algn="ctr">
+            <a:lvl9pPr marL="2743200" indent="0" algn="ctr">
               <a:buNone/>
               <a:defRPr>
                 <a:solidFill>
@@ -875,10 +762,9 @@
           </a:lstStyle>
           <a:p>
             <a:r>
-              <a:rPr lang="en-US" smtClean="0"/>
+              <a:rPr lang="en-US"/>
               <a:t>Click to edit Master subtitle style</a:t>
             </a:r>
-            <a:endParaRPr lang="en-US"/>
           </a:p>
         </p:txBody>
       </p:sp>
@@ -899,7 +785,7 @@
           <a:p>
             <a:fld id="{241EB5C9-1307-BA42-ABA2-0BC069CD8E7F}" type="datetimeFigureOut">
               <a:rPr lang="en-US" smtClean="0"/>
-              <a:t>4/5/2019</a:t>
+              <a:t>1/2/22</a:t>
             </a:fld>
             <a:endParaRPr lang="en-US"/>
           </a:p>
@@ -993,10 +879,9 @@
           <a:lstStyle/>
           <a:p>
             <a:r>
-              <a:rPr lang="en-US" smtClean="0"/>
+              <a:rPr lang="en-US"/>
               <a:t>Click to edit Master title style</a:t>
             </a:r>
-            <a:endParaRPr lang="en-US"/>
           </a:p>
         </p:txBody>
       </p:sp>
@@ -1017,38 +902,37 @@
           <a:p>
             <a:pPr lvl="0"/>
             <a:r>
-              <a:rPr lang="en-US" smtClean="0"/>
+              <a:rPr lang="en-US"/>
               <a:t>Click to edit Master text styles</a:t>
             </a:r>
           </a:p>
           <a:p>
             <a:pPr lvl="1"/>
             <a:r>
-              <a:rPr lang="en-US" smtClean="0"/>
+              <a:rPr lang="en-US"/>
               <a:t>Second level</a:t>
             </a:r>
           </a:p>
           <a:p>
             <a:pPr lvl="2"/>
             <a:r>
-              <a:rPr lang="en-US" smtClean="0"/>
+              <a:rPr lang="en-US"/>
               <a:t>Third level</a:t>
             </a:r>
           </a:p>
           <a:p>
             <a:pPr lvl="3"/>
             <a:r>
-              <a:rPr lang="en-US" smtClean="0"/>
+              <a:rPr lang="en-US"/>
               <a:t>Fourth level</a:t>
             </a:r>
           </a:p>
           <a:p>
             <a:pPr lvl="4"/>
             <a:r>
-              <a:rPr lang="en-US" smtClean="0"/>
+              <a:rPr lang="en-US"/>
               <a:t>Fifth level</a:t>
             </a:r>
-            <a:endParaRPr lang="en-US"/>
           </a:p>
         </p:txBody>
       </p:sp>
@@ -1069,7 +953,7 @@
           <a:p>
             <a:fld id="{241EB5C9-1307-BA42-ABA2-0BC069CD8E7F}" type="datetimeFigureOut">
               <a:rPr lang="en-US" smtClean="0"/>
-              <a:t>4/5/2019</a:t>
+              <a:t>1/2/22</a:t>
             </a:fld>
             <a:endParaRPr lang="en-US"/>
           </a:p>
@@ -1159,8 +1043,8 @@
         </p:nvSpPr>
         <p:spPr>
           <a:xfrm>
-            <a:off x="6629400" y="274638"/>
-            <a:ext cx="2057400" cy="5851525"/>
+            <a:off x="6629400" y="205979"/>
+            <a:ext cx="2057400" cy="4388644"/>
           </a:xfrm>
         </p:spPr>
         <p:txBody>
@@ -1168,10 +1052,9 @@
           <a:lstStyle/>
           <a:p>
             <a:r>
-              <a:rPr lang="en-US" smtClean="0"/>
+              <a:rPr lang="en-US"/>
               <a:t>Click to edit Master title style</a:t>
             </a:r>
-            <a:endParaRPr lang="en-US"/>
           </a:p>
         </p:txBody>
       </p:sp>
@@ -1187,8 +1070,8 @@
         </p:nvSpPr>
         <p:spPr>
           <a:xfrm>
-            <a:off x="457200" y="274638"/>
-            <a:ext cx="6019800" cy="5851525"/>
+            <a:off x="457200" y="205979"/>
+            <a:ext cx="6019800" cy="4388644"/>
           </a:xfrm>
         </p:spPr>
         <p:txBody>
@@ -1197,38 +1080,37 @@
           <a:p>
             <a:pPr lvl="0"/>
             <a:r>
-              <a:rPr lang="en-US" smtClean="0"/>
+              <a:rPr lang="en-US"/>
               <a:t>Click to edit Master text styles</a:t>
             </a:r>
           </a:p>
           <a:p>
             <a:pPr lvl="1"/>
             <a:r>
-              <a:rPr lang="en-US" smtClean="0"/>
+              <a:rPr lang="en-US"/>
               <a:t>Second level</a:t>
             </a:r>
           </a:p>
           <a:p>
             <a:pPr lvl="2"/>
             <a:r>
-              <a:rPr lang="en-US" smtClean="0"/>
+              <a:rPr lang="en-US"/>
               <a:t>Third level</a:t>
             </a:r>
           </a:p>
           <a:p>
             <a:pPr lvl="3"/>
             <a:r>
-              <a:rPr lang="en-US" smtClean="0"/>
+              <a:rPr lang="en-US"/>
               <a:t>Fourth level</a:t>
             </a:r>
           </a:p>
           <a:p>
             <a:pPr lvl="4"/>
             <a:r>
-              <a:rPr lang="en-US" smtClean="0"/>
+              <a:rPr lang="en-US"/>
               <a:t>Fifth level</a:t>
             </a:r>
-            <a:endParaRPr lang="en-US"/>
           </a:p>
         </p:txBody>
       </p:sp>
@@ -1249,7 +1131,7 @@
           <a:p>
             <a:fld id="{241EB5C9-1307-BA42-ABA2-0BC069CD8E7F}" type="datetimeFigureOut">
               <a:rPr lang="en-US" smtClean="0"/>
-              <a:t>4/5/2019</a:t>
+              <a:t>1/2/22</a:t>
             </a:fld>
             <a:endParaRPr lang="en-US"/>
           </a:p>
@@ -1343,10 +1225,9 @@
           <a:lstStyle/>
           <a:p>
             <a:r>
-              <a:rPr lang="en-US" smtClean="0"/>
+              <a:rPr lang="en-US"/>
               <a:t>Click to edit Master title style</a:t>
             </a:r>
-            <a:endParaRPr lang="en-US"/>
           </a:p>
         </p:txBody>
       </p:sp>
@@ -1367,38 +1248,37 @@
           <a:p>
             <a:pPr lvl="0"/>
             <a:r>
-              <a:rPr lang="en-US" smtClean="0"/>
+              <a:rPr lang="en-US"/>
               <a:t>Click to edit Master text styles</a:t>
             </a:r>
           </a:p>
           <a:p>
             <a:pPr lvl="1"/>
             <a:r>
-              <a:rPr lang="en-US" smtClean="0"/>
+              <a:rPr lang="en-US"/>
               <a:t>Second level</a:t>
             </a:r>
           </a:p>
           <a:p>
             <a:pPr lvl="2"/>
             <a:r>
-              <a:rPr lang="en-US" smtClean="0"/>
+              <a:rPr lang="en-US"/>
               <a:t>Third level</a:t>
             </a:r>
           </a:p>
           <a:p>
             <a:pPr lvl="3"/>
             <a:r>
-              <a:rPr lang="en-US" smtClean="0"/>
+              <a:rPr lang="en-US"/>
               <a:t>Fourth level</a:t>
             </a:r>
           </a:p>
           <a:p>
             <a:pPr lvl="4"/>
             <a:r>
-              <a:rPr lang="en-US" smtClean="0"/>
+              <a:rPr lang="en-US"/>
               <a:t>Fifth level</a:t>
             </a:r>
-            <a:endParaRPr lang="en-US"/>
           </a:p>
         </p:txBody>
       </p:sp>
@@ -1419,7 +1299,7 @@
           <a:p>
             <a:fld id="{241EB5C9-1307-BA42-ABA2-0BC069CD8E7F}" type="datetimeFigureOut">
               <a:rPr lang="en-US" smtClean="0"/>
-              <a:t>4/5/2019</a:t>
+              <a:t>1/2/22</a:t>
             </a:fld>
             <a:endParaRPr lang="en-US"/>
           </a:p>
@@ -1509,23 +1389,22 @@
         </p:nvSpPr>
         <p:spPr>
           <a:xfrm>
-            <a:off x="722313" y="4406900"/>
-            <a:ext cx="7772400" cy="1362075"/>
+            <a:off x="722313" y="3305176"/>
+            <a:ext cx="7772400" cy="1021556"/>
           </a:xfrm>
         </p:spPr>
         <p:txBody>
           <a:bodyPr anchor="t"/>
           <a:lstStyle>
             <a:lvl1pPr algn="l">
-              <a:defRPr sz="4000" b="1" cap="all"/>
+              <a:defRPr sz="3000" b="1" cap="all"/>
             </a:lvl1pPr>
           </a:lstStyle>
           <a:p>
             <a:r>
-              <a:rPr lang="en-US" smtClean="0"/>
+              <a:rPr lang="en-US"/>
               <a:t>Click to edit Master title style</a:t>
             </a:r>
-            <a:endParaRPr lang="en-US"/>
           </a:p>
         </p:txBody>
       </p:sp>
@@ -1541,8 +1420,8 @@
         </p:nvSpPr>
         <p:spPr>
           <a:xfrm>
-            <a:off x="722313" y="2906713"/>
-            <a:ext cx="7772400" cy="1500187"/>
+            <a:off x="722313" y="2180035"/>
+            <a:ext cx="7772400" cy="1125140"/>
           </a:xfrm>
         </p:spPr>
         <p:txBody>
@@ -1550,7 +1429,7 @@
           <a:lstStyle>
             <a:lvl1pPr marL="0" indent="0">
               <a:buNone/>
-              <a:defRPr sz="2000">
+              <a:defRPr sz="1500">
                 <a:solidFill>
                   <a:schemeClr val="tx1">
                     <a:tint val="75000"/>
@@ -1558,9 +1437,9 @@
                 </a:solidFill>
               </a:defRPr>
             </a:lvl1pPr>
-            <a:lvl2pPr marL="457200" indent="0">
-              <a:buNone/>
-              <a:defRPr sz="1800">
+            <a:lvl2pPr marL="342900" indent="0">
+              <a:buNone/>
+              <a:defRPr sz="1350">
                 <a:solidFill>
                   <a:schemeClr val="tx1">
                     <a:tint val="75000"/>
@@ -1568,9 +1447,9 @@
                 </a:solidFill>
               </a:defRPr>
             </a:lvl2pPr>
-            <a:lvl3pPr marL="914400" indent="0">
-              <a:buNone/>
-              <a:defRPr sz="1600">
+            <a:lvl3pPr marL="685800" indent="0">
+              <a:buNone/>
+              <a:defRPr sz="1200">
                 <a:solidFill>
                   <a:schemeClr val="tx1">
                     <a:tint val="75000"/>
@@ -1578,9 +1457,9 @@
                 </a:solidFill>
               </a:defRPr>
             </a:lvl3pPr>
-            <a:lvl4pPr marL="1371600" indent="0">
-              <a:buNone/>
-              <a:defRPr sz="1400">
+            <a:lvl4pPr marL="1028700" indent="0">
+              <a:buNone/>
+              <a:defRPr sz="1050">
                 <a:solidFill>
                   <a:schemeClr val="tx1">
                     <a:tint val="75000"/>
@@ -1588,9 +1467,9 @@
                 </a:solidFill>
               </a:defRPr>
             </a:lvl4pPr>
-            <a:lvl5pPr marL="1828800" indent="0">
-              <a:buNone/>
-              <a:defRPr sz="1400">
+            <a:lvl5pPr marL="1371600" indent="0">
+              <a:buNone/>
+              <a:defRPr sz="1050">
                 <a:solidFill>
                   <a:schemeClr val="tx1">
                     <a:tint val="75000"/>
@@ -1598,9 +1477,9 @@
                 </a:solidFill>
               </a:defRPr>
             </a:lvl5pPr>
-            <a:lvl6pPr marL="2286000" indent="0">
-              <a:buNone/>
-              <a:defRPr sz="1400">
+            <a:lvl6pPr marL="1714500" indent="0">
+              <a:buNone/>
+              <a:defRPr sz="1050">
                 <a:solidFill>
                   <a:schemeClr val="tx1">
                     <a:tint val="75000"/>
@@ -1608,9 +1487,9 @@
                 </a:solidFill>
               </a:defRPr>
             </a:lvl6pPr>
-            <a:lvl7pPr marL="2743200" indent="0">
-              <a:buNone/>
-              <a:defRPr sz="1400">
+            <a:lvl7pPr marL="2057400" indent="0">
+              <a:buNone/>
+              <a:defRPr sz="1050">
                 <a:solidFill>
                   <a:schemeClr val="tx1">
                     <a:tint val="75000"/>
@@ -1618,9 +1497,9 @@
                 </a:solidFill>
               </a:defRPr>
             </a:lvl7pPr>
-            <a:lvl8pPr marL="3200400" indent="0">
-              <a:buNone/>
-              <a:defRPr sz="1400">
+            <a:lvl8pPr marL="2400300" indent="0">
+              <a:buNone/>
+              <a:defRPr sz="1050">
                 <a:solidFill>
                   <a:schemeClr val="tx1">
                     <a:tint val="75000"/>
@@ -1628,9 +1507,9 @@
                 </a:solidFill>
               </a:defRPr>
             </a:lvl8pPr>
-            <a:lvl9pPr marL="3657600" indent="0">
-              <a:buNone/>
-              <a:defRPr sz="1400">
+            <a:lvl9pPr marL="2743200" indent="0">
+              <a:buNone/>
+              <a:defRPr sz="1050">
                 <a:solidFill>
                   <a:schemeClr val="tx1">
                     <a:tint val="75000"/>
@@ -1642,7 +1521,7 @@
           <a:p>
             <a:pPr lvl="0"/>
             <a:r>
-              <a:rPr lang="en-US" smtClean="0"/>
+              <a:rPr lang="en-US"/>
               <a:t>Click to edit Master text styles</a:t>
             </a:r>
           </a:p>
@@ -1665,7 +1544,7 @@
           <a:p>
             <a:fld id="{241EB5C9-1307-BA42-ABA2-0BC069CD8E7F}" type="datetimeFigureOut">
               <a:rPr lang="en-US" smtClean="0"/>
-              <a:t>4/5/2019</a:t>
+              <a:t>1/2/22</a:t>
             </a:fld>
             <a:endParaRPr lang="en-US"/>
           </a:p>
@@ -1759,10 +1638,9 @@
           <a:lstStyle/>
           <a:p>
             <a:r>
-              <a:rPr lang="en-US" smtClean="0"/>
+              <a:rPr lang="en-US"/>
               <a:t>Click to edit Master title style</a:t>
             </a:r>
-            <a:endParaRPr lang="en-US"/>
           </a:p>
         </p:txBody>
       </p:sp>
@@ -1778,76 +1656,75 @@
         </p:nvSpPr>
         <p:spPr>
           <a:xfrm>
-            <a:off x="457200" y="1600200"/>
-            <a:ext cx="4038600" cy="4525963"/>
+            <a:off x="457200" y="1200151"/>
+            <a:ext cx="4038600" cy="3394472"/>
           </a:xfrm>
         </p:spPr>
         <p:txBody>
           <a:bodyPr/>
           <a:lstStyle>
             <a:lvl1pPr>
-              <a:defRPr sz="2800"/>
+              <a:defRPr sz="2100"/>
             </a:lvl1pPr>
             <a:lvl2pPr>
-              <a:defRPr sz="2400"/>
+              <a:defRPr sz="1800"/>
             </a:lvl2pPr>
             <a:lvl3pPr>
-              <a:defRPr sz="2000"/>
+              <a:defRPr sz="1500"/>
             </a:lvl3pPr>
             <a:lvl4pPr>
-              <a:defRPr sz="1800"/>
+              <a:defRPr sz="1350"/>
             </a:lvl4pPr>
             <a:lvl5pPr>
-              <a:defRPr sz="1800"/>
+              <a:defRPr sz="1350"/>
             </a:lvl5pPr>
             <a:lvl6pPr>
-              <a:defRPr sz="1800"/>
+              <a:defRPr sz="1350"/>
             </a:lvl6pPr>
             <a:lvl7pPr>
-              <a:defRPr sz="1800"/>
+              <a:defRPr sz="1350"/>
             </a:lvl7pPr>
             <a:lvl8pPr>
-              <a:defRPr sz="1800"/>
+              <a:defRPr sz="1350"/>
             </a:lvl8pPr>
             <a:lvl9pPr>
-              <a:defRPr sz="1800"/>
+              <a:defRPr sz="1350"/>
             </a:lvl9pPr>
           </a:lstStyle>
           <a:p>
             <a:pPr lvl="0"/>
             <a:r>
-              <a:rPr lang="en-US" smtClean="0"/>
+              <a:rPr lang="en-US"/>
               <a:t>Click to edit Master text styles</a:t>
             </a:r>
           </a:p>
           <a:p>
             <a:pPr lvl="1"/>
             <a:r>
-              <a:rPr lang="en-US" smtClean="0"/>
+              <a:rPr lang="en-US"/>
               <a:t>Second level</a:t>
             </a:r>
           </a:p>
           <a:p>
             <a:pPr lvl="2"/>
             <a:r>
-              <a:rPr lang="en-US" smtClean="0"/>
+              <a:rPr lang="en-US"/>
               <a:t>Third level</a:t>
             </a:r>
           </a:p>
           <a:p>
             <a:pPr lvl="3"/>
             <a:r>
-              <a:rPr lang="en-US" smtClean="0"/>
+              <a:rPr lang="en-US"/>
               <a:t>Fourth level</a:t>
             </a:r>
           </a:p>
           <a:p>
             <a:pPr lvl="4"/>
             <a:r>
-              <a:rPr lang="en-US" smtClean="0"/>
+              <a:rPr lang="en-US"/>
               <a:t>Fifth level</a:t>
             </a:r>
-            <a:endParaRPr lang="en-US"/>
           </a:p>
         </p:txBody>
       </p:sp>
@@ -1863,76 +1740,75 @@
         </p:nvSpPr>
         <p:spPr>
           <a:xfrm>
-            <a:off x="4648200" y="1600200"/>
-            <a:ext cx="4038600" cy="4525963"/>
+            <a:off x="4648200" y="1200151"/>
+            <a:ext cx="4038600" cy="3394472"/>
           </a:xfrm>
         </p:spPr>
         <p:txBody>
           <a:bodyPr/>
           <a:lstStyle>
             <a:lvl1pPr>
-              <a:defRPr sz="2800"/>
+              <a:defRPr sz="2100"/>
             </a:lvl1pPr>
             <a:lvl2pPr>
-              <a:defRPr sz="2400"/>
+              <a:defRPr sz="1800"/>
             </a:lvl2pPr>
             <a:lvl3pPr>
-              <a:defRPr sz="2000"/>
+              <a:defRPr sz="1500"/>
             </a:lvl3pPr>
             <a:lvl4pPr>
-              <a:defRPr sz="1800"/>
+              <a:defRPr sz="1350"/>
             </a:lvl4pPr>
             <a:lvl5pPr>
-              <a:defRPr sz="1800"/>
+              <a:defRPr sz="1350"/>
             </a:lvl5pPr>
             <a:lvl6pPr>
-              <a:defRPr sz="1800"/>
+              <a:defRPr sz="1350"/>
             </a:lvl6pPr>
             <a:lvl7pPr>
-              <a:defRPr sz="1800"/>
+              <a:defRPr sz="1350"/>
             </a:lvl7pPr>
             <a:lvl8pPr>
-              <a:defRPr sz="1800"/>
+              <a:defRPr sz="1350"/>
             </a:lvl8pPr>
             <a:lvl9pPr>
-              <a:defRPr sz="1800"/>
+              <a:defRPr sz="1350"/>
             </a:lvl9pPr>
           </a:lstStyle>
           <a:p>
             <a:pPr lvl="0"/>
             <a:r>
-              <a:rPr lang="en-US" smtClean="0"/>
+              <a:rPr lang="en-US"/>
               <a:t>Click to edit Master text styles</a:t>
             </a:r>
           </a:p>
           <a:p>
             <a:pPr lvl="1"/>
             <a:r>
-              <a:rPr lang="en-US" smtClean="0"/>
+              <a:rPr lang="en-US"/>
               <a:t>Second level</a:t>
             </a:r>
           </a:p>
           <a:p>
             <a:pPr lvl="2"/>
             <a:r>
-              <a:rPr lang="en-US" smtClean="0"/>
+              <a:rPr lang="en-US"/>
               <a:t>Third level</a:t>
             </a:r>
           </a:p>
           <a:p>
             <a:pPr lvl="3"/>
             <a:r>
-              <a:rPr lang="en-US" smtClean="0"/>
+              <a:rPr lang="en-US"/>
               <a:t>Fourth level</a:t>
             </a:r>
           </a:p>
           <a:p>
             <a:pPr lvl="4"/>
             <a:r>
-              <a:rPr lang="en-US" smtClean="0"/>
+              <a:rPr lang="en-US"/>
               <a:t>Fifth level</a:t>
             </a:r>
-            <a:endParaRPr lang="en-US"/>
           </a:p>
         </p:txBody>
       </p:sp>
@@ -1953,7 +1829,7 @@
           <a:p>
             <a:fld id="{241EB5C9-1307-BA42-ABA2-0BC069CD8E7F}" type="datetimeFigureOut">
               <a:rPr lang="en-US" smtClean="0"/>
-              <a:t>4/5/2019</a:t>
+              <a:t>1/2/22</a:t>
             </a:fld>
             <a:endParaRPr lang="en-US"/>
           </a:p>
@@ -2051,10 +1927,9 @@
           </a:lstStyle>
           <a:p>
             <a:r>
-              <a:rPr lang="en-US" smtClean="0"/>
+              <a:rPr lang="en-US"/>
               <a:t>Click to edit Master title style</a:t>
             </a:r>
-            <a:endParaRPr lang="en-US"/>
           </a:p>
         </p:txBody>
       </p:sp>
@@ -2070,8 +1945,8 @@
         </p:nvSpPr>
         <p:spPr>
           <a:xfrm>
-            <a:off x="457200" y="1535113"/>
-            <a:ext cx="4040188" cy="639762"/>
+            <a:off x="457200" y="1151335"/>
+            <a:ext cx="4040188" cy="479822"/>
           </a:xfrm>
         </p:spPr>
         <p:txBody>
@@ -2079,45 +1954,45 @@
           <a:lstStyle>
             <a:lvl1pPr marL="0" indent="0">
               <a:buNone/>
-              <a:defRPr sz="2400" b="1"/>
+              <a:defRPr sz="1800" b="1"/>
             </a:lvl1pPr>
-            <a:lvl2pPr marL="457200" indent="0">
-              <a:buNone/>
-              <a:defRPr sz="2000" b="1"/>
+            <a:lvl2pPr marL="342900" indent="0">
+              <a:buNone/>
+              <a:defRPr sz="1500" b="1"/>
             </a:lvl2pPr>
-            <a:lvl3pPr marL="914400" indent="0">
-              <a:buNone/>
-              <a:defRPr sz="1800" b="1"/>
+            <a:lvl3pPr marL="685800" indent="0">
+              <a:buNone/>
+              <a:defRPr sz="1350" b="1"/>
             </a:lvl3pPr>
-            <a:lvl4pPr marL="1371600" indent="0">
-              <a:buNone/>
-              <a:defRPr sz="1600" b="1"/>
+            <a:lvl4pPr marL="1028700" indent="0">
+              <a:buNone/>
+              <a:defRPr sz="1200" b="1"/>
             </a:lvl4pPr>
-            <a:lvl5pPr marL="1828800" indent="0">
-              <a:buNone/>
-              <a:defRPr sz="1600" b="1"/>
+            <a:lvl5pPr marL="1371600" indent="0">
+              <a:buNone/>
+              <a:defRPr sz="1200" b="1"/>
             </a:lvl5pPr>
-            <a:lvl6pPr marL="2286000" indent="0">
-              <a:buNone/>
-              <a:defRPr sz="1600" b="1"/>
+            <a:lvl6pPr marL="1714500" indent="0">
+              <a:buNone/>
+              <a:defRPr sz="1200" b="1"/>
             </a:lvl6pPr>
-            <a:lvl7pPr marL="2743200" indent="0">
-              <a:buNone/>
-              <a:defRPr sz="1600" b="1"/>
+            <a:lvl7pPr marL="2057400" indent="0">
+              <a:buNone/>
+              <a:defRPr sz="1200" b="1"/>
             </a:lvl7pPr>
-            <a:lvl8pPr marL="3200400" indent="0">
-              <a:buNone/>
-              <a:defRPr sz="1600" b="1"/>
+            <a:lvl8pPr marL="2400300" indent="0">
+              <a:buNone/>
+              <a:defRPr sz="1200" b="1"/>
             </a:lvl8pPr>
-            <a:lvl9pPr marL="3657600" indent="0">
-              <a:buNone/>
-              <a:defRPr sz="1600" b="1"/>
+            <a:lvl9pPr marL="2743200" indent="0">
+              <a:buNone/>
+              <a:defRPr sz="1200" b="1"/>
             </a:lvl9pPr>
           </a:lstStyle>
           <a:p>
             <a:pPr lvl="0"/>
             <a:r>
-              <a:rPr lang="en-US" smtClean="0"/>
+              <a:rPr lang="en-US"/>
               <a:t>Click to edit Master text styles</a:t>
             </a:r>
           </a:p>
@@ -2135,76 +2010,75 @@
         </p:nvSpPr>
         <p:spPr>
           <a:xfrm>
-            <a:off x="457200" y="2174875"/>
-            <a:ext cx="4040188" cy="3951288"/>
+            <a:off x="457200" y="1631156"/>
+            <a:ext cx="4040188" cy="2963466"/>
           </a:xfrm>
         </p:spPr>
         <p:txBody>
           <a:bodyPr/>
           <a:lstStyle>
             <a:lvl1pPr>
-              <a:defRPr sz="2400"/>
+              <a:defRPr sz="1800"/>
             </a:lvl1pPr>
             <a:lvl2pPr>
-              <a:defRPr sz="2000"/>
+              <a:defRPr sz="1500"/>
             </a:lvl2pPr>
             <a:lvl3pPr>
-              <a:defRPr sz="1800"/>
+              <a:defRPr sz="1350"/>
             </a:lvl3pPr>
             <a:lvl4pPr>
-              <a:defRPr sz="1600"/>
+              <a:defRPr sz="1200"/>
             </a:lvl4pPr>
             <a:lvl5pPr>
-              <a:defRPr sz="1600"/>
+              <a:defRPr sz="1200"/>
             </a:lvl5pPr>
             <a:lvl6pPr>
-              <a:defRPr sz="1600"/>
+              <a:defRPr sz="1200"/>
             </a:lvl6pPr>
             <a:lvl7pPr>
-              <a:defRPr sz="1600"/>
+              <a:defRPr sz="1200"/>
             </a:lvl7pPr>
             <a:lvl8pPr>
-              <a:defRPr sz="1600"/>
+              <a:defRPr sz="1200"/>
             </a:lvl8pPr>
             <a:lvl9pPr>
-              <a:defRPr sz="1600"/>
+              <a:defRPr sz="1200"/>
             </a:lvl9pPr>
           </a:lstStyle>
           <a:p>
             <a:pPr lvl="0"/>
             <a:r>
-              <a:rPr lang="en-US" smtClean="0"/>
+              <a:rPr lang="en-US"/>
               <a:t>Click to edit Master text styles</a:t>
             </a:r>
           </a:p>
           <a:p>
             <a:pPr lvl="1"/>
             <a:r>
-              <a:rPr lang="en-US" smtClean="0"/>
+              <a:rPr lang="en-US"/>
               <a:t>Second level</a:t>
             </a:r>
           </a:p>
           <a:p>
             <a:pPr lvl="2"/>
             <a:r>
-              <a:rPr lang="en-US" smtClean="0"/>
+              <a:rPr lang="en-US"/>
               <a:t>Third level</a:t>
             </a:r>
           </a:p>
           <a:p>
             <a:pPr lvl="3"/>
             <a:r>
-              <a:rPr lang="en-US" smtClean="0"/>
+              <a:rPr lang="en-US"/>
               <a:t>Fourth level</a:t>
             </a:r>
           </a:p>
           <a:p>
             <a:pPr lvl="4"/>
             <a:r>
-              <a:rPr lang="en-US" smtClean="0"/>
+              <a:rPr lang="en-US"/>
               <a:t>Fifth level</a:t>
             </a:r>
-            <a:endParaRPr lang="en-US"/>
           </a:p>
         </p:txBody>
       </p:sp>
@@ -2220,8 +2094,8 @@
         </p:nvSpPr>
         <p:spPr>
           <a:xfrm>
-            <a:off x="4645025" y="1535113"/>
-            <a:ext cx="4041775" cy="639762"/>
+            <a:off x="4645026" y="1151335"/>
+            <a:ext cx="4041775" cy="479822"/>
           </a:xfrm>
         </p:spPr>
         <p:txBody>
@@ -2229,45 +2103,45 @@
           <a:lstStyle>
             <a:lvl1pPr marL="0" indent="0">
               <a:buNone/>
-              <a:defRPr sz="2400" b="1"/>
+              <a:defRPr sz="1800" b="1"/>
             </a:lvl1pPr>
-            <a:lvl2pPr marL="457200" indent="0">
-              <a:buNone/>
-              <a:defRPr sz="2000" b="1"/>
+            <a:lvl2pPr marL="342900" indent="0">
+              <a:buNone/>
+              <a:defRPr sz="1500" b="1"/>
             </a:lvl2pPr>
-            <a:lvl3pPr marL="914400" indent="0">
-              <a:buNone/>
-              <a:defRPr sz="1800" b="1"/>
+            <a:lvl3pPr marL="685800" indent="0">
+              <a:buNone/>
+              <a:defRPr sz="1350" b="1"/>
             </a:lvl3pPr>
-            <a:lvl4pPr marL="1371600" indent="0">
-              <a:buNone/>
-              <a:defRPr sz="1600" b="1"/>
+            <a:lvl4pPr marL="1028700" indent="0">
+              <a:buNone/>
+              <a:defRPr sz="1200" b="1"/>
             </a:lvl4pPr>
-            <a:lvl5pPr marL="1828800" indent="0">
-              <a:buNone/>
-              <a:defRPr sz="1600" b="1"/>
+            <a:lvl5pPr marL="1371600" indent="0">
+              <a:buNone/>
+              <a:defRPr sz="1200" b="1"/>
             </a:lvl5pPr>
-            <a:lvl6pPr marL="2286000" indent="0">
-              <a:buNone/>
-              <a:defRPr sz="1600" b="1"/>
+            <a:lvl6pPr marL="1714500" indent="0">
+              <a:buNone/>
+              <a:defRPr sz="1200" b="1"/>
             </a:lvl6pPr>
-            <a:lvl7pPr marL="2743200" indent="0">
-              <a:buNone/>
-              <a:defRPr sz="1600" b="1"/>
+            <a:lvl7pPr marL="2057400" indent="0">
+              <a:buNone/>
+              <a:defRPr sz="1200" b="1"/>
             </a:lvl7pPr>
-            <a:lvl8pPr marL="3200400" indent="0">
-              <a:buNone/>
-              <a:defRPr sz="1600" b="1"/>
+            <a:lvl8pPr marL="2400300" indent="0">
+              <a:buNone/>
+              <a:defRPr sz="1200" b="1"/>
             </a:lvl8pPr>
-            <a:lvl9pPr marL="3657600" indent="0">
-              <a:buNone/>
-              <a:defRPr sz="1600" b="1"/>
+            <a:lvl9pPr marL="2743200" indent="0">
+              <a:buNone/>
+              <a:defRPr sz="1200" b="1"/>
             </a:lvl9pPr>
           </a:lstStyle>
           <a:p>
             <a:pPr lvl="0"/>
             <a:r>
-              <a:rPr lang="en-US" smtClean="0"/>
+              <a:rPr lang="en-US"/>
               <a:t>Click to edit Master text styles</a:t>
             </a:r>
           </a:p>
@@ -2285,76 +2159,75 @@
         </p:nvSpPr>
         <p:spPr>
           <a:xfrm>
-            <a:off x="4645025" y="2174875"/>
-            <a:ext cx="4041775" cy="3951288"/>
+            <a:off x="4645026" y="1631156"/>
+            <a:ext cx="4041775" cy="2963466"/>
           </a:xfrm>
         </p:spPr>
         <p:txBody>
           <a:bodyPr/>
           <a:lstStyle>
             <a:lvl1pPr>
-              <a:defRPr sz="2400"/>
+              <a:defRPr sz="1800"/>
             </a:lvl1pPr>
             <a:lvl2pPr>
-              <a:defRPr sz="2000"/>
+              <a:defRPr sz="1500"/>
             </a:lvl2pPr>
             <a:lvl3pPr>
-              <a:defRPr sz="1800"/>
+              <a:defRPr sz="1350"/>
             </a:lvl3pPr>
             <a:lvl4pPr>
-              <a:defRPr sz="1600"/>
+              <a:defRPr sz="1200"/>
             </a:lvl4pPr>
             <a:lvl5pPr>
-              <a:defRPr sz="1600"/>
+              <a:defRPr sz="1200"/>
             </a:lvl5pPr>
             <a:lvl6pPr>
-              <a:defRPr sz="1600"/>
+              <a:defRPr sz="1200"/>
             </a:lvl6pPr>
             <a:lvl7pPr>
-              <a:defRPr sz="1600"/>
+              <a:defRPr sz="1200"/>
             </a:lvl7pPr>
             <a:lvl8pPr>
-              <a:defRPr sz="1600"/>
+              <a:defRPr sz="1200"/>
             </a:lvl8pPr>
             <a:lvl9pPr>
-              <a:defRPr sz="1600"/>
+              <a:defRPr sz="1200"/>
             </a:lvl9pPr>
           </a:lstStyle>
           <a:p>
             <a:pPr lvl="0"/>
             <a:r>
-              <a:rPr lang="en-US" smtClean="0"/>
+              <a:rPr lang="en-US"/>
               <a:t>Click to edit Master text styles</a:t>
             </a:r>
           </a:p>
           <a:p>
             <a:pPr lvl="1"/>
             <a:r>
-              <a:rPr lang="en-US" smtClean="0"/>
+              <a:rPr lang="en-US"/>
               <a:t>Second level</a:t>
             </a:r>
           </a:p>
           <a:p>
             <a:pPr lvl="2"/>
             <a:r>
-              <a:rPr lang="en-US" smtClean="0"/>
+              <a:rPr lang="en-US"/>
               <a:t>Third level</a:t>
             </a:r>
           </a:p>
           <a:p>
             <a:pPr lvl="3"/>
             <a:r>
-              <a:rPr lang="en-US" smtClean="0"/>
+              <a:rPr lang="en-US"/>
               <a:t>Fourth level</a:t>
             </a:r>
           </a:p>
           <a:p>
             <a:pPr lvl="4"/>
             <a:r>
-              <a:rPr lang="en-US" smtClean="0"/>
+              <a:rPr lang="en-US"/>
               <a:t>Fifth level</a:t>
             </a:r>
-            <a:endParaRPr lang="en-US"/>
           </a:p>
         </p:txBody>
       </p:sp>
@@ -2375,7 +2248,7 @@
           <a:p>
             <a:fld id="{241EB5C9-1307-BA42-ABA2-0BC069CD8E7F}" type="datetimeFigureOut">
               <a:rPr lang="en-US" smtClean="0"/>
-              <a:t>4/5/2019</a:t>
+              <a:t>1/2/22</a:t>
             </a:fld>
             <a:endParaRPr lang="en-US"/>
           </a:p>
@@ -2469,10 +2342,9 @@
           <a:lstStyle/>
           <a:p>
             <a:r>
-              <a:rPr lang="en-US" smtClean="0"/>
+              <a:rPr lang="en-US"/>
               <a:t>Click to edit Master title style</a:t>
             </a:r>
-            <a:endParaRPr lang="en-US"/>
           </a:p>
         </p:txBody>
       </p:sp>
@@ -2493,7 +2365,7 @@
           <a:p>
             <a:fld id="{241EB5C9-1307-BA42-ABA2-0BC069CD8E7F}" type="datetimeFigureOut">
               <a:rPr lang="en-US" smtClean="0"/>
-              <a:t>4/5/2019</a:t>
+              <a:t>1/2/22</a:t>
             </a:fld>
             <a:endParaRPr lang="en-US"/>
           </a:p>
@@ -2588,7 +2460,7 @@
           <a:p>
             <a:fld id="{241EB5C9-1307-BA42-ABA2-0BC069CD8E7F}" type="datetimeFigureOut">
               <a:rPr lang="en-US" smtClean="0"/>
-              <a:t>4/5/2019</a:t>
+              <a:t>1/2/22</a:t>
             </a:fld>
             <a:endParaRPr lang="en-US"/>
           </a:p>
@@ -2678,23 +2550,22 @@
         </p:nvSpPr>
         <p:spPr>
           <a:xfrm>
-            <a:off x="457200" y="273050"/>
-            <a:ext cx="3008313" cy="1162050"/>
+            <a:off x="457201" y="204787"/>
+            <a:ext cx="3008313" cy="871538"/>
           </a:xfrm>
         </p:spPr>
         <p:txBody>
           <a:bodyPr anchor="b"/>
           <a:lstStyle>
             <a:lvl1pPr algn="l">
-              <a:defRPr sz="2000" b="1"/>
+              <a:defRPr sz="1500" b="1"/>
             </a:lvl1pPr>
           </a:lstStyle>
           <a:p>
             <a:r>
-              <a:rPr lang="en-US" smtClean="0"/>
+              <a:rPr lang="en-US"/>
               <a:t>Click to edit Master title style</a:t>
             </a:r>
-            <a:endParaRPr lang="en-US"/>
           </a:p>
         </p:txBody>
       </p:sp>
@@ -2710,76 +2581,75 @@
         </p:nvSpPr>
         <p:spPr>
           <a:xfrm>
-            <a:off x="3575050" y="273050"/>
-            <a:ext cx="5111750" cy="5853113"/>
+            <a:off x="3575050" y="204788"/>
+            <a:ext cx="5111750" cy="4389835"/>
           </a:xfrm>
         </p:spPr>
         <p:txBody>
           <a:bodyPr/>
           <a:lstStyle>
             <a:lvl1pPr>
-              <a:defRPr sz="3200"/>
+              <a:defRPr sz="2400"/>
             </a:lvl1pPr>
             <a:lvl2pPr>
-              <a:defRPr sz="2800"/>
+              <a:defRPr sz="2100"/>
             </a:lvl2pPr>
             <a:lvl3pPr>
-              <a:defRPr sz="2400"/>
+              <a:defRPr sz="1800"/>
             </a:lvl3pPr>
             <a:lvl4pPr>
-              <a:defRPr sz="2000"/>
+              <a:defRPr sz="1500"/>
             </a:lvl4pPr>
             <a:lvl5pPr>
-              <a:defRPr sz="2000"/>
+              <a:defRPr sz="1500"/>
             </a:lvl5pPr>
             <a:lvl6pPr>
-              <a:defRPr sz="2000"/>
+              <a:defRPr sz="1500"/>
             </a:lvl6pPr>
             <a:lvl7pPr>
-              <a:defRPr sz="2000"/>
+              <a:defRPr sz="1500"/>
             </a:lvl7pPr>
             <a:lvl8pPr>
-              <a:defRPr sz="2000"/>
+              <a:defRPr sz="1500"/>
             </a:lvl8pPr>
             <a:lvl9pPr>
-              <a:defRPr sz="2000"/>
+              <a:defRPr sz="1500"/>
             </a:lvl9pPr>
           </a:lstStyle>
           <a:p>
             <a:pPr lvl="0"/>
             <a:r>
-              <a:rPr lang="en-US" smtClean="0"/>
+              <a:rPr lang="en-US"/>
               <a:t>Click to edit Master text styles</a:t>
             </a:r>
           </a:p>
           <a:p>
             <a:pPr lvl="1"/>
             <a:r>
-              <a:rPr lang="en-US" smtClean="0"/>
+              <a:rPr lang="en-US"/>
               <a:t>Second level</a:t>
             </a:r>
           </a:p>
           <a:p>
             <a:pPr lvl="2"/>
             <a:r>
-              <a:rPr lang="en-US" smtClean="0"/>
+              <a:rPr lang="en-US"/>
               <a:t>Third level</a:t>
             </a:r>
           </a:p>
           <a:p>
             <a:pPr lvl="3"/>
             <a:r>
-              <a:rPr lang="en-US" smtClean="0"/>
+              <a:rPr lang="en-US"/>
               <a:t>Fourth level</a:t>
             </a:r>
           </a:p>
           <a:p>
             <a:pPr lvl="4"/>
             <a:r>
-              <a:rPr lang="en-US" smtClean="0"/>
+              <a:rPr lang="en-US"/>
               <a:t>Fifth level</a:t>
             </a:r>
-            <a:endParaRPr lang="en-US"/>
           </a:p>
         </p:txBody>
       </p:sp>
@@ -2795,8 +2665,8 @@
         </p:nvSpPr>
         <p:spPr>
           <a:xfrm>
-            <a:off x="457200" y="1435100"/>
-            <a:ext cx="3008313" cy="4691063"/>
+            <a:off x="457201" y="1076326"/>
+            <a:ext cx="3008313" cy="3518297"/>
           </a:xfrm>
         </p:spPr>
         <p:txBody>
@@ -2804,45 +2674,45 @@
           <a:lstStyle>
             <a:lvl1pPr marL="0" indent="0">
               <a:buNone/>
-              <a:defRPr sz="1400"/>
+              <a:defRPr sz="1050"/>
             </a:lvl1pPr>
-            <a:lvl2pPr marL="457200" indent="0">
-              <a:buNone/>
-              <a:defRPr sz="1200"/>
+            <a:lvl2pPr marL="342900" indent="0">
+              <a:buNone/>
+              <a:defRPr sz="900"/>
             </a:lvl2pPr>
-            <a:lvl3pPr marL="914400" indent="0">
-              <a:buNone/>
-              <a:defRPr sz="1000"/>
+            <a:lvl3pPr marL="685800" indent="0">
+              <a:buNone/>
+              <a:defRPr sz="750"/>
             </a:lvl3pPr>
-            <a:lvl4pPr marL="1371600" indent="0">
-              <a:buNone/>
-              <a:defRPr sz="900"/>
+            <a:lvl4pPr marL="1028700" indent="0">
+              <a:buNone/>
+              <a:defRPr sz="675"/>
             </a:lvl4pPr>
-            <a:lvl5pPr marL="1828800" indent="0">
-              <a:buNone/>
-              <a:defRPr sz="900"/>
+            <a:lvl5pPr marL="1371600" indent="0">
+              <a:buNone/>
+              <a:defRPr sz="675"/>
             </a:lvl5pPr>
-            <a:lvl6pPr marL="2286000" indent="0">
-              <a:buNone/>
-              <a:defRPr sz="900"/>
+            <a:lvl6pPr marL="1714500" indent="0">
+              <a:buNone/>
+              <a:defRPr sz="675"/>
             </a:lvl6pPr>
-            <a:lvl7pPr marL="2743200" indent="0">
-              <a:buNone/>
-              <a:defRPr sz="900"/>
+            <a:lvl7pPr marL="2057400" indent="0">
+              <a:buNone/>
+              <a:defRPr sz="675"/>
             </a:lvl7pPr>
-            <a:lvl8pPr marL="3200400" indent="0">
-              <a:buNone/>
-              <a:defRPr sz="900"/>
+            <a:lvl8pPr marL="2400300" indent="0">
+              <a:buNone/>
+              <a:defRPr sz="675"/>
             </a:lvl8pPr>
-            <a:lvl9pPr marL="3657600" indent="0">
-              <a:buNone/>
-              <a:defRPr sz="900"/>
+            <a:lvl9pPr marL="2743200" indent="0">
+              <a:buNone/>
+              <a:defRPr sz="675"/>
             </a:lvl9pPr>
           </a:lstStyle>
           <a:p>
             <a:pPr lvl="0"/>
             <a:r>
-              <a:rPr lang="en-US" smtClean="0"/>
+              <a:rPr lang="en-US"/>
               <a:t>Click to edit Master text styles</a:t>
             </a:r>
           </a:p>
@@ -2865,7 +2735,7 @@
           <a:p>
             <a:fld id="{241EB5C9-1307-BA42-ABA2-0BC069CD8E7F}" type="datetimeFigureOut">
               <a:rPr lang="en-US" smtClean="0"/>
-              <a:t>4/5/2019</a:t>
+              <a:t>1/2/22</a:t>
             </a:fld>
             <a:endParaRPr lang="en-US"/>
           </a:p>
@@ -2955,23 +2825,22 @@
         </p:nvSpPr>
         <p:spPr>
           <a:xfrm>
-            <a:off x="1792288" y="4800600"/>
-            <a:ext cx="5486400" cy="566738"/>
+            <a:off x="1792288" y="3600450"/>
+            <a:ext cx="5486400" cy="425054"/>
           </a:xfrm>
         </p:spPr>
         <p:txBody>
           <a:bodyPr anchor="b"/>
           <a:lstStyle>
             <a:lvl1pPr algn="l">
-              <a:defRPr sz="2000" b="1"/>
+              <a:defRPr sz="1500" b="1"/>
             </a:lvl1pPr>
           </a:lstStyle>
           <a:p>
             <a:r>
-              <a:rPr lang="en-US" smtClean="0"/>
+              <a:rPr lang="en-US"/>
               <a:t>Click to edit Master title style</a:t>
             </a:r>
-            <a:endParaRPr lang="en-US"/>
           </a:p>
         </p:txBody>
       </p:sp>
@@ -2987,8 +2856,8 @@
         </p:nvSpPr>
         <p:spPr>
           <a:xfrm>
-            <a:off x="1792288" y="612775"/>
-            <a:ext cx="5486400" cy="4114800"/>
+            <a:off x="1792288" y="459581"/>
+            <a:ext cx="5486400" cy="3086100"/>
           </a:xfrm>
         </p:spPr>
         <p:txBody>
@@ -2996,39 +2865,39 @@
           <a:lstStyle>
             <a:lvl1pPr marL="0" indent="0">
               <a:buNone/>
-              <a:defRPr sz="3200"/>
+              <a:defRPr sz="2400"/>
             </a:lvl1pPr>
-            <a:lvl2pPr marL="457200" indent="0">
-              <a:buNone/>
-              <a:defRPr sz="2800"/>
+            <a:lvl2pPr marL="342900" indent="0">
+              <a:buNone/>
+              <a:defRPr sz="2100"/>
             </a:lvl2pPr>
-            <a:lvl3pPr marL="914400" indent="0">
-              <a:buNone/>
-              <a:defRPr sz="2400"/>
+            <a:lvl3pPr marL="685800" indent="0">
+              <a:buNone/>
+              <a:defRPr sz="1800"/>
             </a:lvl3pPr>
-            <a:lvl4pPr marL="1371600" indent="0">
-              <a:buNone/>
-              <a:defRPr sz="2000"/>
+            <a:lvl4pPr marL="1028700" indent="0">
+              <a:buNone/>
+              <a:defRPr sz="1500"/>
             </a:lvl4pPr>
-            <a:lvl5pPr marL="1828800" indent="0">
-              <a:buNone/>
-              <a:defRPr sz="2000"/>
+            <a:lvl5pPr marL="1371600" indent="0">
+              <a:buNone/>
+              <a:defRPr sz="1500"/>
             </a:lvl5pPr>
-            <a:lvl6pPr marL="2286000" indent="0">
-              <a:buNone/>
-              <a:defRPr sz="2000"/>
+            <a:lvl6pPr marL="1714500" indent="0">
+              <a:buNone/>
+              <a:defRPr sz="1500"/>
             </a:lvl6pPr>
-            <a:lvl7pPr marL="2743200" indent="0">
-              <a:buNone/>
-              <a:defRPr sz="2000"/>
+            <a:lvl7pPr marL="2057400" indent="0">
+              <a:buNone/>
+              <a:defRPr sz="1500"/>
             </a:lvl7pPr>
-            <a:lvl8pPr marL="3200400" indent="0">
-              <a:buNone/>
-              <a:defRPr sz="2000"/>
+            <a:lvl8pPr marL="2400300" indent="0">
+              <a:buNone/>
+              <a:defRPr sz="1500"/>
             </a:lvl8pPr>
-            <a:lvl9pPr marL="3657600" indent="0">
-              <a:buNone/>
-              <a:defRPr sz="2000"/>
+            <a:lvl9pPr marL="2743200" indent="0">
+              <a:buNone/>
+              <a:defRPr sz="1500"/>
             </a:lvl9pPr>
           </a:lstStyle>
           <a:p>
@@ -3048,8 +2917,8 @@
         </p:nvSpPr>
         <p:spPr>
           <a:xfrm>
-            <a:off x="1792288" y="5367338"/>
-            <a:ext cx="5486400" cy="804862"/>
+            <a:off x="1792288" y="4025503"/>
+            <a:ext cx="5486400" cy="603647"/>
           </a:xfrm>
         </p:spPr>
         <p:txBody>
@@ -3057,45 +2926,45 @@
           <a:lstStyle>
             <a:lvl1pPr marL="0" indent="0">
               <a:buNone/>
-              <a:defRPr sz="1400"/>
+              <a:defRPr sz="1050"/>
             </a:lvl1pPr>
-            <a:lvl2pPr marL="457200" indent="0">
-              <a:buNone/>
-              <a:defRPr sz="1200"/>
+            <a:lvl2pPr marL="342900" indent="0">
+              <a:buNone/>
+              <a:defRPr sz="900"/>
             </a:lvl2pPr>
-            <a:lvl3pPr marL="914400" indent="0">
-              <a:buNone/>
-              <a:defRPr sz="1000"/>
+            <a:lvl3pPr marL="685800" indent="0">
+              <a:buNone/>
+              <a:defRPr sz="750"/>
             </a:lvl3pPr>
-            <a:lvl4pPr marL="1371600" indent="0">
-              <a:buNone/>
-              <a:defRPr sz="900"/>
+            <a:lvl4pPr marL="1028700" indent="0">
+              <a:buNone/>
+              <a:defRPr sz="675"/>
             </a:lvl4pPr>
-            <a:lvl5pPr marL="1828800" indent="0">
-              <a:buNone/>
-              <a:defRPr sz="900"/>
+            <a:lvl5pPr marL="1371600" indent="0">
+              <a:buNone/>
+              <a:defRPr sz="675"/>
             </a:lvl5pPr>
-            <a:lvl6pPr marL="2286000" indent="0">
-              <a:buNone/>
-              <a:defRPr sz="900"/>
+            <a:lvl6pPr marL="1714500" indent="0">
+              <a:buNone/>
+              <a:defRPr sz="675"/>
             </a:lvl6pPr>
-            <a:lvl7pPr marL="2743200" indent="0">
-              <a:buNone/>
-              <a:defRPr sz="900"/>
+            <a:lvl7pPr marL="2057400" indent="0">
+              <a:buNone/>
+              <a:defRPr sz="675"/>
             </a:lvl7pPr>
-            <a:lvl8pPr marL="3200400" indent="0">
-              <a:buNone/>
-              <a:defRPr sz="900"/>
+            <a:lvl8pPr marL="2400300" indent="0">
+              <a:buNone/>
+              <a:defRPr sz="675"/>
             </a:lvl8pPr>
-            <a:lvl9pPr marL="3657600" indent="0">
-              <a:buNone/>
-              <a:defRPr sz="900"/>
+            <a:lvl9pPr marL="2743200" indent="0">
+              <a:buNone/>
+              <a:defRPr sz="675"/>
             </a:lvl9pPr>
           </a:lstStyle>
           <a:p>
             <a:pPr lvl="0"/>
             <a:r>
-              <a:rPr lang="en-US" smtClean="0"/>
+              <a:rPr lang="en-US"/>
               <a:t>Click to edit Master text styles</a:t>
             </a:r>
           </a:p>
@@ -3118,7 +2987,7 @@
           <a:p>
             <a:fld id="{241EB5C9-1307-BA42-ABA2-0BC069CD8E7F}" type="datetimeFigureOut">
               <a:rPr lang="en-US" smtClean="0"/>
-              <a:t>4/5/2019</a:t>
+              <a:t>1/2/22</a:t>
             </a:fld>
             <a:endParaRPr lang="en-US"/>
           </a:p>
@@ -3180,7 +3049,7 @@
 </file>
 
 <file path=ppt/slideMasters/slideMaster1.xml><?xml version="1.0" encoding="utf-8"?>
-<p:sldMaster xmlns:a="http://schemas.openxmlformats.org/drawingml/2006/main" xmlns:r="http://schemas.openxmlformats.org/officeDocument/2006/relationships" xmlns:p="http://schemas.openxmlformats.org/presentationml/2006/main">
+<p:sldMaster xmlns:a="http://schemas.openxmlformats.org/drawingml/2006/main" xmlns:p="http://schemas.openxmlformats.org/presentationml/2006/main" xmlns:r="http://schemas.openxmlformats.org/officeDocument/2006/relationships">
   <p:cSld>
     <p:bg>
       <p:bgRef idx="1001">
@@ -3213,24 +3082,23 @@
         </p:nvSpPr>
         <p:spPr>
           <a:xfrm>
-            <a:off x="457200" y="274638"/>
-            <a:ext cx="8229600" cy="1143000"/>
+            <a:off x="457200" y="205979"/>
+            <a:ext cx="8229600" cy="857250"/>
           </a:xfrm>
           <a:prstGeom prst="rect">
             <a:avLst/>
           </a:prstGeom>
         </p:spPr>
         <p:txBody>
-          <a:bodyPr vert="horz" lIns="91440" tIns="45720" rIns="91440" bIns="45720" rtlCol="0" anchor="ctr">
+          <a:bodyPr anchor="ctr" bIns="45720" lIns="91440" rIns="91440" rtlCol="0" tIns="45720" vert="horz">
             <a:normAutofit/>
           </a:bodyPr>
           <a:lstStyle/>
           <a:p>
             <a:r>
-              <a:rPr lang="en-US" smtClean="0"/>
+              <a:rPr lang="en-US"/>
               <a:t>Click to edit Master title style</a:t>
             </a:r>
-            <a:endParaRPr lang="en-US"/>
           </a:p>
         </p:txBody>
       </p:sp>
@@ -3241,58 +3109,57 @@
             <a:spLocks noGrp="1"/>
           </p:cNvSpPr>
           <p:nvPr>
-            <p:ph type="body" idx="1"/>
+            <p:ph idx="1" type="body"/>
           </p:nvPr>
         </p:nvSpPr>
         <p:spPr>
           <a:xfrm>
-            <a:off x="457200" y="1600200"/>
-            <a:ext cx="8229600" cy="4525963"/>
+            <a:off x="457200" y="1200151"/>
+            <a:ext cx="8229600" cy="3394472"/>
           </a:xfrm>
           <a:prstGeom prst="rect">
             <a:avLst/>
           </a:prstGeom>
         </p:spPr>
         <p:txBody>
-          <a:bodyPr vert="horz" lIns="91440" tIns="45720" rIns="91440" bIns="45720" rtlCol="0">
+          <a:bodyPr bIns="45720" lIns="91440" rIns="91440" rtlCol="0" tIns="45720" vert="horz">
             <a:normAutofit/>
           </a:bodyPr>
           <a:lstStyle/>
           <a:p>
             <a:pPr lvl="0"/>
             <a:r>
-              <a:rPr lang="en-US" smtClean="0"/>
+              <a:rPr lang="en-US"/>
               <a:t>Click to edit Master text styles</a:t>
             </a:r>
           </a:p>
           <a:p>
             <a:pPr lvl="1"/>
             <a:r>
-              <a:rPr lang="en-US" smtClean="0"/>
+              <a:rPr lang="en-US"/>
               <a:t>Second level</a:t>
             </a:r>
           </a:p>
           <a:p>
             <a:pPr lvl="2"/>
             <a:r>
-              <a:rPr lang="en-US" smtClean="0"/>
+              <a:rPr lang="en-US"/>
               <a:t>Third level</a:t>
             </a:r>
           </a:p>
           <a:p>
             <a:pPr lvl="3"/>
             <a:r>
-              <a:rPr lang="en-US" smtClean="0"/>
+              <a:rPr lang="en-US"/>
               <a:t>Fourth level</a:t>
             </a:r>
           </a:p>
           <a:p>
             <a:pPr lvl="4"/>
             <a:r>
-              <a:rPr lang="en-US" smtClean="0"/>
+              <a:rPr lang="en-US"/>
               <a:t>Fifth level</a:t>
             </a:r>
-            <a:endParaRPr lang="en-US"/>
           </a:p>
         </p:txBody>
       </p:sp>
@@ -3303,23 +3170,23 @@
             <a:spLocks noGrp="1"/>
           </p:cNvSpPr>
           <p:nvPr>
-            <p:ph type="dt" sz="half" idx="2"/>
+            <p:ph idx="2" sz="half" type="dt"/>
           </p:nvPr>
         </p:nvSpPr>
         <p:spPr>
           <a:xfrm>
-            <a:off x="457200" y="6356350"/>
-            <a:ext cx="2133600" cy="365125"/>
+            <a:off x="457200" y="4767263"/>
+            <a:ext cx="2133600" cy="273844"/>
           </a:xfrm>
           <a:prstGeom prst="rect">
             <a:avLst/>
           </a:prstGeom>
         </p:spPr>
         <p:txBody>
-          <a:bodyPr vert="horz" lIns="91440" tIns="45720" rIns="91440" bIns="45720" rtlCol="0" anchor="ctr"/>
+          <a:bodyPr anchor="ctr" bIns="45720" lIns="91440" rIns="91440" rtlCol="0" tIns="45720" vert="horz"/>
           <a:lstStyle>
             <a:lvl1pPr algn="l">
-              <a:defRPr sz="1200">
+              <a:defRPr sz="900">
                 <a:solidFill>
                   <a:schemeClr val="tx1">
                     <a:tint val="75000"/>
@@ -3331,7 +3198,7 @@
           <a:p>
             <a:fld id="{241EB5C9-1307-BA42-ABA2-0BC069CD8E7F}" type="datetimeFigureOut">
               <a:rPr lang="en-US" smtClean="0"/>
-              <a:t>4/5/2019</a:t>
+              <a:t>1/2/22</a:t>
             </a:fld>
             <a:endParaRPr lang="en-US"/>
           </a:p>
@@ -3344,23 +3211,23 @@
             <a:spLocks noGrp="1"/>
           </p:cNvSpPr>
           <p:nvPr>
-            <p:ph type="ftr" sz="quarter" idx="3"/>
+            <p:ph idx="3" sz="quarter" type="ftr"/>
           </p:nvPr>
         </p:nvSpPr>
         <p:spPr>
           <a:xfrm>
-            <a:off x="3124200" y="6356350"/>
-            <a:ext cx="2895600" cy="365125"/>
+            <a:off x="3124200" y="4767263"/>
+            <a:ext cx="2895600" cy="273844"/>
           </a:xfrm>
           <a:prstGeom prst="rect">
             <a:avLst/>
           </a:prstGeom>
         </p:spPr>
         <p:txBody>
-          <a:bodyPr vert="horz" lIns="91440" tIns="45720" rIns="91440" bIns="45720" rtlCol="0" anchor="ctr"/>
+          <a:bodyPr anchor="ctr" bIns="45720" lIns="91440" rIns="91440" rtlCol="0" tIns="45720" vert="horz"/>
           <a:lstStyle>
             <a:lvl1pPr algn="ctr">
-              <a:defRPr sz="1200">
+              <a:defRPr sz="900">
                 <a:solidFill>
                   <a:schemeClr val="tx1">
                     <a:tint val="75000"/>
@@ -3381,23 +3248,23 @@
             <a:spLocks noGrp="1"/>
           </p:cNvSpPr>
           <p:nvPr>
-            <p:ph type="sldNum" sz="quarter" idx="4"/>
+            <p:ph idx="4" sz="quarter" type="sldNum"/>
           </p:nvPr>
         </p:nvSpPr>
         <p:spPr>
           <a:xfrm>
-            <a:off x="6553200" y="6356350"/>
-            <a:ext cx="2133600" cy="365125"/>
+            <a:off x="6553200" y="4767263"/>
+            <a:ext cx="2133600" cy="273844"/>
           </a:xfrm>
           <a:prstGeom prst="rect">
             <a:avLst/>
           </a:prstGeom>
         </p:spPr>
         <p:txBody>
-          <a:bodyPr vert="horz" lIns="91440" tIns="45720" rIns="91440" bIns="45720" rtlCol="0" anchor="ctr"/>
+          <a:bodyPr anchor="ctr" bIns="45720" lIns="91440" rIns="91440" rtlCol="0" tIns="45720" vert="horz"/>
           <a:lstStyle>
             <a:lvl1pPr algn="r">
-              <a:defRPr sz="1200">
+              <a:defRPr sz="900">
                 <a:solidFill>
                   <a:schemeClr val="tx1">
                     <a:tint val="75000"/>
@@ -3422,7 +3289,7 @@
       </p:ext>
     </p:extLst>
   </p:cSld>
-  <p:clrMap bg1="lt1" tx1="dk1" bg2="lt2" tx2="dk2" accent1="accent1" accent2="accent2" accent3="accent3" accent4="accent4" accent5="accent5" accent6="accent6" hlink="hlink" folHlink="folHlink"/>
+  <p:clrMap accent1="accent1" accent2="accent2" accent3="accent3" accent4="accent4" accent5="accent5" accent6="accent6" bg1="lt1" bg2="lt2" folHlink="folHlink" hlink="hlink" tx1="dk1" tx2="dk2"/>
   <p:sldLayoutIdLst>
     <p:sldLayoutId id="2147483649" r:id="rId1"/>
     <p:sldLayoutId id="2147483650" r:id="rId2"/>
@@ -3438,12 +3305,12 @@
   </p:sldLayoutIdLst>
   <p:txStyles>
     <p:titleStyle>
-      <a:lvl1pPr algn="ctr" defTabSz="457200" rtl="0" eaLnBrk="1" latinLnBrk="0" hangingPunct="1">
+      <a:lvl1pPr algn="ctr" defTabSz="342900" eaLnBrk="1" hangingPunct="1" latinLnBrk="0" rtl="0">
         <a:spcBef>
           <a:spcPct val="0"/>
         </a:spcBef>
         <a:buNone/>
-        <a:defRPr sz="4400" kern="1200">
+        <a:defRPr kern="1200" sz="3300">
           <a:solidFill>
             <a:schemeClr val="tx1"/>
           </a:solidFill>
@@ -3454,13 +3321,13 @@
       </a:lvl1pPr>
     </p:titleStyle>
     <p:bodyStyle>
-      <a:lvl1pPr marL="342900" indent="-342900" algn="l" defTabSz="457200" rtl="0" eaLnBrk="1" latinLnBrk="0" hangingPunct="1">
+      <a:lvl1pPr algn="l" defTabSz="342900" eaLnBrk="1" hangingPunct="1" indent="-342900" latinLnBrk="0" marL="342900" rtl="0">
         <a:spcBef>
           <a:spcPct val="20000"/>
         </a:spcBef>
         <a:buFont typeface="Arial"/>
         <a:buChar char="•"/>
-        <a:defRPr sz="3200" kern="1200">
+        <a:defRPr kern="1200" sz="2400">
           <a:solidFill>
             <a:schemeClr val="tx1"/>
           </a:solidFill>
@@ -3469,13 +3336,13 @@
           <a:cs typeface="+mn-cs"/>
         </a:defRPr>
       </a:lvl1pPr>
-      <a:lvl2pPr marL="742950" indent="-285750" algn="l" defTabSz="457200" rtl="0" eaLnBrk="1" latinLnBrk="0" hangingPunct="1">
+      <a:lvl2pPr algn="l" defTabSz="342900" eaLnBrk="1" hangingPunct="1" indent="-342900" latinLnBrk="0" marL="685800" rtl="0">
         <a:spcBef>
           <a:spcPct val="20000"/>
         </a:spcBef>
         <a:buFont typeface="Arial"/>
         <a:buChar char="–"/>
-        <a:defRPr sz="2800" kern="1200">
+        <a:defRPr kern="1200" sz="2100">
           <a:solidFill>
             <a:schemeClr val="tx1"/>
           </a:solidFill>
@@ -3484,13 +3351,13 @@
           <a:cs typeface="+mn-cs"/>
         </a:defRPr>
       </a:lvl2pPr>
-      <a:lvl3pPr marL="1143000" indent="-228600" algn="l" defTabSz="457200" rtl="0" eaLnBrk="1" latinLnBrk="0" hangingPunct="1">
+      <a:lvl3pPr algn="l" defTabSz="342900" eaLnBrk="1" hangingPunct="1" indent="-342900" latinLnBrk="0" marL="1028700" rtl="0">
         <a:spcBef>
           <a:spcPct val="20000"/>
         </a:spcBef>
         <a:buFont typeface="Arial"/>
         <a:buChar char="•"/>
-        <a:defRPr sz="2400" kern="1200">
+        <a:defRPr kern="1200" sz="1800">
           <a:solidFill>
             <a:schemeClr val="tx1"/>
           </a:solidFill>
@@ -3499,13 +3366,13 @@
           <a:cs typeface="+mn-cs"/>
         </a:defRPr>
       </a:lvl3pPr>
-      <a:lvl4pPr marL="1600200" indent="-228600" algn="l" defTabSz="457200" rtl="0" eaLnBrk="1" latinLnBrk="0" hangingPunct="1">
+      <a:lvl4pPr algn="l" defTabSz="342900" eaLnBrk="1" hangingPunct="1" indent="-342900" latinLnBrk="0" marL="1371600" rtl="0">
         <a:spcBef>
           <a:spcPct val="20000"/>
         </a:spcBef>
         <a:buFont typeface="Arial"/>
         <a:buChar char="–"/>
-        <a:defRPr sz="2000" kern="1200">
+        <a:defRPr kern="1200" sz="1500">
           <a:solidFill>
             <a:schemeClr val="tx1"/>
           </a:solidFill>
@@ -3514,13 +3381,13 @@
           <a:cs typeface="+mn-cs"/>
         </a:defRPr>
       </a:lvl4pPr>
-      <a:lvl5pPr marL="2057400" indent="-228600" algn="l" defTabSz="457200" rtl="0" eaLnBrk="1" latinLnBrk="0" hangingPunct="1">
+      <a:lvl5pPr algn="l" defTabSz="342900" eaLnBrk="1" hangingPunct="1" indent="-342900" latinLnBrk="0" marL="1714500" rtl="0">
         <a:spcBef>
           <a:spcPct val="20000"/>
         </a:spcBef>
         <a:buFont typeface="Arial"/>
         <a:buChar char="»"/>
-        <a:defRPr sz="2000" kern="1200">
+        <a:defRPr kern="1200" sz="1500">
           <a:solidFill>
             <a:schemeClr val="tx1"/>
           </a:solidFill>
@@ -3529,13 +3396,13 @@
           <a:cs typeface="+mn-cs"/>
         </a:defRPr>
       </a:lvl5pPr>
-      <a:lvl6pPr marL="2514600" indent="-228600" algn="l" defTabSz="457200" rtl="0" eaLnBrk="1" latinLnBrk="0" hangingPunct="1">
+      <a:lvl6pPr algn="l" defTabSz="342900" eaLnBrk="1" hangingPunct="1" indent="-342900" latinLnBrk="0" marL="2057400" rtl="0">
         <a:spcBef>
           <a:spcPct val="20000"/>
         </a:spcBef>
         <a:buFont typeface="Arial"/>
         <a:buChar char="•"/>
-        <a:defRPr sz="2000" kern="1200">
+        <a:defRPr kern="1200" sz="1500">
           <a:solidFill>
             <a:schemeClr val="tx1"/>
           </a:solidFill>
@@ -3544,13 +3411,13 @@
           <a:cs typeface="+mn-cs"/>
         </a:defRPr>
       </a:lvl6pPr>
-      <a:lvl7pPr marL="2971800" indent="-228600" algn="l" defTabSz="457200" rtl="0" eaLnBrk="1" latinLnBrk="0" hangingPunct="1">
+      <a:lvl7pPr algn="l" defTabSz="342900" eaLnBrk="1" hangingPunct="1" indent="-342900" latinLnBrk="0" marL="2400300" rtl="0">
         <a:spcBef>
           <a:spcPct val="20000"/>
         </a:spcBef>
         <a:buFont typeface="Arial"/>
         <a:buChar char="•"/>
-        <a:defRPr sz="2000" kern="1200">
+        <a:defRPr kern="1200" sz="1500">
           <a:solidFill>
             <a:schemeClr val="tx1"/>
           </a:solidFill>
@@ -3559,13 +3426,13 @@
           <a:cs typeface="+mn-cs"/>
         </a:defRPr>
       </a:lvl7pPr>
-      <a:lvl8pPr marL="3429000" indent="-228600" algn="l" defTabSz="457200" rtl="0" eaLnBrk="1" latinLnBrk="0" hangingPunct="1">
+      <a:lvl8pPr algn="l" defTabSz="342900" eaLnBrk="1" hangingPunct="1" indent="-342900" latinLnBrk="0" marL="2743200" rtl="0">
         <a:spcBef>
           <a:spcPct val="20000"/>
         </a:spcBef>
         <a:buFont typeface="Arial"/>
         <a:buChar char="•"/>
-        <a:defRPr sz="2000" kern="1200">
+        <a:defRPr kern="1200" sz="1500">
           <a:solidFill>
             <a:schemeClr val="tx1"/>
           </a:solidFill>
@@ -3574,13 +3441,13 @@
           <a:cs typeface="+mn-cs"/>
         </a:defRPr>
       </a:lvl8pPr>
-      <a:lvl9pPr marL="3886200" indent="-228600" algn="l" defTabSz="457200" rtl="0" eaLnBrk="1" latinLnBrk="0" hangingPunct="1">
+      <a:lvl9pPr algn="l" defTabSz="342900" eaLnBrk="1" hangingPunct="1" indent="-342900" latinLnBrk="0" marL="3086100" rtl="0">
         <a:spcBef>
           <a:spcPct val="20000"/>
         </a:spcBef>
         <a:buFont typeface="Arial"/>
         <a:buChar char="•"/>
-        <a:defRPr sz="2000" kern="1200">
+        <a:defRPr kern="1200" sz="1500">
           <a:solidFill>
             <a:schemeClr val="tx1"/>
           </a:solidFill>
@@ -3594,8 +3461,8 @@
       <a:defPPr>
         <a:defRPr lang="en-US"/>
       </a:defPPr>
-      <a:lvl1pPr marL="0" algn="l" defTabSz="457200" rtl="0" eaLnBrk="1" latinLnBrk="0" hangingPunct="1">
-        <a:defRPr sz="1800" kern="1200">
+      <a:lvl1pPr algn="l" defTabSz="342900" eaLnBrk="1" hangingPunct="1" latinLnBrk="0" marL="0" rtl="0">
+        <a:defRPr kern="1200" sz="1350">
           <a:solidFill>
             <a:schemeClr val="tx1"/>
           </a:solidFill>
@@ -3604,8 +3471,8 @@
           <a:cs typeface="+mn-cs"/>
         </a:defRPr>
       </a:lvl1pPr>
-      <a:lvl2pPr marL="457200" algn="l" defTabSz="457200" rtl="0" eaLnBrk="1" latinLnBrk="0" hangingPunct="1">
-        <a:defRPr sz="1800" kern="1200">
+      <a:lvl2pPr algn="l" defTabSz="342900" eaLnBrk="1" hangingPunct="1" latinLnBrk="0" marL="342900" rtl="0">
+        <a:defRPr kern="1200" sz="1350">
           <a:solidFill>
             <a:schemeClr val="tx1"/>
           </a:solidFill>
@@ -3614,8 +3481,8 @@
           <a:cs typeface="+mn-cs"/>
         </a:defRPr>
       </a:lvl2pPr>
-      <a:lvl3pPr marL="914400" algn="l" defTabSz="457200" rtl="0" eaLnBrk="1" latinLnBrk="0" hangingPunct="1">
-        <a:defRPr sz="1800" kern="1200">
+      <a:lvl3pPr algn="l" defTabSz="342900" eaLnBrk="1" hangingPunct="1" latinLnBrk="0" marL="685800" rtl="0">
+        <a:defRPr kern="1200" sz="1350">
           <a:solidFill>
             <a:schemeClr val="tx1"/>
           </a:solidFill>
@@ -3624,8 +3491,8 @@
           <a:cs typeface="+mn-cs"/>
         </a:defRPr>
       </a:lvl3pPr>
-      <a:lvl4pPr marL="1371600" algn="l" defTabSz="457200" rtl="0" eaLnBrk="1" latinLnBrk="0" hangingPunct="1">
-        <a:defRPr sz="1800" kern="1200">
+      <a:lvl4pPr algn="l" defTabSz="342900" eaLnBrk="1" hangingPunct="1" latinLnBrk="0" marL="1028700" rtl="0">
+        <a:defRPr kern="1200" sz="1350">
           <a:solidFill>
             <a:schemeClr val="tx1"/>
           </a:solidFill>
@@ -3634,8 +3501,8 @@
           <a:cs typeface="+mn-cs"/>
         </a:defRPr>
       </a:lvl4pPr>
-      <a:lvl5pPr marL="1828800" algn="l" defTabSz="457200" rtl="0" eaLnBrk="1" latinLnBrk="0" hangingPunct="1">
-        <a:defRPr sz="1800" kern="1200">
+      <a:lvl5pPr algn="l" defTabSz="342900" eaLnBrk="1" hangingPunct="1" latinLnBrk="0" marL="1371600" rtl="0">
+        <a:defRPr kern="1200" sz="1350">
           <a:solidFill>
             <a:schemeClr val="tx1"/>
           </a:solidFill>
@@ -3644,8 +3511,8 @@
           <a:cs typeface="+mn-cs"/>
         </a:defRPr>
       </a:lvl5pPr>
-      <a:lvl6pPr marL="2286000" algn="l" defTabSz="457200" rtl="0" eaLnBrk="1" latinLnBrk="0" hangingPunct="1">
-        <a:defRPr sz="1800" kern="1200">
+      <a:lvl6pPr algn="l" defTabSz="342900" eaLnBrk="1" hangingPunct="1" latinLnBrk="0" marL="1714500" rtl="0">
+        <a:defRPr kern="1200" sz="1350">
           <a:solidFill>
             <a:schemeClr val="tx1"/>
           </a:solidFill>
@@ -3654,8 +3521,8 @@
           <a:cs typeface="+mn-cs"/>
         </a:defRPr>
       </a:lvl6pPr>
-      <a:lvl7pPr marL="2743200" algn="l" defTabSz="457200" rtl="0" eaLnBrk="1" latinLnBrk="0" hangingPunct="1">
-        <a:defRPr sz="1800" kern="1200">
+      <a:lvl7pPr algn="l" defTabSz="342900" eaLnBrk="1" hangingPunct="1" latinLnBrk="0" marL="2057400" rtl="0">
+        <a:defRPr kern="1200" sz="1350">
           <a:solidFill>
             <a:schemeClr val="tx1"/>
           </a:solidFill>
@@ -3664,8 +3531,8 @@
           <a:cs typeface="+mn-cs"/>
         </a:defRPr>
       </a:lvl7pPr>
-      <a:lvl8pPr marL="3200400" algn="l" defTabSz="457200" rtl="0" eaLnBrk="1" latinLnBrk="0" hangingPunct="1">
-        <a:defRPr sz="1800" kern="1200">
+      <a:lvl8pPr algn="l" defTabSz="342900" eaLnBrk="1" hangingPunct="1" latinLnBrk="0" marL="2400300" rtl="0">
+        <a:defRPr kern="1200" sz="1350">
           <a:solidFill>
             <a:schemeClr val="tx1"/>
           </a:solidFill>
@@ -3674,8 +3541,8 @@
           <a:cs typeface="+mn-cs"/>
         </a:defRPr>
       </a:lvl8pPr>
-      <a:lvl9pPr marL="3657600" algn="l" defTabSz="457200" rtl="0" eaLnBrk="1" latinLnBrk="0" hangingPunct="1">
-        <a:defRPr sz="1800" kern="1200">
+      <a:lvl9pPr algn="l" defTabSz="342900" eaLnBrk="1" hangingPunct="1" latinLnBrk="0" marL="2743200" rtl="0">
+        <a:defRPr kern="1200" sz="1350">
           <a:solidFill>
             <a:schemeClr val="tx1"/>
           </a:solidFill>
@@ -3718,36 +3585,20 @@
         </p:nvSpPr>
         <p:spPr>
           <a:xfrm>
-            <a:off x="685800" y="2130425"/>
-            <a:ext cx="7772400" cy="1470025"/>
+            <a:off x="685800" y="1597819"/>
+            <a:ext cx="7772400" cy="1102519"/>
           </a:xfrm>
         </p:spPr>
         <p:txBody>
           <a:bodyPr/>
           <a:lstStyle/>
           <a:p>
-            <a:pPr lvl="0" marL="0" indent="0">
+            <a:pPr lvl="0" indent="0" marL="0">
               <a:buNone/>
             </a:pPr>
             <a:r>
               <a:rPr/>
-              <a:t>Markdown</a:t>
-            </a:r>
-            <a:r>
-              <a:rPr/>
-              <a:t> </a:t>
-            </a:r>
-            <a:r>
-              <a:rPr/>
-              <a:t>Slides</a:t>
-            </a:r>
-            <a:r>
-              <a:rPr/>
-              <a:t> </a:t>
-            </a:r>
-            <a:r>
-              <a:rPr/>
-              <a:t>[ES]</a:t>
+              <a:t>Markdown Slides [ES]</a:t>
             </a:r>
           </a:p>
         </p:txBody>
@@ -3759,51 +3610,27 @@
             <a:spLocks noGrp="1"/>
           </p:cNvSpPr>
           <p:nvPr>
-            <p:ph type="subTitle" idx="1"/>
+            <p:ph idx="1" type="subTitle"/>
           </p:nvPr>
         </p:nvSpPr>
         <p:spPr>
           <a:xfrm>
-            <a:off x="1371600" y="3886200"/>
-            <a:ext cx="6400800" cy="1752600"/>
+            <a:off x="1371600" y="2914650"/>
+            <a:ext cx="6400800" cy="1314450"/>
           </a:xfrm>
         </p:spPr>
         <p:txBody>
           <a:bodyPr/>
           <a:lstStyle/>
           <a:p>
-            <a:pPr lvl="0" marL="0" indent="0">
+            <a:pPr lvl="0" indent="0" marL="0">
               <a:buNone/>
             </a:pPr>
             <a:br/>
             <a:br/>
             <a:r>
               <a:rPr/>
-              <a:t>Adolfo</a:t>
-            </a:r>
-            <a:r>
-              <a:rPr/>
-              <a:t> </a:t>
-            </a:r>
-            <a:r>
-              <a:rPr/>
-              <a:t>Sanz</a:t>
-            </a:r>
-            <a:r>
-              <a:rPr/>
-              <a:t> </a:t>
-            </a:r>
-            <a:r>
-              <a:rPr/>
-              <a:t>De</a:t>
-            </a:r>
-            <a:r>
-              <a:rPr/>
-              <a:t> </a:t>
-            </a:r>
-            <a:r>
-              <a:rPr/>
-              <a:t>Diego</a:t>
+              <a:t>Adolfo Sanz De Diego</a:t>
             </a:r>
           </a:p>
         </p:txBody>
@@ -3815,15 +3642,15 @@
             <a:spLocks noGrp="1"/>
           </p:cNvSpPr>
           <p:nvPr>
-            <p:ph type="dt" sz="half" idx="10"/>
-          </p:nvPr>
-        </p:nvSpPr>
-        <p:spPr/>
-        <p:txBody>
-          <a:bodyPr/>
-          <a:lstStyle/>
-          <a:p>
-            <a:pPr lvl="0" marL="0" indent="0">
+            <p:ph idx="10" sz="half" type="dt"/>
+          </p:nvPr>
+        </p:nvSpPr>
+        <p:spPr/>
+        <p:txBody>
+          <a:bodyPr/>
+          <a:lstStyle/>
+          <a:p>
+            <a:pPr lvl="0" indent="0" marL="0">
               <a:buNone/>
             </a:pPr>
             <a:r>
@@ -3870,7 +3697,7 @@
           <a:bodyPr/>
           <a:lstStyle/>
           <a:p>
-            <a:pPr lvl="0" marL="0" indent="0">
+            <a:pPr lvl="0" indent="0" marL="0">
               <a:buNone/>
             </a:pPr>
             <a:r>
@@ -3895,15 +3722,15 @@
           <a:bodyPr/>
           <a:lstStyle/>
           <a:p>
+            <a:pPr lvl="0"/>
+            <a:r>
+              <a:rPr/>
+              <a:t>Necesita ser instalado:</a:t>
+            </a:r>
+          </a:p>
+          <a:p>
             <a:pPr lvl="1"/>
             <a:r>
-              <a:rPr/>
-              <a:t>Necesita ser instalado:</a:t>
-            </a:r>
-          </a:p>
-          <a:p>
-            <a:pPr lvl="2"/>
-            <a:r>
               <a:rPr>
                 <a:hlinkClick r:id="rId2"/>
               </a:rPr>
@@ -3911,7 +3738,7 @@
             </a:r>
           </a:p>
           <a:p>
-            <a:pPr lvl="2"/>
+            <a:pPr lvl="1"/>
             <a:r>
               <a:rPr>
                 <a:hlinkClick r:id="rId3"/>
@@ -3920,7 +3747,7 @@
             </a:r>
           </a:p>
           <a:p>
-            <a:pPr lvl="2"/>
+            <a:pPr lvl="1"/>
             <a:r>
               <a:rPr>
                 <a:hlinkClick r:id="rId4"/>
@@ -3929,14 +3756,14 @@
             </a:r>
           </a:p>
           <a:p>
+            <a:pPr lvl="0"/>
+            <a:r>
+              <a:rPr/>
+              <a:t>Descargado automáticamente:</a:t>
+            </a:r>
+          </a:p>
+          <a:p>
             <a:pPr lvl="1"/>
-            <a:r>
-              <a:rPr/>
-              <a:t>Descargado automáticamente:</a:t>
-            </a:r>
-          </a:p>
-          <a:p>
-            <a:pPr lvl="2"/>
             <a:r>
               <a:rPr>
                 <a:hlinkClick r:id="rId5"/>
@@ -3983,7 +3810,7 @@
           <a:bodyPr/>
           <a:lstStyle/>
           <a:p>
-            <a:pPr lvl="0" marL="0" indent="0">
+            <a:pPr lvl="0" indent="0" marL="0">
               <a:buNone/>
             </a:pPr>
             <a:r>
@@ -4008,14 +3835,14 @@
           <a:bodyPr/>
           <a:lstStyle/>
           <a:p>
-            <a:pPr lvl="1"/>
+            <a:pPr lvl="0"/>
             <a:r>
               <a:rPr/>
               <a:t>Por ahora, solo funciona en Linux (y puede que en MacOS).</a:t>
             </a:r>
           </a:p>
           <a:p>
-            <a:pPr lvl="1"/>
+            <a:pPr lvl="0"/>
             <a:r>
               <a:rPr/>
               <a:t>Puede funcionar con Docker, pero todavía está en pruebas.</a:t>
@@ -4060,7 +3887,7 @@
           <a:bodyPr/>
           <a:lstStyle/>
           <a:p>
-            <a:pPr lvl="0" marL="0" indent="0">
+            <a:pPr lvl="0" indent="0" marL="0">
               <a:buNone/>
             </a:pPr>
             <a:r>
@@ -4085,7 +3912,7 @@
           <a:bodyPr/>
           <a:lstStyle/>
           <a:p>
-            <a:pPr lvl="0" marL="0" indent="0">
+            <a:pPr lvl="0" indent="0" marL="0">
               <a:buNone/>
             </a:pPr>
             <a:r>
@@ -4134,7 +3961,7 @@
           <a:bodyPr/>
           <a:lstStyle/>
           <a:p>
-            <a:pPr lvl="0" marL="0" indent="0">
+            <a:pPr lvl="0" indent="0" marL="0">
               <a:buNone/>
             </a:pPr>
             <a:r>
@@ -4159,7 +3986,7 @@
           <a:bodyPr/>
           <a:lstStyle/>
           <a:p>
-            <a:pPr lvl="1"/>
+            <a:pPr lvl="0"/>
             <a:r>
               <a:rPr/>
               <a:t>Su instalación con docker está todavía </a:t>
@@ -4174,7 +4001,7 @@
             </a:r>
           </a:p>
           <a:p>
-            <a:pPr lvl="1"/>
+            <a:pPr lvl="0"/>
             <a:r>
               <a:rPr/>
               <a:t>Cualquier feedback es bienvenido.</a:t>
@@ -4219,28 +4046,12 @@
           <a:bodyPr/>
           <a:lstStyle/>
           <a:p>
-            <a:pPr lvl="0" marL="0" indent="0">
+            <a:pPr lvl="0" indent="0" marL="0">
               <a:buNone/>
             </a:pPr>
             <a:r>
               <a:rPr/>
-              <a:t>Construir</a:t>
-            </a:r>
-            <a:r>
-              <a:rPr/>
-              <a:t> </a:t>
-            </a:r>
-            <a:r>
-              <a:rPr/>
-              <a:t>la</a:t>
-            </a:r>
-            <a:r>
-              <a:rPr/>
-              <a:t> </a:t>
-            </a:r>
-            <a:r>
-              <a:rPr/>
-              <a:t>imagen</a:t>
+              <a:t>Construir la imagen</a:t>
             </a:r>
           </a:p>
         </p:txBody>
@@ -4260,7 +4071,7 @@
           <a:bodyPr/>
           <a:lstStyle/>
           <a:p>
-            <a:pPr lvl="1"/>
+            <a:pPr lvl="0"/>
             <a:r>
               <a:rPr/>
               <a:t>Estará en Dockerhub pronto:</a:t>
@@ -4316,28 +4127,12 @@
           <a:bodyPr/>
           <a:lstStyle/>
           <a:p>
-            <a:pPr lvl="0" marL="0" indent="0">
+            <a:pPr lvl="0" indent="0" marL="0">
               <a:buNone/>
             </a:pPr>
             <a:r>
               <a:rPr/>
-              <a:t>Lanzar</a:t>
-            </a:r>
-            <a:r>
-              <a:rPr/>
-              <a:t> </a:t>
-            </a:r>
-            <a:r>
-              <a:rPr/>
-              <a:t>el</a:t>
-            </a:r>
-            <a:r>
-              <a:rPr/>
-              <a:t> </a:t>
-            </a:r>
-            <a:r>
-              <a:rPr/>
-              <a:t>contenedor</a:t>
+              <a:t>Lanzar el contenedor</a:t>
             </a:r>
           </a:p>
         </p:txBody>
@@ -4357,7 +4152,7 @@
           <a:bodyPr/>
           <a:lstStyle/>
           <a:p>
-            <a:pPr lvl="1"/>
+            <a:pPr lvl="0"/>
             <a:r>
               <a:rPr/>
               <a:t>Lanzamos el contenedor:</a:t>
@@ -4411,15 +4206,15 @@
         </p:nvSpPr>
         <p:spPr>
           <a:xfrm>
-            <a:off x="722313" y="4406900"/>
-            <a:ext cx="7772400" cy="1362075"/>
+            <a:off x="722313" y="3305176"/>
+            <a:ext cx="7772400" cy="1021556"/>
           </a:xfrm>
         </p:spPr>
         <p:txBody>
           <a:bodyPr/>
           <a:lstStyle/>
           <a:p>
-            <a:pPr lvl="0" marL="0" indent="0">
+            <a:pPr lvl="0" indent="0" marL="0">
               <a:buNone/>
             </a:pPr>
             <a:r>
@@ -4466,7 +4261,7 @@
           <a:bodyPr/>
           <a:lstStyle/>
           <a:p>
-            <a:pPr lvl="0" marL="0" indent="0">
+            <a:pPr lvl="0" indent="0" marL="0">
               <a:buNone/>
             </a:pPr>
             <a:r>
@@ -4491,7 +4286,7 @@
           <a:bodyPr/>
           <a:lstStyle/>
           <a:p>
-            <a:pPr lvl="1"/>
+            <a:pPr lvl="0"/>
             <a:r>
               <a:rPr/>
               <a:t>Primero </a:t>
@@ -4502,11 +4297,11 @@
             </a:r>
             <a:r>
               <a:rPr/>
-              <a:t>. Esto no es necesario pero te ayuda a organizar tus documentos.</a:t>
-            </a:r>
-          </a:p>
-          <a:p>
-            <a:pPr lvl="1"/>
+              <a:t>. Es importante renombrarla para que no de error.</a:t>
+            </a:r>
+          </a:p>
+          <a:p>
+            <a:pPr lvl="0"/>
             <a:r>
               <a:rPr b="1"/>
               <a:t>Crea los ficheros md</a:t>
@@ -4573,20 +4368,12 @@
           <a:bodyPr/>
           <a:lstStyle/>
           <a:p>
-            <a:pPr lvl="0" marL="0" indent="0">
+            <a:pPr lvl="0" indent="0" marL="0">
               <a:buNone/>
             </a:pPr>
             <a:r>
               <a:rPr/>
-              <a:t>Imports</a:t>
-            </a:r>
-            <a:r>
-              <a:rPr/>
-              <a:t> </a:t>
-            </a:r>
-            <a:r>
-              <a:rPr/>
-              <a:t>(I)</a:t>
+              <a:t>Imports (I)</a:t>
             </a:r>
           </a:p>
         </p:txBody>
@@ -4606,7 +4393,7 @@
           <a:bodyPr/>
           <a:lstStyle/>
           <a:p>
-            <a:pPr lvl="1"/>
+            <a:pPr lvl="0"/>
             <a:r>
               <a:rPr/>
               <a:t>Podemos añadir fichero con </a:t>
@@ -4617,7 +4404,7 @@
             </a:r>
           </a:p>
           <a:p>
-            <a:pPr lvl="0" marL="0" indent="0">
+            <a:pPr lvl="0" indent="0" marL="0">
               <a:buNone/>
             </a:pPr>
             <a:r>
@@ -4637,28 +4424,28 @@
             </a:r>
           </a:p>
           <a:p>
-            <a:pPr lvl="1"/>
+            <a:pPr lvl="0"/>
             <a:r>
               <a:rPr/>
               <a:t>Line 1 of import-2.md</a:t>
             </a:r>
           </a:p>
           <a:p>
-            <a:pPr lvl="1"/>
+            <a:pPr lvl="0"/>
             <a:r>
               <a:rPr/>
               <a:t>Line 2 of import-2.md</a:t>
             </a:r>
           </a:p>
           <a:p>
-            <a:pPr lvl="1"/>
+            <a:pPr lvl="0"/>
             <a:r>
               <a:rPr/>
               <a:t>Line 3 of import-2.md</a:t>
             </a:r>
           </a:p>
           <a:p>
-            <a:pPr lvl="1"/>
+            <a:pPr lvl="0"/>
             <a:r>
               <a:rPr/>
               <a:t>Line 4 of import-2.md</a:t>
@@ -4703,20 +4490,12 @@
           <a:bodyPr/>
           <a:lstStyle/>
           <a:p>
-            <a:pPr lvl="0" marL="0" indent="0">
+            <a:pPr lvl="0" indent="0" marL="0">
               <a:buNone/>
             </a:pPr>
             <a:r>
               <a:rPr/>
-              <a:t>Imports</a:t>
-            </a:r>
-            <a:r>
-              <a:rPr/>
-              <a:t> </a:t>
-            </a:r>
-            <a:r>
-              <a:rPr/>
-              <a:t>(II)</a:t>
+              <a:t>Imports (II)</a:t>
             </a:r>
           </a:p>
         </p:txBody>
@@ -4736,7 +4515,7 @@
           <a:bodyPr/>
           <a:lstStyle/>
           <a:p>
-            <a:pPr lvl="0" marL="0" indent="0">
+            <a:pPr lvl="0" indent="0" marL="0">
               <a:buNone/>
             </a:pPr>
             <a:r>
@@ -4756,28 +4535,28 @@
             </a:r>
           </a:p>
           <a:p>
-            <a:pPr lvl="1"/>
+            <a:pPr lvl="0"/>
             <a:r>
               <a:rPr/>
               <a:t>Line 1 of import-1.md</a:t>
             </a:r>
           </a:p>
           <a:p>
-            <a:pPr lvl="1"/>
+            <a:pPr lvl="0"/>
             <a:r>
               <a:rPr/>
               <a:t>Line 2 of import-1.md</a:t>
             </a:r>
           </a:p>
           <a:p>
-            <a:pPr lvl="1"/>
+            <a:pPr lvl="0"/>
             <a:r>
               <a:rPr/>
               <a:t>Line 3 of import-1.md</a:t>
             </a:r>
           </a:p>
           <a:p>
-            <a:pPr lvl="1"/>
+            <a:pPr lvl="0"/>
             <a:r>
               <a:rPr/>
               <a:t>Line 4 of import-1.md</a:t>
@@ -4819,28 +4598,20 @@
         </p:nvSpPr>
         <p:spPr>
           <a:xfrm>
-            <a:off x="722313" y="4406900"/>
-            <a:ext cx="7772400" cy="1362075"/>
+            <a:off x="722313" y="3305176"/>
+            <a:ext cx="7772400" cy="1021556"/>
           </a:xfrm>
         </p:spPr>
         <p:txBody>
           <a:bodyPr/>
           <a:lstStyle/>
           <a:p>
-            <a:pPr lvl="0" marL="0" indent="0">
+            <a:pPr lvl="0" indent="0" marL="0">
               <a:buNone/>
             </a:pPr>
             <a:r>
               <a:rPr/>
-              <a:t>Acerca</a:t>
-            </a:r>
-            <a:r>
-              <a:rPr/>
-              <a:t> </a:t>
-            </a:r>
-            <a:r>
-              <a:rPr/>
-              <a:t>de</a:t>
+              <a:t>Acerca de</a:t>
             </a:r>
           </a:p>
         </p:txBody>
@@ -4882,20 +4653,12 @@
           <a:bodyPr/>
           <a:lstStyle/>
           <a:p>
-            <a:pPr lvl="0" marL="0" indent="0">
+            <a:pPr lvl="0" indent="0" marL="0">
               <a:buNone/>
             </a:pPr>
             <a:r>
               <a:rPr/>
-              <a:t>Imports</a:t>
-            </a:r>
-            <a:r>
-              <a:rPr/>
-              <a:t> </a:t>
-            </a:r>
-            <a:r>
-              <a:rPr/>
-              <a:t>(III)</a:t>
+              <a:t>Imports (III)</a:t>
             </a:r>
           </a:p>
         </p:txBody>
@@ -4915,7 +4678,7 @@
           <a:bodyPr/>
           <a:lstStyle/>
           <a:p>
-            <a:pPr lvl="0" marL="0" indent="0">
+            <a:pPr lvl="0" indent="0" marL="0">
               <a:buNone/>
             </a:pPr>
             <a:r>
@@ -4987,20 +4750,12 @@
           <a:bodyPr/>
           <a:lstStyle/>
           <a:p>
-            <a:pPr lvl="0" marL="0" indent="0">
+            <a:pPr lvl="0" indent="0" marL="0">
               <a:buNone/>
             </a:pPr>
             <a:r>
               <a:rPr/>
-              <a:t>Imports</a:t>
-            </a:r>
-            <a:r>
-              <a:rPr/>
-              <a:t> </a:t>
-            </a:r>
-            <a:r>
-              <a:rPr/>
-              <a:t>(IV)</a:t>
+              <a:t>Imports (IV)</a:t>
             </a:r>
           </a:p>
         </p:txBody>
@@ -5020,7 +4775,7 @@
           <a:bodyPr/>
           <a:lstStyle/>
           <a:p>
-            <a:pPr lvl="0" marL="0" indent="0">
+            <a:pPr lvl="0" indent="0" marL="0">
               <a:buNone/>
             </a:pPr>
             <a:r>
@@ -5090,7 +4845,7 @@
           <a:bodyPr/>
           <a:lstStyle/>
           <a:p>
-            <a:pPr lvl="0" marL="0" indent="0">
+            <a:pPr lvl="0" indent="0" marL="0">
               <a:buNone/>
             </a:pPr>
             <a:r>
@@ -5115,7 +4870,7 @@
           <a:bodyPr/>
           <a:lstStyle/>
           <a:p>
-            <a:pPr lvl="1"/>
+            <a:pPr lvl="0"/>
             <a:r>
               <a:rPr/>
               <a:t>Puedes añadir notas que serán visibles en modo libro o si </a:t>
@@ -5197,20 +4952,12 @@
           <a:bodyPr/>
           <a:lstStyle/>
           <a:p>
-            <a:pPr lvl="0" marL="0" indent="0">
+            <a:pPr lvl="0" indent="0" marL="0">
               <a:buNone/>
             </a:pPr>
             <a:r>
               <a:rPr/>
-              <a:t>Notas</a:t>
-            </a:r>
-            <a:r>
-              <a:rPr/>
-              <a:t> </a:t>
-            </a:r>
-            <a:r>
-              <a:rPr/>
-              <a:t>plus</a:t>
+              <a:t>Notas plus</a:t>
             </a:r>
           </a:p>
         </p:txBody>
@@ -5230,7 +4977,7 @@
           <a:bodyPr/>
           <a:lstStyle/>
           <a:p>
-            <a:pPr lvl="1"/>
+            <a:pPr lvl="0"/>
             <a:r>
               <a:rPr/>
               <a:t>Puedes crear notas con </a:t>
@@ -5261,7 +5008,7 @@
             </a:r>
           </a:p>
           <a:p>
-            <a:pPr lvl="0" marL="0" indent="0">
+            <a:pPr lvl="0" indent="0" marL="0">
               <a:buNone/>
             </a:pPr>
             <a:r>
@@ -5270,28 +5017,28 @@
             </a:r>
           </a:p>
           <a:p>
-            <a:pPr lvl="1"/>
+            <a:pPr lvl="0"/>
             <a:r>
               <a:rPr/>
               <a:t>Line 1 of import-2.md</a:t>
             </a:r>
           </a:p>
           <a:p>
-            <a:pPr lvl="1"/>
+            <a:pPr lvl="0"/>
             <a:r>
               <a:rPr/>
               <a:t>Line 2 of import-2.md</a:t>
             </a:r>
           </a:p>
           <a:p>
-            <a:pPr lvl="1"/>
+            <a:pPr lvl="0"/>
             <a:r>
               <a:rPr/>
               <a:t>Line 3 of import-2.md</a:t>
             </a:r>
           </a:p>
           <a:p>
-            <a:pPr lvl="1"/>
+            <a:pPr lvl="0"/>
             <a:r>
               <a:rPr/>
               <a:t>Line 4 of import-2.md</a:t>
@@ -5336,7 +5083,7 @@
           <a:bodyPr/>
           <a:lstStyle/>
           <a:p>
-            <a:pPr lvl="0" marL="0" indent="0">
+            <a:pPr lvl="0" indent="0" marL="0">
               <a:buNone/>
             </a:pPr>
             <a:r>
@@ -5363,7 +5110,7 @@
               <a:bodyPr/>
               <a:lstStyle/>
               <a:p>
-                <a:pPr lvl="1"/>
+                <a:pPr lvl="0"/>
                 <a:r>
                   <a:rPr/>
                   <a:t>Se puede utilizar la librería </a:t>
@@ -5380,7 +5127,7 @@
                 </a:r>
               </a:p>
               <a:p>
-                <a:pPr lvl="0" marL="0" indent="0">
+                <a:pPr lvl="0" indent="0" marL="0">
                   <a:buNone/>
                 </a:pPr>
                 <a:r>
@@ -5400,7 +5147,7 @@
                 </a:r>
               </a:p>
               <a:p>
-                <a:pPr lvl="0" marL="0" indent="0">
+                <a:pPr lvl="0" indent="0" marL="0">
                   <a:buNone/>
                 </a:pPr>
                 <a:r>
@@ -5409,7 +5156,7 @@
                 </a:r>
               </a:p>
               <a:p>
-                <a:pPr lvl="0" marL="0" indent="0">
+                <a:pPr lvl="0" indent="0" marL="0">
                   <a:buNone/>
                 </a:pPr>
                 <a14:m>
@@ -5422,20 +5169,29 @@
                         <m:t>x</m:t>
                       </m:r>
                       <m:r>
+                        <m:rPr>
+                          <m:sty m:val="p"/>
+                        </m:rPr>
                         <m:t>=</m:t>
                       </m:r>
                       <m:r>
+                        <m:rPr>
+                          <m:sty m:val="p"/>
+                        </m:rPr>
                         <m:t>−</m:t>
                       </m:r>
                       <m:r>
                         <m:t>b</m:t>
                       </m:r>
                       <m:r>
+                        <m:rPr>
+                          <m:sty m:val="p"/>
+                        </m:rPr>
                         <m:t>±</m:t>
                       </m:r>
                       <m:rad>
                         <m:radPr>
-                          <m:degHide m:val="1"/>
+                          <m:degHide m:val="on"/>
                         </m:radPr>
                         <m:deg/>
                         <m:e>
@@ -5452,6 +5208,9 @@
                             </m:sup>
                           </m:sSup>
                           <m:r>
+                            <m:rPr>
+                              <m:sty m:val="p"/>
+                            </m:rPr>
                             <m:t>−</m:t>
                           </m:r>
                           <m:r>
@@ -5466,6 +5225,9 @@
                         </m:e>
                       </m:rad>
                       <m:r>
+                        <m:rPr>
+                          <m:sty m:val="p"/>
+                        </m:rPr>
                         <m:t>.</m:t>
                       </m:r>
                     </m:oMath>
@@ -5513,7 +5275,7 @@
           <a:bodyPr/>
           <a:lstStyle/>
           <a:p>
-            <a:pPr lvl="0" marL="0" indent="0">
+            <a:pPr lvl="0" indent="0" marL="0">
               <a:buNone/>
             </a:pPr>
             <a:r>
@@ -5576,7 +5338,22 @@
               <a:rPr>
                 <a:latin typeface="Courier"/>
               </a:rPr>
-              <a:t>    alert(</a:t>
+              <a:t>    </a:t>
+            </a:r>
+            <a:r>
+              <a:rPr>
+                <a:solidFill>
+                  <a:srgbClr val="06287E"/>
+                </a:solidFill>
+                <a:latin typeface="Courier"/>
+              </a:rPr>
+              <a:t>alert</a:t>
+            </a:r>
+            <a:r>
+              <a:rPr>
+                <a:latin typeface="Courier"/>
+              </a:rPr>
+              <a:t>(</a:t>
             </a:r>
             <a:r>
               <a:rPr>
@@ -5649,7 +5426,7 @@
           <a:bodyPr/>
           <a:lstStyle/>
           <a:p>
-            <a:pPr lvl="0" marL="0" indent="0">
+            <a:pPr lvl="0" indent="0" marL="0">
               <a:buNone/>
             </a:pPr>
             <a:r>
@@ -5674,7 +5451,7 @@
           <a:bodyPr/>
           <a:lstStyle/>
           <a:p>
-            <a:pPr lvl="1"/>
+            <a:pPr lvl="0"/>
             <a:r>
               <a:rPr/>
               <a:t>Puedes tener tantos niveles como quieras. Ejemplo:</a:t>
@@ -5694,7 +5471,7 @@
             </a:r>
           </a:p>
           <a:p>
-            <a:pPr lvl="0" marL="0" indent="0">
+            <a:pPr lvl="0" indent="0" marL="0">
               <a:buNone/>
             </a:pPr>
             <a:r>
@@ -5741,7 +5518,7 @@
           <a:bodyPr/>
           <a:lstStyle/>
           <a:p>
-            <a:pPr lvl="0" marL="0" indent="0">
+            <a:pPr lvl="0" indent="0" marL="0">
               <a:buNone/>
             </a:pPr>
             <a:r>
@@ -5766,7 +5543,7 @@
           <a:bodyPr/>
           <a:lstStyle/>
           <a:p>
-            <a:pPr lvl="1"/>
+            <a:pPr lvl="0"/>
             <a:r>
               <a:rPr/>
               <a:t>Puedes nombrar igual varias slides con (I), (II), etc. pero luego solo el primero será exportado al libro. Ejemplo:</a:t>
@@ -5785,7 +5562,7 @@
             </a:r>
           </a:p>
           <a:p>
-            <a:pPr lvl="0" marL="0" indent="0">
+            <a:pPr lvl="0" indent="0" marL="0">
               <a:buNone/>
             </a:pPr>
             <a:r>
@@ -5843,20 +5620,12 @@
           <a:bodyPr/>
           <a:lstStyle/>
           <a:p>
-            <a:pPr lvl="0" marL="0" indent="0">
+            <a:pPr lvl="0" indent="0" marL="0">
               <a:buNone/>
             </a:pPr>
             <a:r>
               <a:rPr/>
-              <a:t>Configuración</a:t>
-            </a:r>
-            <a:r>
-              <a:rPr/>
-              <a:t> </a:t>
-            </a:r>
-            <a:r>
-              <a:rPr/>
-              <a:t>(I)</a:t>
+              <a:t>Configuración (I)</a:t>
             </a:r>
           </a:p>
         </p:txBody>
@@ -5876,7 +5645,7 @@
           <a:bodyPr/>
           <a:lstStyle/>
           <a:p>
-            <a:pPr lvl="1"/>
+            <a:pPr lvl="0"/>
             <a:r>
               <a:rPr/>
               <a:t>Podemos configurar los </a:t>
@@ -5901,7 +5670,16 @@
                 </a:solidFill>
                 <a:latin typeface="Courier"/>
               </a:rPr>
-              <a:t>DEFAULT_GENERATION_MODE=</a:t>
+              <a:t>DEFAULT_GENERATION_MODE</a:t>
+            </a:r>
+            <a:r>
+              <a:rPr>
+                <a:solidFill>
+                  <a:srgbClr val="666666"/>
+                </a:solidFill>
+                <a:latin typeface="Courier"/>
+              </a:rPr>
+              <a:t>=</a:t>
             </a:r>
             <a:r>
               <a:rPr>
@@ -5920,7 +5698,16 @@
                 </a:solidFill>
                 <a:latin typeface="Courier"/>
               </a:rPr>
-              <a:t>GENERATE_PLUS_VERSION=</a:t>
+              <a:t>GENERATE_PLUS_VERSION</a:t>
+            </a:r>
+            <a:r>
+              <a:rPr>
+                <a:solidFill>
+                  <a:srgbClr val="666666"/>
+                </a:solidFill>
+                <a:latin typeface="Courier"/>
+              </a:rPr>
+              <a:t>=</a:t>
             </a:r>
             <a:r>
               <a:rPr>
@@ -5939,7 +5726,16 @@
                 </a:solidFill>
                 <a:latin typeface="Courier"/>
               </a:rPr>
-              <a:t>DEFAULT_BUILD=</a:t>
+              <a:t>DEFAULT_BUILD</a:t>
+            </a:r>
+            <a:r>
+              <a:rPr>
+                <a:solidFill>
+                  <a:srgbClr val="666666"/>
+                </a:solidFill>
+                <a:latin typeface="Courier"/>
+              </a:rPr>
+              <a:t>=</a:t>
             </a:r>
             <a:r>
               <a:rPr>
@@ -5959,7 +5755,16 @@
                 </a:solidFill>
                 <a:latin typeface="Courier"/>
               </a:rPr>
-              <a:t>BUILD_REVEAL_SLIDES=</a:t>
+              <a:t>BUILD_REVEAL_SLIDES</a:t>
+            </a:r>
+            <a:r>
+              <a:rPr>
+                <a:solidFill>
+                  <a:srgbClr val="666666"/>
+                </a:solidFill>
+                <a:latin typeface="Courier"/>
+              </a:rPr>
+              <a:t>=</a:t>
             </a:r>
             <a:r>
               <a:rPr>
@@ -5978,7 +5783,16 @@
                 </a:solidFill>
                 <a:latin typeface="Courier"/>
               </a:rPr>
-              <a:t>BUILD_REVEAL_SLIDES_PDF=</a:t>
+              <a:t>BUILD_REVEAL_SLIDES_PDF</a:t>
+            </a:r>
+            <a:r>
+              <a:rPr>
+                <a:solidFill>
+                  <a:srgbClr val="666666"/>
+                </a:solidFill>
+                <a:latin typeface="Courier"/>
+              </a:rPr>
+              <a:t>=</a:t>
             </a:r>
             <a:r>
               <a:rPr>
@@ -5998,7 +5812,16 @@
                 </a:solidFill>
                 <a:latin typeface="Courier"/>
               </a:rPr>
-              <a:t>BUILD_HTML_BOOK=</a:t>
+              <a:t>BUILD_HTML_BOOK</a:t>
+            </a:r>
+            <a:r>
+              <a:rPr>
+                <a:solidFill>
+                  <a:srgbClr val="666666"/>
+                </a:solidFill>
+                <a:latin typeface="Courier"/>
+              </a:rPr>
+              <a:t>=</a:t>
             </a:r>
             <a:r>
               <a:rPr>
@@ -6017,7 +5840,16 @@
                 </a:solidFill>
                 <a:latin typeface="Courier"/>
               </a:rPr>
-              <a:t>BUILD_PDF_BOOK=</a:t>
+              <a:t>BUILD_PDF_BOOK</a:t>
+            </a:r>
+            <a:r>
+              <a:rPr>
+                <a:solidFill>
+                  <a:srgbClr val="666666"/>
+                </a:solidFill>
+                <a:latin typeface="Courier"/>
+              </a:rPr>
+              <a:t>=</a:t>
             </a:r>
             <a:r>
               <a:rPr>
@@ -6036,7 +5868,16 @@
                 </a:solidFill>
                 <a:latin typeface="Courier"/>
               </a:rPr>
-              <a:t>BUILD_DOCX_BOOK=</a:t>
+              <a:t>BUILD_DOCX_BOOK</a:t>
+            </a:r>
+            <a:r>
+              <a:rPr>
+                <a:solidFill>
+                  <a:srgbClr val="666666"/>
+                </a:solidFill>
+                <a:latin typeface="Courier"/>
+              </a:rPr>
+              <a:t>=</a:t>
             </a:r>
             <a:r>
               <a:rPr>
@@ -6055,7 +5896,16 @@
                 </a:solidFill>
                 <a:latin typeface="Courier"/>
               </a:rPr>
-              <a:t>BUILD_EPUB_BOOK=</a:t>
+              <a:t>BUILD_EPUB_BOOK</a:t>
+            </a:r>
+            <a:r>
+              <a:rPr>
+                <a:solidFill>
+                  <a:srgbClr val="666666"/>
+                </a:solidFill>
+                <a:latin typeface="Courier"/>
+              </a:rPr>
+              <a:t>=</a:t>
             </a:r>
             <a:r>
               <a:rPr>
@@ -6106,20 +5956,12 @@
           <a:bodyPr/>
           <a:lstStyle/>
           <a:p>
-            <a:pPr lvl="0" marL="0" indent="0">
+            <a:pPr lvl="0" indent="0" marL="0">
               <a:buNone/>
             </a:pPr>
             <a:r>
               <a:rPr/>
-              <a:t>Configuración</a:t>
-            </a:r>
-            <a:r>
-              <a:rPr/>
-              <a:t> </a:t>
-            </a:r>
-            <a:r>
-              <a:rPr/>
-              <a:t>(II)</a:t>
+              <a:t>Configuración (II)</a:t>
             </a:r>
           </a:p>
         </p:txBody>
@@ -6139,7 +5981,7 @@
           <a:bodyPr/>
           <a:lstStyle/>
           <a:p>
-            <a:pPr lvl="1"/>
+            <a:pPr lvl="0"/>
             <a:r>
               <a:rPr/>
               <a:t>Podemos configurar también algunas cosas más desde el fichero </a:t>
@@ -6160,7 +6002,16 @@
                 </a:solidFill>
                 <a:latin typeface="Courier"/>
               </a:rPr>
-              <a:t>CLEAN_LIB_FOLDER=</a:t>
+              <a:t>CLEAN_LIB_FOLDER</a:t>
+            </a:r>
+            <a:r>
+              <a:rPr>
+                <a:solidFill>
+                  <a:srgbClr val="666666"/>
+                </a:solidFill>
+                <a:latin typeface="Courier"/>
+              </a:rPr>
+              <a:t>=</a:t>
             </a:r>
             <a:r>
               <a:rPr>
@@ -6179,7 +6030,16 @@
                 </a:solidFill>
                 <a:latin typeface="Courier"/>
               </a:rPr>
-              <a:t>COPY_IMG_FOLDER=</a:t>
+              <a:t>COPY_IMG_FOLDER</a:t>
+            </a:r>
+            <a:r>
+              <a:rPr>
+                <a:solidFill>
+                  <a:srgbClr val="666666"/>
+                </a:solidFill>
+                <a:latin typeface="Courier"/>
+              </a:rPr>
+              <a:t>=</a:t>
             </a:r>
             <a:r>
               <a:rPr>
@@ -6198,7 +6058,16 @@
                 </a:solidFill>
                 <a:latin typeface="Courier"/>
               </a:rPr>
-              <a:t>ZIP_EXPORT_FOLDER=</a:t>
+              <a:t>ZIP_EXPORT_FOLDER</a:t>
+            </a:r>
+            <a:r>
+              <a:rPr>
+                <a:solidFill>
+                  <a:srgbClr val="666666"/>
+                </a:solidFill>
+                <a:latin typeface="Courier"/>
+              </a:rPr>
+              <a:t>=</a:t>
             </a:r>
             <a:r>
               <a:rPr>
@@ -6217,7 +6086,16 @@
                 </a:solidFill>
                 <a:latin typeface="Courier"/>
               </a:rPr>
-              <a:t>NUMBER_SECTIONS=</a:t>
+              <a:t>NUMBER_SECTIONS</a:t>
+            </a:r>
+            <a:r>
+              <a:rPr>
+                <a:solidFill>
+                  <a:srgbClr val="666666"/>
+                </a:solidFill>
+                <a:latin typeface="Courier"/>
+              </a:rPr>
+              <a:t>=</a:t>
             </a:r>
             <a:r>
               <a:rPr>
@@ -6236,7 +6114,16 @@
                 </a:solidFill>
                 <a:latin typeface="Courier"/>
               </a:rPr>
-              <a:t>NUMBER_OFFSET=</a:t>
+              <a:t>NUMBER_OFFSET</a:t>
+            </a:r>
+            <a:r>
+              <a:rPr>
+                <a:solidFill>
+                  <a:srgbClr val="666666"/>
+                </a:solidFill>
+                <a:latin typeface="Courier"/>
+              </a:rPr>
+              <a:t>=</a:t>
             </a:r>
             <a:r>
               <a:rPr>
@@ -6255,7 +6142,16 @@
                 </a:solidFill>
                 <a:latin typeface="Courier"/>
               </a:rPr>
-              <a:t>CURRENT_NUMBER_OFFSET=</a:t>
+              <a:t>CURRENT_NUMBER_OFFSET</a:t>
+            </a:r>
+            <a:r>
+              <a:rPr>
+                <a:solidFill>
+                  <a:srgbClr val="666666"/>
+                </a:solidFill>
+                <a:latin typeface="Courier"/>
+              </a:rPr>
+              <a:t>=</a:t>
             </a:r>
             <a:r>
               <a:rPr>
@@ -6271,7 +6167,16 @@
                 </a:solidFill>
                 <a:latin typeface="Courier"/>
               </a:rPr>
-              <a:t>REMOVE_GENERATE_MD_FILES=</a:t>
+              <a:t>REMOVE_GENERATE_MD_FILES</a:t>
+            </a:r>
+            <a:r>
+              <a:rPr>
+                <a:solidFill>
+                  <a:srgbClr val="666666"/>
+                </a:solidFill>
+                <a:latin typeface="Courier"/>
+              </a:rPr>
+              <a:t>=</a:t>
             </a:r>
             <a:r>
               <a:rPr>
@@ -6322,28 +6227,12 @@
           <a:bodyPr/>
           <a:lstStyle/>
           <a:p>
-            <a:pPr lvl="0" marL="0" indent="0">
+            <a:pPr lvl="0" indent="0" marL="0">
               <a:buNone/>
             </a:pPr>
             <a:r>
               <a:rPr/>
-              <a:t>¿Qué</a:t>
-            </a:r>
-            <a:r>
-              <a:rPr/>
-              <a:t> </a:t>
-            </a:r>
-            <a:r>
-              <a:rPr/>
-              <a:t>es</a:t>
-            </a:r>
-            <a:r>
-              <a:rPr/>
-              <a:t> </a:t>
-            </a:r>
-            <a:r>
-              <a:rPr/>
-              <a:t>esto?</a:t>
+              <a:t>¿Qué es esto?</a:t>
             </a:r>
           </a:p>
         </p:txBody>
@@ -6363,7 +6252,7 @@
           <a:bodyPr/>
           <a:lstStyle/>
           <a:p>
-            <a:pPr lvl="1"/>
+            <a:pPr lvl="0"/>
             <a:r>
               <a:rPr b="1"/>
               <a:t>MarkdownSlides</a:t>
@@ -6390,7 +6279,7 @@
             </a:r>
           </a:p>
           <a:p>
-            <a:pPr lvl="1"/>
+            <a:pPr lvl="0"/>
             <a:r>
               <a:rPr/>
               <a:t>La idea es que </a:t>
@@ -6443,20 +6332,12 @@
           <a:bodyPr/>
           <a:lstStyle/>
           <a:p>
-            <a:pPr lvl="0" marL="0" indent="0">
+            <a:pPr lvl="0" indent="0" marL="0">
               <a:buNone/>
             </a:pPr>
             <a:r>
               <a:rPr/>
-              <a:t>Configuración</a:t>
-            </a:r>
-            <a:r>
-              <a:rPr/>
-              <a:t> </a:t>
-            </a:r>
-            <a:r>
-              <a:rPr/>
-              <a:t>(III)</a:t>
+              <a:t>Configuración (III)</a:t>
             </a:r>
           </a:p>
         </p:txBody>
@@ -6476,7 +6357,7 @@
           <a:bodyPr/>
           <a:lstStyle/>
           <a:p>
-            <a:pPr lvl="1"/>
+            <a:pPr lvl="0"/>
             <a:r>
               <a:rPr/>
               <a:t>Podemos configurar también algunas cosas más sobre </a:t>
@@ -6511,7 +6392,16 @@
                 </a:solidFill>
                 <a:latin typeface="Courier"/>
               </a:rPr>
-              <a:t>REVEAL_JS_THEME=</a:t>
+              <a:t>REVEAL_JS_THEME</a:t>
+            </a:r>
+            <a:r>
+              <a:rPr>
+                <a:solidFill>
+                  <a:srgbClr val="666666"/>
+                </a:solidFill>
+                <a:latin typeface="Courier"/>
+              </a:rPr>
+              <a:t>=</a:t>
             </a:r>
             <a:r>
               <a:rPr>
@@ -6530,7 +6420,16 @@
                 </a:solidFill>
                 <a:latin typeface="Courier"/>
               </a:rPr>
-              <a:t>REVEAL_JS_SHOW_TITLE_FOOTER=</a:t>
+              <a:t>REVEAL_JS_SHOW_TITLE_FOOTER</a:t>
+            </a:r>
+            <a:r>
+              <a:rPr>
+                <a:solidFill>
+                  <a:srgbClr val="666666"/>
+                </a:solidFill>
+                <a:latin typeface="Courier"/>
+              </a:rPr>
+              <a:t>=</a:t>
             </a:r>
             <a:r>
               <a:rPr>
@@ -6549,7 +6448,16 @@
                 </a:solidFill>
                 <a:latin typeface="Courier"/>
               </a:rPr>
-              <a:t>REVEAL_JS_DEFAULT_TITLE_FOOTER=</a:t>
+              <a:t>REVEAL_JS_DEFAULT_TITLE_FOOTER</a:t>
+            </a:r>
+            <a:r>
+              <a:rPr>
+                <a:solidFill>
+                  <a:srgbClr val="666666"/>
+                </a:solidFill>
+                <a:latin typeface="Courier"/>
+              </a:rPr>
+              <a:t>=</a:t>
             </a:r>
             <a:r>
               <a:rPr>
@@ -6568,7 +6476,16 @@
                 </a:solidFill>
                 <a:latin typeface="Courier"/>
               </a:rPr>
-              <a:t>REVEAL_JS_TITLE_FOOTER=</a:t>
+              <a:t>REVEAL_JS_TITLE_FOOTER</a:t>
+            </a:r>
+            <a:r>
+              <a:rPr>
+                <a:solidFill>
+                  <a:srgbClr val="666666"/>
+                </a:solidFill>
+                <a:latin typeface="Courier"/>
+              </a:rPr>
+              <a:t>=</a:t>
             </a:r>
             <a:r>
               <a:rPr>
@@ -6587,7 +6504,16 @@
                 </a:solidFill>
                 <a:latin typeface="Courier"/>
               </a:rPr>
-              <a:t>REVEAL_JS_SHOW_MENU=</a:t>
+              <a:t>REVEAL_JS_SHOW_MENU</a:t>
+            </a:r>
+            <a:r>
+              <a:rPr>
+                <a:solidFill>
+                  <a:srgbClr val="666666"/>
+                </a:solidFill>
+                <a:latin typeface="Courier"/>
+              </a:rPr>
+              <a:t>=</a:t>
             </a:r>
             <a:r>
               <a:rPr>
@@ -6606,7 +6532,16 @@
                 </a:solidFill>
                 <a:latin typeface="Courier"/>
               </a:rPr>
-              <a:t>REVEAL_JS_SHOW_CHALKBOARD=</a:t>
+              <a:t>REVEAL_JS_SHOW_CHALKBOARD</a:t>
+            </a:r>
+            <a:r>
+              <a:rPr>
+                <a:solidFill>
+                  <a:srgbClr val="666666"/>
+                </a:solidFill>
+                <a:latin typeface="Courier"/>
+              </a:rPr>
+              <a:t>=</a:t>
             </a:r>
             <a:r>
               <a:rPr>
@@ -6625,7 +6560,16 @@
                 </a:solidFill>
                 <a:latin typeface="Courier"/>
               </a:rPr>
-              <a:t>REVEAL_JS_ONLINE=</a:t>
+              <a:t>REVEAL_JS_ONLINE</a:t>
+            </a:r>
+            <a:r>
+              <a:rPr>
+                <a:solidFill>
+                  <a:srgbClr val="666666"/>
+                </a:solidFill>
+                <a:latin typeface="Courier"/>
+              </a:rPr>
+              <a:t>=</a:t>
             </a:r>
             <a:r>
               <a:rPr>
@@ -6676,7 +6620,7 @@
           <a:bodyPr/>
           <a:lstStyle/>
           <a:p>
-            <a:pPr lvl="0" marL="0" indent="0">
+            <a:pPr lvl="0" indent="0" marL="0">
               <a:buNone/>
             </a:pPr>
             <a:r>
@@ -6701,7 +6645,7 @@
           <a:bodyPr/>
           <a:lstStyle/>
           <a:p>
-            <a:pPr lvl="1"/>
+            <a:pPr lvl="0"/>
             <a:r>
               <a:rPr/>
               <a:t>Hay que posicionarse en la carpeta raiz, y ejecutar:</a:t>
@@ -6715,11 +6659,71 @@
               <a:rPr>
                 <a:latin typeface="Courier"/>
               </a:rPr>
-              <a:t>./build.sh [modo] [carpeta]</a:t>
-            </a:r>
-          </a:p>
-          <a:p>
-            <a:pPr lvl="1"/>
+              <a:t>./build.sh </a:t>
+            </a:r>
+            <a:r>
+              <a:rPr>
+                <a:solidFill>
+                  <a:srgbClr val="BC7A00"/>
+                </a:solidFill>
+                <a:latin typeface="Courier"/>
+              </a:rPr>
+              <a:t>[</a:t>
+            </a:r>
+            <a:r>
+              <a:rPr>
+                <a:solidFill>
+                  <a:srgbClr val="BB6688"/>
+                </a:solidFill>
+                <a:latin typeface="Courier"/>
+              </a:rPr>
+              <a:t>modo</a:t>
+            </a:r>
+            <a:r>
+              <a:rPr>
+                <a:solidFill>
+                  <a:srgbClr val="BC7A00"/>
+                </a:solidFill>
+                <a:latin typeface="Courier"/>
+              </a:rPr>
+              <a:t>]</a:t>
+            </a:r>
+            <a:r>
+              <a:rPr>
+                <a:latin typeface="Courier"/>
+              </a:rPr>
+              <a:t> </a:t>
+            </a:r>
+            <a:r>
+              <a:rPr>
+                <a:solidFill>
+                  <a:srgbClr val="BC7A00"/>
+                </a:solidFill>
+                <a:latin typeface="Courier"/>
+              </a:rPr>
+              <a:t>[</a:t>
+            </a:r>
+            <a:r>
+              <a:rPr>
+                <a:solidFill>
+                  <a:srgbClr val="BB6688"/>
+                </a:solidFill>
+                <a:latin typeface="Courier"/>
+              </a:rPr>
+              <a:t>carpeta</a:t>
+            </a:r>
+            <a:r>
+              <a:rPr>
+                <a:solidFill>
+                  <a:srgbClr val="BC7A00"/>
+                </a:solidFill>
+                <a:latin typeface="Courier"/>
+              </a:rPr>
+              <a:t>]</a:t>
+            </a:r>
+          </a:p>
+          <a:p>
+            <a:pPr lvl="0"/>
             <a:r>
               <a:rPr/>
               <a:t>[</a:t>
@@ -6742,7 +6746,7 @@
             </a:r>
           </a:p>
           <a:p>
-            <a:pPr lvl="1"/>
+            <a:pPr lvl="0"/>
             <a:r>
               <a:rPr/>
               <a:t>[</a:t>
@@ -6792,44 +6796,20 @@
         </p:nvSpPr>
         <p:spPr>
           <a:xfrm>
-            <a:off x="722313" y="4406900"/>
-            <a:ext cx="7772400" cy="1362075"/>
+            <a:off x="722313" y="3305176"/>
+            <a:ext cx="7772400" cy="1021556"/>
           </a:xfrm>
         </p:spPr>
         <p:txBody>
           <a:bodyPr/>
           <a:lstStyle/>
           <a:p>
-            <a:pPr lvl="0" marL="0" indent="0">
+            <a:pPr lvl="0" indent="0" marL="0">
               <a:buNone/>
             </a:pPr>
             <a:r>
               <a:rPr/>
-              <a:t>Notas</a:t>
-            </a:r>
-            <a:r>
-              <a:rPr/>
-              <a:t> </a:t>
-            </a:r>
-            <a:r>
-              <a:rPr/>
-              <a:t>de</a:t>
-            </a:r>
-            <a:r>
-              <a:rPr/>
-              <a:t> </a:t>
-            </a:r>
-            <a:r>
-              <a:rPr/>
-              <a:t>las</a:t>
-            </a:r>
-            <a:r>
-              <a:rPr/>
-              <a:t> </a:t>
-            </a:r>
-            <a:r>
-              <a:rPr/>
-              <a:t>versiones</a:t>
+              <a:t>Notas de las versiones</a:t>
             </a:r>
           </a:p>
         </p:txBody>
@@ -6871,28 +6851,12 @@
           <a:bodyPr/>
           <a:lstStyle/>
           <a:p>
-            <a:pPr lvl="0" marL="0" indent="0">
+            <a:pPr lvl="0" indent="0" marL="0">
               <a:buNone/>
             </a:pPr>
             <a:r>
               <a:rPr/>
-              <a:t>Versión</a:t>
-            </a:r>
-            <a:r>
-              <a:rPr/>
-              <a:t> </a:t>
-            </a:r>
-            <a:r>
-              <a:rPr/>
-              <a:t>1.0</a:t>
-            </a:r>
-            <a:r>
-              <a:rPr/>
-              <a:t> </a:t>
-            </a:r>
-            <a:r>
-              <a:rPr/>
-              <a:t>(I)</a:t>
+              <a:t>Versión 1.0 (I)</a:t>
             </a:r>
           </a:p>
         </p:txBody>
@@ -6912,35 +6876,35 @@
           <a:bodyPr/>
           <a:lstStyle/>
           <a:p>
+            <a:pPr lvl="0"/>
+            <a:r>
+              <a:rPr/>
+              <a:t>Exporta slides a:</a:t>
+            </a:r>
+          </a:p>
+          <a:p>
             <a:pPr lvl="1"/>
             <a:r>
               <a:rPr/>
-              <a:t>Exporta slides a:</a:t>
-            </a:r>
-          </a:p>
-          <a:p>
-            <a:pPr lvl="2"/>
-            <a:r>
-              <a:rPr/>
               <a:t>reveal-slides</a:t>
             </a:r>
           </a:p>
           <a:p>
-            <a:pPr lvl="2"/>
+            <a:pPr lvl="1"/>
             <a:r>
               <a:rPr/>
               <a:t>reveal-slides-pdf</a:t>
             </a:r>
           </a:p>
           <a:p>
-            <a:pPr lvl="2"/>
+            <a:pPr lvl="1"/>
             <a:r>
               <a:rPr/>
               <a:t>beamer-slides</a:t>
             </a:r>
           </a:p>
           <a:p>
-            <a:pPr lvl="2"/>
+            <a:pPr lvl="1"/>
             <a:r>
               <a:rPr/>
               <a:t>deck-slides</a:t>
@@ -6985,28 +6949,12 @@
           <a:bodyPr/>
           <a:lstStyle/>
           <a:p>
-            <a:pPr lvl="0" marL="0" indent="0">
+            <a:pPr lvl="0" indent="0" marL="0">
               <a:buNone/>
             </a:pPr>
             <a:r>
               <a:rPr/>
-              <a:t>Versión</a:t>
-            </a:r>
-            <a:r>
-              <a:rPr/>
-              <a:t> </a:t>
-            </a:r>
-            <a:r>
-              <a:rPr/>
-              <a:t>1.0</a:t>
-            </a:r>
-            <a:r>
-              <a:rPr/>
-              <a:t> </a:t>
-            </a:r>
-            <a:r>
-              <a:rPr/>
-              <a:t>(II)</a:t>
+              <a:t>Versión 1.0 (II)</a:t>
             </a:r>
           </a:p>
         </p:txBody>
@@ -7026,35 +6974,35 @@
           <a:bodyPr/>
           <a:lstStyle/>
           <a:p>
+            <a:pPr lvl="0"/>
+            <a:r>
+              <a:rPr/>
+              <a:t>Exporta books a:</a:t>
+            </a:r>
+          </a:p>
+          <a:p>
             <a:pPr lvl="1"/>
             <a:r>
               <a:rPr/>
-              <a:t>Exporta books a:</a:t>
-            </a:r>
-          </a:p>
-          <a:p>
-            <a:pPr lvl="2"/>
-            <a:r>
-              <a:rPr/>
               <a:t>html-book</a:t>
             </a:r>
           </a:p>
           <a:p>
-            <a:pPr lvl="2"/>
+            <a:pPr lvl="1"/>
             <a:r>
               <a:rPr/>
               <a:t>docx-book</a:t>
             </a:r>
           </a:p>
           <a:p>
-            <a:pPr lvl="2"/>
+            <a:pPr lvl="1"/>
             <a:r>
               <a:rPr/>
               <a:t>odt-book</a:t>
             </a:r>
           </a:p>
           <a:p>
-            <a:pPr lvl="2"/>
+            <a:pPr lvl="1"/>
             <a:r>
               <a:rPr/>
               <a:t>pdf-book</a:t>
@@ -7099,28 +7047,12 @@
           <a:bodyPr/>
           <a:lstStyle/>
           <a:p>
-            <a:pPr lvl="0" marL="0" indent="0">
+            <a:pPr lvl="0" indent="0" marL="0">
               <a:buNone/>
             </a:pPr>
             <a:r>
               <a:rPr/>
-              <a:t>Versión</a:t>
-            </a:r>
-            <a:r>
-              <a:rPr/>
-              <a:t> </a:t>
-            </a:r>
-            <a:r>
-              <a:rPr/>
-              <a:t>1.0</a:t>
-            </a:r>
-            <a:r>
-              <a:rPr/>
-              <a:t> </a:t>
-            </a:r>
-            <a:r>
-              <a:rPr/>
-              <a:t>(III)</a:t>
+              <a:t>Versión 1.0 (III)</a:t>
             </a:r>
           </a:p>
         </p:txBody>
@@ -7140,21 +7072,21 @@
           <a:bodyPr/>
           <a:lstStyle/>
           <a:p>
-            <a:pPr lvl="1"/>
+            <a:pPr lvl="0"/>
             <a:r>
               <a:rPr/>
               <a:t>Añadidos los modos de generación ‘min’, ‘med’ y ‘max’.</a:t>
             </a:r>
           </a:p>
           <a:p>
-            <a:pPr lvl="1"/>
+            <a:pPr lvl="0"/>
             <a:r>
               <a:rPr/>
               <a:t>Descarga automática de librerías externas.</a:t>
             </a:r>
           </a:p>
           <a:p>
-            <a:pPr lvl="1"/>
+            <a:pPr lvl="0"/>
             <a:r>
               <a:rPr/>
               <a:t>Numeración (I), (II), (III)…</a:t>
@@ -7199,28 +7131,12 @@
           <a:bodyPr/>
           <a:lstStyle/>
           <a:p>
-            <a:pPr lvl="0" marL="0" indent="0">
+            <a:pPr lvl="0" indent="0" marL="0">
               <a:buNone/>
             </a:pPr>
             <a:r>
               <a:rPr/>
-              <a:t>Versión</a:t>
-            </a:r>
-            <a:r>
-              <a:rPr/>
-              <a:t> </a:t>
-            </a:r>
-            <a:r>
-              <a:rPr/>
-              <a:t>2.0</a:t>
-            </a:r>
-            <a:r>
-              <a:rPr/>
-              <a:t> </a:t>
-            </a:r>
-            <a:r>
-              <a:rPr/>
-              <a:t>(I)</a:t>
+              <a:t>Versión 2.0 (I)</a:t>
             </a:r>
           </a:p>
         </p:txBody>
@@ -7240,28 +7156,28 @@
           <a:bodyPr/>
           <a:lstStyle/>
           <a:p>
+            <a:pPr lvl="0"/>
+            <a:r>
+              <a:rPr/>
+              <a:t>Exporta slides a:</a:t>
+            </a:r>
+          </a:p>
+          <a:p>
             <a:pPr lvl="1"/>
             <a:r>
               <a:rPr/>
-              <a:t>Exporta slides a:</a:t>
-            </a:r>
-          </a:p>
-          <a:p>
-            <a:pPr lvl="2"/>
-            <a:r>
-              <a:rPr/>
               <a:t>reveal-slides</a:t>
             </a:r>
           </a:p>
           <a:p>
-            <a:pPr lvl="2"/>
+            <a:pPr lvl="1"/>
             <a:r>
               <a:rPr/>
               <a:t>reveal-slides-pdf</a:t>
             </a:r>
           </a:p>
           <a:p>
-            <a:pPr lvl="2"/>
+            <a:pPr lvl="1"/>
             <a:r>
               <a:rPr/>
               <a:t>reveal-slides-online</a:t>
@@ -7306,28 +7222,12 @@
           <a:bodyPr/>
           <a:lstStyle/>
           <a:p>
-            <a:pPr lvl="0" marL="0" indent="0">
+            <a:pPr lvl="0" indent="0" marL="0">
               <a:buNone/>
             </a:pPr>
             <a:r>
               <a:rPr/>
-              <a:t>Versión</a:t>
-            </a:r>
-            <a:r>
-              <a:rPr/>
-              <a:t> </a:t>
-            </a:r>
-            <a:r>
-              <a:rPr/>
-              <a:t>2.0</a:t>
-            </a:r>
-            <a:r>
-              <a:rPr/>
-              <a:t> </a:t>
-            </a:r>
-            <a:r>
-              <a:rPr/>
-              <a:t>(II)</a:t>
+              <a:t>Versión 2.0 (II)</a:t>
             </a:r>
           </a:p>
         </p:txBody>
@@ -7347,28 +7247,28 @@
           <a:bodyPr/>
           <a:lstStyle/>
           <a:p>
+            <a:pPr lvl="0"/>
+            <a:r>
+              <a:rPr/>
+              <a:t>Exporta books a:</a:t>
+            </a:r>
+          </a:p>
+          <a:p>
             <a:pPr lvl="1"/>
             <a:r>
               <a:rPr/>
-              <a:t>Exporta books a:</a:t>
-            </a:r>
-          </a:p>
-          <a:p>
-            <a:pPr lvl="2"/>
-            <a:r>
-              <a:rPr/>
               <a:t>html-book</a:t>
             </a:r>
           </a:p>
           <a:p>
-            <a:pPr lvl="2"/>
+            <a:pPr lvl="1"/>
             <a:r>
               <a:rPr/>
               <a:t>docx-book</a:t>
             </a:r>
           </a:p>
           <a:p>
-            <a:pPr lvl="2"/>
+            <a:pPr lvl="1"/>
             <a:r>
               <a:rPr/>
               <a:t>epub-book</a:t>
@@ -7413,28 +7313,12 @@
           <a:bodyPr/>
           <a:lstStyle/>
           <a:p>
-            <a:pPr lvl="0" marL="0" indent="0">
+            <a:pPr lvl="0" indent="0" marL="0">
               <a:buNone/>
             </a:pPr>
             <a:r>
               <a:rPr/>
-              <a:t>Versión</a:t>
-            </a:r>
-            <a:r>
-              <a:rPr/>
-              <a:t> </a:t>
-            </a:r>
-            <a:r>
-              <a:rPr/>
-              <a:t>2.0</a:t>
-            </a:r>
-            <a:r>
-              <a:rPr/>
-              <a:t> </a:t>
-            </a:r>
-            <a:r>
-              <a:rPr/>
-              <a:t>(III)</a:t>
+              <a:t>Versión 2.0 (III)</a:t>
             </a:r>
           </a:p>
         </p:txBody>
@@ -7454,35 +7338,35 @@
           <a:bodyPr/>
           <a:lstStyle/>
           <a:p>
+            <a:pPr lvl="0"/>
+            <a:r>
+              <a:rPr/>
+              <a:t>Deprecated:</a:t>
+            </a:r>
+          </a:p>
+          <a:p>
             <a:pPr lvl="1"/>
             <a:r>
               <a:rPr/>
-              <a:t>Deprecated:</a:t>
-            </a:r>
-          </a:p>
-          <a:p>
-            <a:pPr lvl="2"/>
-            <a:r>
-              <a:rPr/>
               <a:t>beamer-slides</a:t>
             </a:r>
           </a:p>
           <a:p>
-            <a:pPr lvl="2"/>
+            <a:pPr lvl="1"/>
             <a:r>
               <a:rPr/>
               <a:t>deck-slides</a:t>
             </a:r>
           </a:p>
           <a:p>
-            <a:pPr lvl="2"/>
+            <a:pPr lvl="1"/>
             <a:r>
               <a:rPr/>
               <a:t>odt-book</a:t>
             </a:r>
           </a:p>
           <a:p>
-            <a:pPr lvl="2"/>
+            <a:pPr lvl="1"/>
             <a:r>
               <a:rPr/>
               <a:t>pdf-book</a:t>
@@ -7527,28 +7411,12 @@
           <a:bodyPr/>
           <a:lstStyle/>
           <a:p>
-            <a:pPr lvl="0" marL="0" indent="0">
+            <a:pPr lvl="0" indent="0" marL="0">
               <a:buNone/>
             </a:pPr>
             <a:r>
               <a:rPr/>
-              <a:t>Versión</a:t>
-            </a:r>
-            <a:r>
-              <a:rPr/>
-              <a:t> </a:t>
-            </a:r>
-            <a:r>
-              <a:rPr/>
-              <a:t>2.0</a:t>
-            </a:r>
-            <a:r>
-              <a:rPr/>
-              <a:t> </a:t>
-            </a:r>
-            <a:r>
-              <a:rPr/>
-              <a:t>(III)</a:t>
+              <a:t>Versión 2.0 (III)</a:t>
             </a:r>
           </a:p>
         </p:txBody>
@@ -7568,7 +7436,7 @@
           <a:bodyPr/>
           <a:lstStyle/>
           <a:p>
-            <a:pPr lvl="1"/>
+            <a:pPr lvl="0"/>
             <a:r>
               <a:rPr/>
               <a:t>Añadido menú gracias a </a:t>
@@ -7581,7 +7449,7 @@
             </a:r>
           </a:p>
           <a:p>
-            <a:pPr lvl="1"/>
+            <a:pPr lvl="0"/>
             <a:r>
               <a:rPr/>
               <a:t>Añadido dockerfile gracías a </a:t>
@@ -7594,7 +7462,7 @@
             </a:r>
           </a:p>
           <a:p>
-            <a:pPr lvl="1"/>
+            <a:pPr lvl="0"/>
             <a:r>
               <a:rPr/>
               <a:t>Limpieza de ficheros zip de las librerías gracias a </a:t>
@@ -7607,7 +7475,7 @@
             </a:r>
           </a:p>
           <a:p>
-            <a:pPr lvl="1"/>
+            <a:pPr lvl="0"/>
             <a:r>
               <a:rPr/>
               <a:t>Añadido tipo ‘online’ gracias a </a:t>
@@ -7620,7 +7488,7 @@
             </a:r>
           </a:p>
           <a:p>
-            <a:pPr lvl="1"/>
+            <a:pPr lvl="0"/>
             <a:r>
               <a:rPr/>
               <a:t>Arreglado fallo imágenes HTTPS gracias a </a:t>
@@ -7633,7 +7501,7 @@
             </a:r>
           </a:p>
           <a:p>
-            <a:pPr lvl="1"/>
+            <a:pPr lvl="0"/>
             <a:r>
               <a:rPr/>
               <a:t>Carga de librerias ‘online’ por HTTPS gracias a </a:t>
@@ -7646,7 +7514,7 @@
             </a:r>
           </a:p>
           <a:p>
-            <a:pPr lvl="1"/>
+            <a:pPr lvl="0"/>
             <a:r>
               <a:rPr/>
               <a:t>Configuración resolución PDF gracias a </a:t>
@@ -7698,8 +7566,8 @@
         </p:blipFill>
         <p:spPr bwMode="auto">
           <a:xfrm>
-            <a:off x="457200" y="1803400"/>
-            <a:ext cx="8229600" cy="4114800"/>
+            <a:off x="1181100" y="1193800"/>
+            <a:ext cx="6781800" cy="3390900"/>
           </a:xfrm>
           <a:prstGeom prst="rect">
             <a:avLst/>
@@ -7749,28 +7617,12 @@
           <a:bodyPr/>
           <a:lstStyle/>
           <a:p>
-            <a:pPr lvl="0" marL="0" indent="0">
+            <a:pPr lvl="0" indent="0" marL="0">
               <a:buNone/>
             </a:pPr>
             <a:r>
               <a:rPr/>
-              <a:t>Versión</a:t>
-            </a:r>
-            <a:r>
-              <a:rPr/>
-              <a:t> </a:t>
-            </a:r>
-            <a:r>
-              <a:rPr/>
-              <a:t>2.0</a:t>
-            </a:r>
-            <a:r>
-              <a:rPr/>
-              <a:t> </a:t>
-            </a:r>
-            <a:r>
-              <a:rPr/>
-              <a:t>(IV)</a:t>
+              <a:t>Versión 2.0 (IV)</a:t>
             </a:r>
           </a:p>
         </p:txBody>
@@ -7790,49 +7642,49 @@
           <a:bodyPr/>
           <a:lstStyle/>
           <a:p>
-            <a:pPr lvl="1"/>
+            <a:pPr lvl="0"/>
             <a:r>
               <a:rPr/>
               <a:t>Nuevo formato ‘epub’.</a:t>
             </a:r>
           </a:p>
           <a:p>
-            <a:pPr lvl="1"/>
+            <a:pPr lvl="0"/>
             <a:r>
               <a:rPr/>
               <a:t>Añadido ‘bash strict mode’.</a:t>
             </a:r>
           </a:p>
           <a:p>
-            <a:pPr lvl="1"/>
+            <a:pPr lvl="0"/>
             <a:r>
               <a:rPr/>
               <a:t>Añadido ‘build.properties’ para configurar la generación de ficheros.</a:t>
             </a:r>
           </a:p>
           <a:p>
-            <a:pPr lvl="1"/>
+            <a:pPr lvl="0"/>
             <a:r>
               <a:rPr/>
               <a:t>Añadido comando ‘clean’ para limpiar la carpeta lib.</a:t>
             </a:r>
           </a:p>
           <a:p>
-            <a:pPr lvl="1"/>
+            <a:pPr lvl="0"/>
             <a:r>
               <a:rPr/>
               <a:t>Descarga de una versión concreta de librería externa.</a:t>
             </a:r>
           </a:p>
           <a:p>
-            <a:pPr lvl="1"/>
+            <a:pPr lvl="0"/>
             <a:r>
               <a:rPr/>
               <a:t>Añadidas notas solo visibles en modo libro o si pulsas ‘s’ en las slides.</a:t>
             </a:r>
           </a:p>
           <a:p>
-            <a:pPr lvl="1"/>
+            <a:pPr lvl="0"/>
             <a:r>
               <a:rPr/>
               <a:t>Normalización de imágenes en slides.</a:t>
@@ -7877,20 +7729,12 @@
           <a:bodyPr/>
           <a:lstStyle/>
           <a:p>
-            <a:pPr lvl="0" marL="0" indent="0">
+            <a:pPr lvl="0" indent="0" marL="0">
               <a:buNone/>
             </a:pPr>
             <a:r>
               <a:rPr/>
-              <a:t>Versión</a:t>
-            </a:r>
-            <a:r>
-              <a:rPr/>
-              <a:t> </a:t>
-            </a:r>
-            <a:r>
-              <a:rPr/>
-              <a:t>3.0</a:t>
+              <a:t>Versión 3.0</a:t>
             </a:r>
           </a:p>
         </p:txBody>
@@ -7910,21 +7754,21 @@
           <a:bodyPr/>
           <a:lstStyle/>
           <a:p>
-            <a:pPr lvl="1"/>
+            <a:pPr lvl="0"/>
             <a:r>
               <a:rPr/>
               <a:t>Limpieza de código.</a:t>
             </a:r>
           </a:p>
           <a:p>
-            <a:pPr lvl="1"/>
+            <a:pPr lvl="0"/>
             <a:r>
               <a:rPr/>
               <a:t>Eliminada la exportación de archivos “deprecated”.</a:t>
             </a:r>
           </a:p>
           <a:p>
-            <a:pPr lvl="1"/>
+            <a:pPr lvl="0"/>
             <a:r>
               <a:rPr/>
               <a:t>Actualización de las dependencias de </a:t>
@@ -7941,7 +7785,7 @@
             </a:r>
           </a:p>
           <a:p>
-            <a:pPr lvl="1"/>
+            <a:pPr lvl="0"/>
             <a:r>
               <a:rPr/>
               <a:t>Exportación a PDF con </a:t>
@@ -7958,14 +7802,14 @@
             </a:r>
           </a:p>
           <a:p>
-            <a:pPr lvl="1"/>
+            <a:pPr lvl="0"/>
             <a:r>
               <a:rPr/>
               <a:t>Creación de libro de varios ficheros md con numeración.</a:t>
             </a:r>
           </a:p>
           <a:p>
-            <a:pPr lvl="1"/>
+            <a:pPr lvl="0"/>
             <a:r>
               <a:rPr/>
               <a:t>Posibilidad de añadir un footer a las slides.</a:t>
@@ -8010,20 +7854,12 @@
           <a:bodyPr/>
           <a:lstStyle/>
           <a:p>
-            <a:pPr lvl="0" marL="0" indent="0">
+            <a:pPr lvl="0" indent="0" marL="0">
               <a:buNone/>
             </a:pPr>
             <a:r>
               <a:rPr/>
-              <a:t>Versión</a:t>
-            </a:r>
-            <a:r>
-              <a:rPr/>
-              <a:t> </a:t>
-            </a:r>
-            <a:r>
-              <a:rPr/>
-              <a:t>4.0</a:t>
+              <a:t>Versión 4.0</a:t>
             </a:r>
           </a:p>
         </p:txBody>
@@ -8043,28 +7879,28 @@
           <a:bodyPr/>
           <a:lstStyle/>
           <a:p>
-            <a:pPr lvl="1"/>
+            <a:pPr lvl="0"/>
             <a:r>
               <a:rPr/>
               <a:t>Arreglados algunos fallos.</a:t>
             </a:r>
           </a:p>
           <a:p>
-            <a:pPr lvl="1"/>
+            <a:pPr lvl="0"/>
             <a:r>
               <a:rPr/>
               <a:t>Añadidos marcadores a las transparencias.</a:t>
             </a:r>
           </a:p>
           <a:p>
-            <a:pPr lvl="1"/>
+            <a:pPr lvl="0"/>
             <a:r>
               <a:rPr/>
               <a:t>Mejorado los nombre de ficheros.</a:t>
             </a:r>
           </a:p>
           <a:p>
-            <a:pPr lvl="1"/>
+            <a:pPr lvl="0"/>
             <a:r>
               <a:rPr/>
               <a:t>Añadida la librería </a:t>
@@ -8129,20 +7965,12 @@
           <a:bodyPr/>
           <a:lstStyle/>
           <a:p>
-            <a:pPr lvl="0" marL="0" indent="0">
+            <a:pPr lvl="0" indent="0" marL="0">
               <a:buNone/>
             </a:pPr>
             <a:r>
               <a:rPr/>
-              <a:t>Versión</a:t>
-            </a:r>
-            <a:r>
-              <a:rPr/>
-              <a:t> </a:t>
-            </a:r>
-            <a:r>
-              <a:rPr/>
-              <a:t>5.0</a:t>
+              <a:t>Versión 5.0</a:t>
             </a:r>
           </a:p>
         </p:txBody>
@@ -8162,42 +7990,42 @@
           <a:bodyPr/>
           <a:lstStyle/>
           <a:p>
-            <a:pPr lvl="1"/>
+            <a:pPr lvl="0"/>
             <a:r>
               <a:rPr/>
               <a:t>Limpieza de código.</a:t>
             </a:r>
           </a:p>
           <a:p>
-            <a:pPr lvl="1"/>
+            <a:pPr lvl="0"/>
             <a:r>
               <a:rPr/>
               <a:t>Arreglados algunos fallos.</a:t>
             </a:r>
           </a:p>
           <a:p>
-            <a:pPr lvl="1"/>
+            <a:pPr lvl="0"/>
             <a:r>
               <a:rPr/>
               <a:t>Eliminado el comando ‘clean’ para limpiar la carpeta lib pues se puede hacer via fichero de propiedades.</a:t>
             </a:r>
           </a:p>
           <a:p>
-            <a:pPr lvl="1"/>
+            <a:pPr lvl="0"/>
             <a:r>
               <a:rPr/>
               <a:t>Añadido de nuevo la opción de expotación a PDF en formato libro.</a:t>
             </a:r>
           </a:p>
           <a:p>
-            <a:pPr lvl="1"/>
+            <a:pPr lvl="0"/>
             <a:r>
               <a:rPr/>
               <a:t>Añadida la posibilidad de importar ficheros o fragmentos de un fichero externo.</a:t>
             </a:r>
           </a:p>
           <a:p>
-            <a:pPr lvl="1"/>
+            <a:pPr lvl="0"/>
             <a:r>
               <a:rPr/>
               <a:t>Añadido el plugin </a:t>
@@ -8224,7 +8052,7 @@
             </a:r>
           </a:p>
           <a:p>
-            <a:pPr lvl="1"/>
+            <a:pPr lvl="0"/>
             <a:r>
               <a:rPr/>
               <a:t>Añadida la posibilidad de crear una versión ‘plus’ con información extra en slides y libros.</a:t>
@@ -8269,20 +8097,12 @@
           <a:bodyPr/>
           <a:lstStyle/>
           <a:p>
-            <a:pPr lvl="0" marL="0" indent="0">
+            <a:pPr lvl="0" indent="0" marL="0">
               <a:buNone/>
             </a:pPr>
             <a:r>
               <a:rPr/>
-              <a:t>Versión</a:t>
-            </a:r>
-            <a:r>
-              <a:rPr/>
-              <a:t> </a:t>
-            </a:r>
-            <a:r>
-              <a:rPr/>
-              <a:t>6.0</a:t>
+              <a:t>Versión 6.0</a:t>
             </a:r>
           </a:p>
         </p:txBody>
@@ -8302,28 +8122,28 @@
           <a:bodyPr/>
           <a:lstStyle/>
           <a:p>
-            <a:pPr lvl="1"/>
+            <a:pPr lvl="0"/>
             <a:r>
               <a:rPr/>
               <a:t>Añadida la posiibilidad de exportar a PowerPoint.</a:t>
             </a:r>
           </a:p>
           <a:p>
-            <a:pPr lvl="1"/>
-            <a:r>
-              <a:rPr/>
-              <a:t>Actualizado todas las librerías a la última versión.</a:t>
-            </a:r>
-          </a:p>
-          <a:p>
-            <a:pPr lvl="1"/>
+            <a:pPr lvl="0"/>
+            <a:r>
+              <a:rPr/>
+              <a:t>Actualizadas todas las librerías a la última versión.</a:t>
+            </a:r>
+          </a:p>
+          <a:p>
+            <a:pPr lvl="0"/>
             <a:r>
               <a:rPr/>
               <a:t>Actualizadas las plantillas.</a:t>
             </a:r>
           </a:p>
           <a:p>
-            <a:pPr lvl="1"/>
+            <a:pPr lvl="0"/>
             <a:r>
               <a:rPr/>
               <a:t>Actualizado el Dockerfile.</a:t>
@@ -8368,20 +8188,12 @@
           <a:bodyPr/>
           <a:lstStyle/>
           <a:p>
-            <a:pPr lvl="0" marL="0" indent="0">
+            <a:pPr lvl="0" indent="0" marL="0">
               <a:buNone/>
             </a:pPr>
             <a:r>
               <a:rPr/>
-              <a:t>Versión</a:t>
-            </a:r>
-            <a:r>
-              <a:rPr/>
-              <a:t> </a:t>
-            </a:r>
-            <a:r>
-              <a:rPr/>
-              <a:t>6.*</a:t>
+              <a:t>Versión 6.*</a:t>
             </a:r>
           </a:p>
         </p:txBody>
@@ -8401,28 +8213,28 @@
           <a:bodyPr/>
           <a:lstStyle/>
           <a:p>
-            <a:pPr lvl="1"/>
+            <a:pPr lvl="0"/>
             <a:r>
               <a:rPr/>
               <a:t>Nueva imagen de MarkdownSlides.</a:t>
             </a:r>
           </a:p>
           <a:p>
-            <a:pPr lvl="1"/>
+            <a:pPr lvl="0"/>
             <a:r>
               <a:rPr/>
               <a:t>Añadido Bootstrap a la plantilla de html.</a:t>
             </a:r>
           </a:p>
           <a:p>
-            <a:pPr lvl="1"/>
+            <a:pPr lvl="0"/>
             <a:r>
               <a:rPr/>
               <a:t>Añadida la propiedad DEFAULT_BUILD.</a:t>
             </a:r>
           </a:p>
           <a:p>
-            <a:pPr lvl="1"/>
+            <a:pPr lvl="0"/>
             <a:r>
               <a:rPr/>
               <a:t>Cambios menores.</a:t>
@@ -8462,54 +8274,54 @@
             <p:ph type="title"/>
           </p:nvPr>
         </p:nvSpPr>
-        <p:spPr>
-          <a:xfrm>
-            <a:off x="722313" y="4406900"/>
-            <a:ext cx="7772400" cy="1362075"/>
-          </a:xfrm>
-        </p:spPr>
-        <p:txBody>
-          <a:bodyPr/>
-          <a:lstStyle/>
-          <a:p>
-            <a:pPr lvl="0" marL="0" indent="0">
+        <p:spPr/>
+        <p:txBody>
+          <a:bodyPr/>
+          <a:lstStyle/>
+          <a:p>
+            <a:pPr lvl="0" indent="0" marL="0">
               <a:buNone/>
             </a:pPr>
             <a:r>
               <a:rPr/>
-              <a:t>Adolfo</a:t>
-            </a:r>
-            <a:r>
-              <a:rPr/>
-              <a:t> </a:t>
-            </a:r>
-            <a:r>
-              <a:rPr/>
-              <a:t>Sanz</a:t>
-            </a:r>
-            <a:r>
-              <a:rPr/>
-              <a:t> </a:t>
-            </a:r>
-            <a:r>
-              <a:rPr/>
-              <a:t>De</a:t>
-            </a:r>
-            <a:r>
-              <a:rPr/>
-              <a:t> </a:t>
-            </a:r>
-            <a:r>
-              <a:rPr/>
-              <a:t>Diego</a:t>
-            </a:r>
-            <a:r>
-              <a:rPr/>
-              <a:t> </a:t>
-            </a:r>
-            <a:r>
-              <a:rPr/>
-              <a:t>Autor</a:t>
+              <a:t>Release 7.0</a:t>
+            </a:r>
+          </a:p>
+        </p:txBody>
+      </p:sp>
+      <p:sp>
+        <p:nvSpPr>
+          <p:cNvPr id="3" name="Content Placeholder 2"/>
+          <p:cNvSpPr>
+            <a:spLocks noGrp="1"/>
+          </p:cNvSpPr>
+          <p:nvPr>
+            <p:ph idx="1"/>
+          </p:nvPr>
+        </p:nvSpPr>
+        <p:spPr/>
+        <p:txBody>
+          <a:bodyPr/>
+          <a:lstStyle/>
+          <a:p>
+            <a:pPr lvl="0"/>
+            <a:r>
+              <a:rPr/>
+              <a:t>Actualizadas todas las librerías a la última versión.</a:t>
+            </a:r>
+          </a:p>
+          <a:p>
+            <a:pPr lvl="0"/>
+            <a:r>
+              <a:rPr/>
+              <a:t>Actualizadas las plantillas.</a:t>
+            </a:r>
+          </a:p>
+          <a:p>
+            <a:pPr lvl="0"/>
+            <a:r>
+              <a:rPr/>
+              <a:t>Actualizado el Dockerfile.</a:t>
             </a:r>
           </a:p>
         </p:txBody>
@@ -8546,102 +8358,22 @@
             <p:ph type="title"/>
           </p:nvPr>
         </p:nvSpPr>
-        <p:spPr/>
-        <p:txBody>
-          <a:bodyPr/>
-          <a:lstStyle/>
-          <a:p>
-            <a:pPr lvl="0" marL="0" indent="0">
+        <p:spPr>
+          <a:xfrm>
+            <a:off x="722313" y="3305176"/>
+            <a:ext cx="7772400" cy="1021556"/>
+          </a:xfrm>
+        </p:spPr>
+        <p:txBody>
+          <a:bodyPr/>
+          <a:lstStyle/>
+          <a:p>
+            <a:pPr lvl="0" indent="0" marL="0">
               <a:buNone/>
             </a:pPr>
             <a:r>
               <a:rPr/>
-              <a:t>Adolfo</a:t>
-            </a:r>
-            <a:r>
-              <a:rPr/>
-              <a:t> </a:t>
-            </a:r>
-            <a:r>
-              <a:rPr/>
-              <a:t>Sanz</a:t>
-            </a:r>
-            <a:r>
-              <a:rPr/>
-              <a:t> </a:t>
-            </a:r>
-            <a:r>
-              <a:rPr/>
-              <a:t>De</a:t>
-            </a:r>
-            <a:r>
-              <a:rPr/>
-              <a:t> </a:t>
-            </a:r>
-            <a:r>
-              <a:rPr/>
-              <a:t>Diego</a:t>
-            </a:r>
-          </a:p>
-        </p:txBody>
-      </p:sp>
-      <p:sp>
-        <p:nvSpPr>
-          <p:cNvPr id="3" name="Content Placeholder 2"/>
-          <p:cNvSpPr>
-            <a:spLocks noGrp="1"/>
-          </p:cNvSpPr>
-          <p:nvPr>
-            <p:ph idx="1"/>
-          </p:nvPr>
-        </p:nvSpPr>
-        <p:spPr/>
-        <p:txBody>
-          <a:bodyPr/>
-          <a:lstStyle/>
-          <a:p>
-            <a:pPr lvl="1"/>
-            <a:r>
-              <a:rPr/>
-              <a:t>Empecé </a:t>
-            </a:r>
-            <a:r>
-              <a:rPr b="1"/>
-              <a:t>desarrollando aplicaciones web</a:t>
-            </a:r>
-            <a:r>
-              <a:rPr/>
-              <a:t>, hasta que di el salto a la docencia.</a:t>
-            </a:r>
-          </a:p>
-          <a:p>
-            <a:pPr lvl="1"/>
-            <a:r>
-              <a:rPr/>
-              <a:t>Actualmente soy </a:t>
-            </a:r>
-            <a:r>
-              <a:rPr b="1"/>
-              <a:t>Asesor Técnico Docente</a:t>
-            </a:r>
-            <a:r>
-              <a:rPr/>
-              <a:t> en el servicio TIC de la D.G de Infraestructuras y Servicios de la Consejería de Educación, Juventud y Deporte de la Comunidad de Madrid.</a:t>
-            </a:r>
-          </a:p>
-          <a:p>
-            <a:pPr lvl="1"/>
-            <a:r>
-              <a:rPr/>
-              <a:t>Además colaboro como </a:t>
-            </a:r>
-            <a:r>
-              <a:rPr b="1"/>
-              <a:t>formador especializado en tecnologías de desarrollo</a:t>
-            </a:r>
-            <a:r>
-              <a:rPr/>
-              <a:t>.</a:t>
+              <a:t>Adolfo Sanz De Diego Autor</a:t>
             </a:r>
           </a:p>
         </p:txBody>
@@ -8683,20 +8415,12 @@
           <a:bodyPr/>
           <a:lstStyle/>
           <a:p>
-            <a:pPr lvl="0" marL="0" indent="0">
+            <a:pPr lvl="0" indent="0" marL="0">
               <a:buNone/>
             </a:pPr>
             <a:r>
               <a:rPr/>
-              <a:t>Algunos</a:t>
-            </a:r>
-            <a:r>
-              <a:rPr/>
-              <a:t> </a:t>
-            </a:r>
-            <a:r>
-              <a:rPr/>
-              <a:t>proyectos</a:t>
+              <a:t>Adolfo Sanz De Diego</a:t>
             </a:r>
           </a:p>
         </p:txBody>
@@ -8716,46 +8440,62 @@
           <a:bodyPr/>
           <a:lstStyle/>
           <a:p>
-            <a:pPr lvl="1"/>
-            <a:r>
-              <a:rPr/>
-              <a:t>Hackathon Lovers </a:t>
+            <a:pPr lvl="0"/>
+            <a:r>
+              <a:rPr/>
+              <a:t>Empecé </a:t>
+            </a:r>
+            <a:r>
+              <a:rPr b="1"/>
+              <a:t>desarrollando aplicaciones web</a:t>
+            </a:r>
+            <a:r>
+              <a:rPr/>
+              <a:t>, hasta que di el salto a la docencia.</a:t>
+            </a:r>
+          </a:p>
+          <a:p>
+            <a:pPr lvl="0"/>
+            <a:r>
+              <a:rPr/>
+              <a:t>Actualmente soy </a:t>
             </a:r>
             <a:r>
               <a:rPr>
                 <a:hlinkClick r:id="rId2"/>
               </a:rPr>
-              <a:t>Hackathon Lovers</a:t>
-            </a:r>
-            <a:r>
-              <a:rPr/>
-              <a:t>: un grupo creado para emprendedores y desarrolladores amantes de los hackathones.</a:t>
-            </a:r>
-          </a:p>
-          <a:p>
-            <a:pPr lvl="1"/>
+              <a:t>Jefe de Servicio de Plataformas Educativas en la Consejería de Digitalización de la Comunidad de Madrid</a:t>
+            </a:r>
+            <a:r>
+              <a:rPr/>
+              <a:t>.</a:t>
+            </a:r>
+          </a:p>
+          <a:p>
+            <a:pPr lvl="0"/>
+            <a:r>
+              <a:rPr/>
+              <a:t>Colaboro como profesor en la </a:t>
+            </a:r>
             <a:r>
               <a:rPr>
                 <a:hlinkClick r:id="rId3"/>
               </a:rPr>
-              <a:t>Password Manager Generator</a:t>
-            </a:r>
-            <a:r>
-              <a:rPr/>
-              <a:t>: un gestor de contraseñas online.</a:t>
-            </a:r>
-          </a:p>
-          <a:p>
-            <a:pPr lvl="1"/>
+              <a:t>Universidad de Alcalá</a:t>
+            </a:r>
+            <a:r>
+              <a:rPr/>
+              <a:t> y como formador en </a:t>
+            </a:r>
             <a:r>
               <a:rPr>
                 <a:hlinkClick r:id="rId4"/>
               </a:rPr>
-              <a:t>MarkdownSlides</a:t>
-            </a:r>
-            <a:r>
-              <a:rPr/>
-              <a:t>: un script para crear slides a partir de ficheros MD.</a:t>
+              <a:t>Pronoide</a:t>
+            </a:r>
+            <a:r>
+              <a:rPr/>
+              <a:t>.</a:t>
             </a:r>
           </a:p>
         </p:txBody>
@@ -8797,20 +8537,12 @@
           <a:bodyPr/>
           <a:lstStyle/>
           <a:p>
-            <a:pPr lvl="0" marL="0" indent="0">
+            <a:pPr lvl="0" indent="0" marL="0">
               <a:buNone/>
             </a:pPr>
             <a:r>
               <a:rPr/>
-              <a:t>¿Donde</a:t>
-            </a:r>
-            <a:r>
-              <a:rPr/>
-              <a:t> </a:t>
-            </a:r>
-            <a:r>
-              <a:rPr/>
-              <a:t>encontrarme?</a:t>
+              <a:t>Algunos proyectos</a:t>
             </a:r>
           </a:p>
         </p:txBody>
@@ -8830,79 +8562,59 @@
           <a:bodyPr/>
           <a:lstStyle/>
           <a:p>
-            <a:pPr lvl="1"/>
-            <a:r>
-              <a:rPr/>
-              <a:t>Mi nick: </a:t>
-            </a:r>
-            <a:r>
-              <a:rPr b="1"/>
-              <a:t>asanzdiego</a:t>
-            </a:r>
-          </a:p>
-          <a:p>
-            <a:pPr lvl="2"/>
-            <a:r>
-              <a:rPr/>
-              <a:t>Blog: </a:t>
+            <a:pPr lvl="0"/>
+            <a:r>
+              <a:rPr/>
+              <a:t>Hackathon Lovers </a:t>
             </a:r>
             <a:r>
               <a:rPr>
                 <a:hlinkClick r:id="rId2"/>
               </a:rPr>
-              <a:t>asanzdiego.com</a:t>
-            </a:r>
-          </a:p>
-          <a:p>
-            <a:pPr lvl="2"/>
-            <a:r>
-              <a:rPr/>
-              <a:t>GitHub: </a:t>
-            </a:r>
+              <a:t>Hackathon Lovers</a:t>
+            </a:r>
+            <a:r>
+              <a:rPr/>
+              <a:t>: un grupo creado para emprendedores y desarrolladores amantes de los hackathones.</a:t>
+            </a:r>
+          </a:p>
+          <a:p>
+            <a:pPr lvl="0"/>
             <a:r>
               <a:rPr>
                 <a:hlinkClick r:id="rId3"/>
               </a:rPr>
-              <a:t>github.com/asanzdiego</a:t>
-            </a:r>
-          </a:p>
-          <a:p>
-            <a:pPr lvl="2"/>
-            <a:r>
-              <a:rPr/>
-              <a:t>Twitter: </a:t>
-            </a:r>
+              <a:t>Password Manager Generator</a:t>
+            </a:r>
+            <a:r>
+              <a:rPr/>
+              <a:t>: un gestor de contraseñas online.</a:t>
+            </a:r>
+          </a:p>
+          <a:p>
+            <a:pPr lvl="0"/>
             <a:r>
               <a:rPr>
                 <a:hlinkClick r:id="rId4"/>
               </a:rPr>
-              <a:t>twitter.com/asanzdiego</a:t>
-            </a:r>
-          </a:p>
-          <a:p>
-            <a:pPr lvl="2"/>
-            <a:r>
-              <a:rPr/>
-              <a:t>LinkedIn: </a:t>
-            </a:r>
+              <a:t>Extensión de Password Manager Generator</a:t>
+            </a:r>
+            <a:r>
+              <a:rPr/>
+              <a:t>: una extensión para los navegadores de Password Manager Generator.</a:t>
+            </a:r>
+          </a:p>
+          <a:p>
+            <a:pPr lvl="0"/>
             <a:r>
               <a:rPr>
                 <a:hlinkClick r:id="rId5"/>
               </a:rPr>
-              <a:t>linkedin.com/in/asanzdiego</a:t>
-            </a:r>
-          </a:p>
-          <a:p>
-            <a:pPr lvl="2"/>
-            <a:r>
-              <a:rPr/>
-              <a:t>SlideShare: </a:t>
-            </a:r>
-            <a:r>
-              <a:rPr>
-                <a:hlinkClick r:id="rId6"/>
-              </a:rPr>
-              <a:t>slideshare.net/asanzdiego</a:t>
+              <a:t>MarkdownSlides</a:t>
+            </a:r>
+            <a:r>
+              <a:rPr/>
+              <a:t>: un script para crear slides y mucho más a partir de ficheros MD.</a:t>
             </a:r>
           </a:p>
         </p:txBody>
@@ -8944,20 +8656,12 @@
           <a:bodyPr/>
           <a:lstStyle/>
           <a:p>
-            <a:pPr lvl="0" marL="0" indent="0">
+            <a:pPr lvl="0" indent="0" marL="0">
               <a:buNone/>
             </a:pPr>
             <a:r>
               <a:rPr/>
-              <a:t>Ejemplos</a:t>
-            </a:r>
-            <a:r>
-              <a:rPr/>
-              <a:t> </a:t>
-            </a:r>
-            <a:r>
-              <a:rPr/>
-              <a:t>(I)</a:t>
+              <a:t>Ejemplos (I)</a:t>
             </a:r>
           </a:p>
         </p:txBody>
@@ -8977,74 +8681,200 @@
           <a:bodyPr/>
           <a:lstStyle/>
           <a:p>
+            <a:pPr lvl="0"/>
+            <a:r>
+              <a:rPr/>
+              <a:t>A partir de un fichero </a:t>
+            </a:r>
+            <a:r>
+              <a:rPr>
+                <a:hlinkClick r:id="rId2"/>
+              </a:rPr>
+              <a:t>MARKDOWN</a:t>
+            </a:r>
+            <a:r>
+              <a:rPr/>
+              <a:t> genera:</a:t>
+            </a:r>
+          </a:p>
+          <a:p>
             <a:pPr lvl="1"/>
             <a:r>
-              <a:rPr/>
-              <a:t>A partir de un fichero </a:t>
+              <a:rPr>
+                <a:hlinkClick r:id="rId3"/>
+              </a:rPr>
+              <a:t>reveal-slides</a:t>
+            </a:r>
+          </a:p>
+          <a:p>
+            <a:pPr lvl="1"/>
+            <a:r>
+              <a:rPr>
+                <a:hlinkClick r:id="rId4"/>
+              </a:rPr>
+              <a:t>reveal-slides-pdf</a:t>
+            </a:r>
+          </a:p>
+          <a:p>
+            <a:pPr lvl="1"/>
+            <a:r>
+              <a:rPr>
+                <a:hlinkClick r:id="rId5"/>
+              </a:rPr>
+              <a:t>epub-book</a:t>
+            </a:r>
+          </a:p>
+          <a:p>
+            <a:pPr lvl="1"/>
+            <a:r>
+              <a:rPr>
+                <a:hlinkClick r:id="rId6"/>
+              </a:rPr>
+              <a:t>html-book</a:t>
+            </a:r>
+          </a:p>
+          <a:p>
+            <a:pPr lvl="1"/>
+            <a:r>
+              <a:rPr>
+                <a:hlinkClick r:id="rId7"/>
+              </a:rPr>
+              <a:t>docx-book</a:t>
+            </a:r>
+          </a:p>
+          <a:p>
+            <a:pPr lvl="1"/>
+            <a:r>
+              <a:rPr>
+                <a:hlinkClick r:id="rId8"/>
+              </a:rPr>
+              <a:t>pdf-book</a:t>
+            </a:r>
+          </a:p>
+        </p:txBody>
+      </p:sp>
+    </p:spTree>
+  </p:cSld>
+</p:sld>
+</file>
+
+<file path=ppt/slides/slide50.xml><?xml version="1.0" encoding="utf-8"?>
+<p:sld xmlns:a="http://schemas.openxmlformats.org/drawingml/2006/main" xmlns:r="http://schemas.openxmlformats.org/officeDocument/2006/relationships" xmlns:p="http://schemas.openxmlformats.org/presentationml/2006/main">
+  <p:cSld>
+    <p:spTree>
+      <p:nvGrpSpPr>
+        <p:cNvPr id="1" name=""/>
+        <p:cNvGrpSpPr/>
+        <p:nvPr/>
+      </p:nvGrpSpPr>
+      <p:grpSpPr>
+        <a:xfrm>
+          <a:off x="0" y="0"/>
+          <a:ext cx="0" cy="0"/>
+          <a:chOff x="0" y="0"/>
+          <a:chExt cx="0" cy="0"/>
+        </a:xfrm>
+      </p:grpSpPr>
+      <p:sp>
+        <p:nvSpPr>
+          <p:cNvPr id="2" name="Title 1"/>
+          <p:cNvSpPr>
+            <a:spLocks noGrp="1"/>
+          </p:cNvSpPr>
+          <p:nvPr>
+            <p:ph type="title"/>
+          </p:nvPr>
+        </p:nvSpPr>
+        <p:spPr/>
+        <p:txBody>
+          <a:bodyPr/>
+          <a:lstStyle/>
+          <a:p>
+            <a:pPr lvl="0" indent="0" marL="0">
+              <a:buNone/>
+            </a:pPr>
+            <a:r>
+              <a:rPr/>
+              <a:t>¿Donde encontrarme?</a:t>
+            </a:r>
+          </a:p>
+        </p:txBody>
+      </p:sp>
+      <p:sp>
+        <p:nvSpPr>
+          <p:cNvPr id="3" name="Content Placeholder 2"/>
+          <p:cNvSpPr>
+            <a:spLocks noGrp="1"/>
+          </p:cNvSpPr>
+          <p:nvPr>
+            <p:ph idx="1"/>
+          </p:nvPr>
+        </p:nvSpPr>
+        <p:spPr/>
+        <p:txBody>
+          <a:bodyPr/>
+          <a:lstStyle/>
+          <a:p>
+            <a:pPr lvl="0"/>
+            <a:r>
+              <a:rPr/>
+              <a:t>Mi nick: </a:t>
+            </a:r>
+            <a:r>
+              <a:rPr b="1"/>
+              <a:t>asanzdiego</a:t>
+            </a:r>
+          </a:p>
+          <a:p>
+            <a:pPr lvl="1"/>
+            <a:r>
+              <a:rPr/>
+              <a:t>Blog: </a:t>
             </a:r>
             <a:r>
               <a:rPr>
                 <a:hlinkClick r:id="rId2"/>
               </a:rPr>
-              <a:t>MARKDOWN</a:t>
-            </a:r>
-            <a:r>
-              <a:rPr/>
-              <a:t> genera:</a:t>
-            </a:r>
-          </a:p>
-          <a:p>
-            <a:pPr lvl="2"/>
+              <a:t>asanzdiego.com</a:t>
+            </a:r>
+          </a:p>
+          <a:p>
+            <a:pPr lvl="1"/>
+            <a:r>
+              <a:rPr/>
+              <a:t>GitHub: </a:t>
+            </a:r>
             <a:r>
               <a:rPr>
                 <a:hlinkClick r:id="rId3"/>
               </a:rPr>
-              <a:t>reveal-slides</a:t>
-            </a:r>
-          </a:p>
-          <a:p>
-            <a:pPr lvl="2"/>
+              <a:t>github.com/asanzdiego</a:t>
+            </a:r>
+          </a:p>
+          <a:p>
+            <a:pPr lvl="1"/>
+            <a:r>
+              <a:rPr/>
+              <a:t>Twitter: </a:t>
+            </a:r>
             <a:r>
               <a:rPr>
                 <a:hlinkClick r:id="rId4"/>
               </a:rPr>
-              <a:t>reveal-slides-pdf</a:t>
-            </a:r>
-          </a:p>
-          <a:p>
-            <a:pPr lvl="2"/>
+              <a:t>twitter.com/asanzdiego</a:t>
+            </a:r>
+          </a:p>
+          <a:p>
+            <a:pPr lvl="1"/>
+            <a:r>
+              <a:rPr/>
+              <a:t>LinkedIn: </a:t>
+            </a:r>
             <a:r>
               <a:rPr>
                 <a:hlinkClick r:id="rId5"/>
               </a:rPr>
-              <a:t>epub-book</a:t>
-            </a:r>
-          </a:p>
-          <a:p>
-            <a:pPr lvl="2"/>
-            <a:r>
-              <a:rPr>
-                <a:hlinkClick r:id="rId6"/>
-              </a:rPr>
-              <a:t>html-book</a:t>
-            </a:r>
-          </a:p>
-          <a:p>
-            <a:pPr lvl="2"/>
-            <a:r>
-              <a:rPr>
-                <a:hlinkClick r:id="rId7"/>
-              </a:rPr>
-              <a:t>docx-book</a:t>
-            </a:r>
-          </a:p>
-          <a:p>
-            <a:pPr lvl="2"/>
-            <a:r>
-              <a:rPr>
-                <a:hlinkClick r:id="rId8"/>
-              </a:rPr>
-              <a:t>pdf-book</a:t>
+              <a:t>linkedin.com/in/asanzdiego</a:t>
             </a:r>
           </a:p>
         </p:txBody>
@@ -9086,20 +8916,12 @@
           <a:bodyPr/>
           <a:lstStyle/>
           <a:p>
-            <a:pPr lvl="0" marL="0" indent="0">
+            <a:pPr lvl="0" indent="0" marL="0">
               <a:buNone/>
             </a:pPr>
             <a:r>
               <a:rPr/>
-              <a:t>Ejemplos</a:t>
-            </a:r>
-            <a:r>
-              <a:rPr/>
-              <a:t> </a:t>
-            </a:r>
-            <a:r>
-              <a:rPr/>
-              <a:t>(II)</a:t>
+              <a:t>Ejemplos (II)</a:t>
             </a:r>
           </a:p>
         </p:txBody>
@@ -9119,7 +8941,7 @@
           <a:bodyPr/>
           <a:lstStyle/>
           <a:p>
-            <a:pPr lvl="1"/>
+            <a:pPr lvl="0"/>
             <a:r>
               <a:rPr/>
               <a:t>A partir de ese mismo fichero </a:t>
@@ -9144,7 +8966,7 @@
             </a:r>
           </a:p>
           <a:p>
-            <a:pPr lvl="2"/>
+            <a:pPr lvl="1"/>
             <a:r>
               <a:rPr>
                 <a:hlinkClick r:id="rId3"/>
@@ -9153,7 +8975,7 @@
             </a:r>
           </a:p>
           <a:p>
-            <a:pPr lvl="2"/>
+            <a:pPr lvl="1"/>
             <a:r>
               <a:rPr>
                 <a:hlinkClick r:id="rId4"/>
@@ -9162,7 +8984,7 @@
             </a:r>
           </a:p>
           <a:p>
-            <a:pPr lvl="2"/>
+            <a:pPr lvl="1"/>
             <a:r>
               <a:rPr>
                 <a:hlinkClick r:id="rId5"/>
@@ -9171,7 +8993,7 @@
             </a:r>
           </a:p>
           <a:p>
-            <a:pPr lvl="2"/>
+            <a:pPr lvl="1"/>
             <a:r>
               <a:rPr>
                 <a:hlinkClick r:id="rId6"/>
@@ -9180,7 +9002,7 @@
             </a:r>
           </a:p>
           <a:p>
-            <a:pPr lvl="2"/>
+            <a:pPr lvl="1"/>
             <a:r>
               <a:rPr>
                 <a:hlinkClick r:id="rId7"/>
@@ -9189,7 +9011,7 @@
             </a:r>
           </a:p>
           <a:p>
-            <a:pPr lvl="2"/>
+            <a:pPr lvl="1"/>
             <a:r>
               <a:rPr>
                 <a:hlinkClick r:id="rId8"/>
@@ -9236,7 +9058,7 @@
           <a:bodyPr/>
           <a:lstStyle/>
           <a:p>
-            <a:pPr lvl="0" marL="0" indent="0">
+            <a:pPr lvl="0" indent="0" marL="0">
               <a:buNone/>
             </a:pPr>
             <a:r>
@@ -9261,7 +9083,7 @@
           <a:bodyPr/>
           <a:lstStyle/>
           <a:p>
-            <a:pPr lvl="1"/>
+            <a:pPr lvl="0"/>
             <a:r>
               <a:rPr/>
               <a:t>Cesar Seoane: </a:t>
@@ -9274,7 +9096,7 @@
             </a:r>
           </a:p>
           <a:p>
-            <a:pPr lvl="1"/>
+            <a:pPr lvl="0"/>
             <a:r>
               <a:rPr/>
               <a:t>Rubén Gómez García: </a:t>
@@ -9287,7 +9109,7 @@
             </a:r>
           </a:p>
           <a:p>
-            <a:pPr lvl="1"/>
+            <a:pPr lvl="0"/>
             <a:r>
               <a:rPr/>
               <a:t>Raul Jimenez Ortega: </a:t>
@@ -9300,7 +9122,7 @@
             </a:r>
           </a:p>
           <a:p>
-            <a:pPr lvl="1"/>
+            <a:pPr lvl="0"/>
             <a:r>
               <a:rPr/>
               <a:t>Pablo J. Triviño: </a:t>
@@ -9313,7 +9135,7 @@
             </a:r>
           </a:p>
           <a:p>
-            <a:pPr lvl="1"/>
+            <a:pPr lvl="0"/>
             <a:r>
               <a:rPr/>
               <a:t>Marcos Chavarría: </a:t>
@@ -9364,7 +9186,7 @@
           <a:bodyPr/>
           <a:lstStyle/>
           <a:p>
-            <a:pPr lvl="0" marL="0" indent="0">
+            <a:pPr lvl="0" indent="0" marL="0">
               <a:buNone/>
             </a:pPr>
             <a:r>
@@ -9389,14 +9211,14 @@
           <a:bodyPr/>
           <a:lstStyle/>
           <a:p>
-            <a:pPr lvl="1"/>
+            <a:pPr lvl="0"/>
             <a:r>
               <a:rPr b="1"/>
               <a:t>Este obra está bajo una licencia:</a:t>
             </a:r>
           </a:p>
           <a:p>
-            <a:pPr lvl="2"/>
+            <a:pPr lvl="1"/>
             <a:r>
               <a:rPr>
                 <a:hlinkClick r:id="rId2"/>
@@ -9405,14 +9227,14 @@
             </a:r>
           </a:p>
           <a:p>
-            <a:pPr lvl="1"/>
+            <a:pPr lvl="0"/>
             <a:r>
               <a:rPr b="1"/>
               <a:t>El código fuente de los programas están bajo una licencia:</a:t>
             </a:r>
           </a:p>
           <a:p>
-            <a:pPr lvl="2"/>
+            <a:pPr lvl="1"/>
             <a:r>
               <a:rPr>
                 <a:hlinkClick r:id="rId3"/>
@@ -9424,6 +9246,235 @@
       </p:sp>
     </p:spTree>
   </p:cSld>
+  <p:timing>
+    <p:tnLst>
+      <p:par>
+        <p:cTn id="1" dur="indefinite" restart="never" nodeType="tmRoot">
+          <p:childTnLst>
+            <p:seq concurrent="1" nextAc="seek">
+              <p:cTn id="2" dur="indefinite" nodeType="mainSeq">
+                <p:childTnLst>
+                  <p:par>
+                    <p:cTn id="3" fill="hold">
+                      <p:stCondLst>
+                        <p:cond delay="indefinite"/>
+                      </p:stCondLst>
+                      <p:childTnLst>
+                        <p:par>
+                          <p:cTn id="4" fill="hold">
+                            <p:stCondLst>
+                              <p:cond delay="0"/>
+                            </p:stCondLst>
+                            <p:childTnLst>
+                              <p:par>
+                                <p:cTn id="5" presetID="1" presetClass="entr" presetSubtype="0" fill="hold" grpId="0" nodeType="clickEffect">
+                                  <p:stCondLst>
+                                    <p:cond delay="0"/>
+                                  </p:stCondLst>
+                                  <p:childTnLst>
+                                    <p:set>
+                                      <p:cBhvr>
+                                        <p:cTn id="6" dur="1" fill="hold">
+                                          <p:stCondLst>
+                                            <p:cond delay="0"/>
+                                          </p:stCondLst>
+                                        </p:cTn>
+                                        <p:tgtEl>
+                                          <p:spTgt spid="3">
+                                            <p:txEl>
+                                              <p:pRg st="0" end="0"/>
+                                            </p:txEl>
+                                          </p:spTgt>
+                                        </p:tgtEl>
+                                        <p:attrNameLst>
+                                          <p:attrName>style.visibility</p:attrName>
+                                        </p:attrNameLst>
+                                      </p:cBhvr>
+                                      <p:to>
+                                        <p:strVal val="visible"/>
+                                      </p:to>
+                                    </p:set>
+                                  </p:childTnLst>
+                                </p:cTn>
+                              </p:par>
+                            </p:childTnLst>
+                          </p:cTn>
+                        </p:par>
+                      </p:childTnLst>
+                    </p:cTn>
+                  </p:par>
+                  <p:par>
+                    <p:cTn id="7" fill="hold">
+                      <p:stCondLst>
+                        <p:cond delay="indefinite"/>
+                      </p:stCondLst>
+                      <p:childTnLst>
+                        <p:par>
+                          <p:cTn id="8" fill="hold">
+                            <p:stCondLst>
+                              <p:cond delay="0"/>
+                            </p:stCondLst>
+                            <p:childTnLst>
+                              <p:par>
+                                <p:cTn id="9" presetID="1" presetClass="entr" presetSubtype="0" fill="hold" grpId="0" nodeType="clickEffect">
+                                  <p:stCondLst>
+                                    <p:cond delay="0"/>
+                                  </p:stCondLst>
+                                  <p:childTnLst>
+                                    <p:set>
+                                      <p:cBhvr>
+                                        <p:cTn id="10" dur="1" fill="hold">
+                                          <p:stCondLst>
+                                            <p:cond delay="0"/>
+                                          </p:stCondLst>
+                                        </p:cTn>
+                                        <p:tgtEl>
+                                          <p:spTgt spid="3">
+                                            <p:txEl>
+                                              <p:pRg st="1" end="1"/>
+                                            </p:txEl>
+                                          </p:spTgt>
+                                        </p:tgtEl>
+                                        <p:attrNameLst>
+                                          <p:attrName>style.visibility</p:attrName>
+                                        </p:attrNameLst>
+                                      </p:cBhvr>
+                                      <p:to>
+                                        <p:strVal val="visible"/>
+                                      </p:to>
+                                    </p:set>
+                                  </p:childTnLst>
+                                </p:cTn>
+                              </p:par>
+                            </p:childTnLst>
+                          </p:cTn>
+                        </p:par>
+                      </p:childTnLst>
+                    </p:cTn>
+                  </p:par>
+                  <p:par>
+                    <p:cTn id="11" fill="hold">
+                      <p:stCondLst>
+                        <p:cond delay="indefinite"/>
+                      </p:stCondLst>
+                      <p:childTnLst>
+                        <p:par>
+                          <p:cTn id="12" fill="hold">
+                            <p:stCondLst>
+                              <p:cond delay="0"/>
+                            </p:stCondLst>
+                            <p:childTnLst>
+                              <p:par>
+                                <p:cTn id="13" presetID="1" presetClass="entr" presetSubtype="0" fill="hold" grpId="0" nodeType="clickEffect">
+                                  <p:stCondLst>
+                                    <p:cond delay="0"/>
+                                  </p:stCondLst>
+                                  <p:childTnLst>
+                                    <p:set>
+                                      <p:cBhvr>
+                                        <p:cTn id="14" dur="1" fill="hold">
+                                          <p:stCondLst>
+                                            <p:cond delay="0"/>
+                                          </p:stCondLst>
+                                        </p:cTn>
+                                        <p:tgtEl>
+                                          <p:spTgt spid="3">
+                                            <p:txEl>
+                                              <p:pRg st="2" end="2"/>
+                                            </p:txEl>
+                                          </p:spTgt>
+                                        </p:tgtEl>
+                                        <p:attrNameLst>
+                                          <p:attrName>style.visibility</p:attrName>
+                                        </p:attrNameLst>
+                                      </p:cBhvr>
+                                      <p:to>
+                                        <p:strVal val="visible"/>
+                                      </p:to>
+                                    </p:set>
+                                  </p:childTnLst>
+                                </p:cTn>
+                              </p:par>
+                            </p:childTnLst>
+                          </p:cTn>
+                        </p:par>
+                      </p:childTnLst>
+                    </p:cTn>
+                  </p:par>
+                  <p:par>
+                    <p:cTn id="15" fill="hold">
+                      <p:stCondLst>
+                        <p:cond delay="indefinite"/>
+                      </p:stCondLst>
+                      <p:childTnLst>
+                        <p:par>
+                          <p:cTn id="16" fill="hold">
+                            <p:stCondLst>
+                              <p:cond delay="0"/>
+                            </p:stCondLst>
+                            <p:childTnLst>
+                              <p:par>
+                                <p:cTn id="17" presetID="1" presetClass="entr" presetSubtype="0" fill="hold" grpId="0" nodeType="clickEffect">
+                                  <p:stCondLst>
+                                    <p:cond delay="0"/>
+                                  </p:stCondLst>
+                                  <p:childTnLst>
+                                    <p:set>
+                                      <p:cBhvr>
+                                        <p:cTn id="18" dur="1" fill="hold">
+                                          <p:stCondLst>
+                                            <p:cond delay="0"/>
+                                          </p:stCondLst>
+                                        </p:cTn>
+                                        <p:tgtEl>
+                                          <p:spTgt spid="3">
+                                            <p:txEl>
+                                              <p:pRg st="3" end="3"/>
+                                            </p:txEl>
+                                          </p:spTgt>
+                                        </p:tgtEl>
+                                        <p:attrNameLst>
+                                          <p:attrName>style.visibility</p:attrName>
+                                        </p:attrNameLst>
+                                      </p:cBhvr>
+                                      <p:to>
+                                        <p:strVal val="visible"/>
+                                      </p:to>
+                                    </p:set>
+                                  </p:childTnLst>
+                                </p:cTn>
+                              </p:par>
+                            </p:childTnLst>
+                          </p:cTn>
+                        </p:par>
+                      </p:childTnLst>
+                    </p:cTn>
+                  </p:par>
+                </p:childTnLst>
+              </p:cTn>
+              <p:prevCondLst>
+                <p:cond evt="onPrev" delay="0">
+                  <p:tgtEl>
+                    <p:sldTgt/>
+                  </p:tgtEl>
+                </p:cond>
+              </p:prevCondLst>
+              <p:nextCondLst>
+                <p:cond evt="onNext" delay="0">
+                  <p:tgtEl>
+                    <p:sldTgt/>
+                  </p:tgtEl>
+                </p:cond>
+              </p:nextCondLst>
+            </p:seq>
+          </p:childTnLst>
+        </p:cTn>
+      </p:par>
+    </p:tnLst>
+    <p:bldLst>
+      <p:bldP spid="3" grpId="0" uiExpand="1" build="p"/>
+    </p:bldLst>
+  </p:timing>
 </p:sld>
 </file>
 
@@ -9456,15 +9507,15 @@
         </p:nvSpPr>
         <p:spPr>
           <a:xfrm>
-            <a:off x="722313" y="4406900"/>
-            <a:ext cx="7772400" cy="1362075"/>
+            <a:off x="722313" y="3305176"/>
+            <a:ext cx="7772400" cy="1021556"/>
           </a:xfrm>
         </p:spPr>
         <p:txBody>
           <a:bodyPr/>
           <a:lstStyle/>
           <a:p>
-            <a:pPr lvl="0" marL="0" indent="0">
+            <a:pPr lvl="0" indent="0" marL="0">
               <a:buNone/>
             </a:pPr>
             <a:r>

--- a/doc/export/leeme-slides-plus.pptx
+++ b/doc/export/leeme-slides-plus.pptx
@@ -8284,7 +8284,7 @@
             </a:pPr>
             <a:r>
               <a:rPr/>
-              <a:t>Release 7.0</a:t>
+              <a:t>Versión 7.0</a:t>
             </a:r>
           </a:p>
         </p:txBody>

--- a/doc/export/leeme-slides-plus.pptx
+++ b/doc/export/leeme-slides-plus.pptx
@@ -5,7 +5,7 @@
     <p:sldMasterId id="2147483648" r:id="rId1"/>
   </p:sldMasterIdLst>
   <p:notesMasterIdLst>
-    <p:notesMasterId r:id="rId52"/>
+    <p:notesMasterId r:id="rId53"/>
   </p:notesMasterIdLst>
   <p:sldIdLst>
     <p:sldId id="256" r:id="rId2"/>
@@ -58,6 +58,7 @@
     <p:sldId id="303" r:id="rId49"/>
     <p:sldId id="304" r:id="rId50"/>
     <p:sldId id="305" r:id="rId51"/>
+    <p:sldId id="306" r:id="rId52"/>
   </p:sldIdLst>
   <p:sldSz cx="9144000" cy="5143500" type="screen16x9"/>
   <p:notesSz cx="6858000" cy="9144000"/>
@@ -8358,12 +8359,7 @@
             <p:ph type="title"/>
           </p:nvPr>
         </p:nvSpPr>
-        <p:spPr>
-          <a:xfrm>
-            <a:off x="722313" y="3305176"/>
-            <a:ext cx="7772400" cy="1021556"/>
-          </a:xfrm>
-        </p:spPr>
+        <p:spPr/>
         <p:txBody>
           <a:bodyPr/>
           <a:lstStyle/>
@@ -8373,7 +8369,30 @@
             </a:pPr>
             <a:r>
               <a:rPr/>
-              <a:t>Adolfo Sanz De Diego Autor</a:t>
+              <a:t>Versión 7.*</a:t>
+            </a:r>
+          </a:p>
+        </p:txBody>
+      </p:sp>
+      <p:sp>
+        <p:nvSpPr>
+          <p:cNvPr id="3" name="Content Placeholder 2"/>
+          <p:cNvSpPr>
+            <a:spLocks noGrp="1"/>
+          </p:cNvSpPr>
+          <p:nvPr>
+            <p:ph idx="1"/>
+          </p:nvPr>
+        </p:nvSpPr>
+        <p:spPr/>
+        <p:txBody>
+          <a:bodyPr/>
+          <a:lstStyle/>
+          <a:p>
+            <a:pPr lvl="0"/>
+            <a:r>
+              <a:rPr/>
+              <a:t>Cambios menores.</a:t>
             </a:r>
           </a:p>
         </p:txBody>
@@ -8410,7 +8429,12 @@
             <p:ph type="title"/>
           </p:nvPr>
         </p:nvSpPr>
-        <p:spPr/>
+        <p:spPr>
+          <a:xfrm>
+            <a:off x="722313" y="3305176"/>
+            <a:ext cx="7772400" cy="1021556"/>
+          </a:xfrm>
+        </p:spPr>
         <p:txBody>
           <a:bodyPr/>
           <a:lstStyle/>
@@ -8420,82 +8444,7 @@
             </a:pPr>
             <a:r>
               <a:rPr/>
-              <a:t>Adolfo Sanz De Diego</a:t>
-            </a:r>
-          </a:p>
-        </p:txBody>
-      </p:sp>
-      <p:sp>
-        <p:nvSpPr>
-          <p:cNvPr id="3" name="Content Placeholder 2"/>
-          <p:cNvSpPr>
-            <a:spLocks noGrp="1"/>
-          </p:cNvSpPr>
-          <p:nvPr>
-            <p:ph idx="1"/>
-          </p:nvPr>
-        </p:nvSpPr>
-        <p:spPr/>
-        <p:txBody>
-          <a:bodyPr/>
-          <a:lstStyle/>
-          <a:p>
-            <a:pPr lvl="0"/>
-            <a:r>
-              <a:rPr/>
-              <a:t>Empecé </a:t>
-            </a:r>
-            <a:r>
-              <a:rPr b="1"/>
-              <a:t>desarrollando aplicaciones web</a:t>
-            </a:r>
-            <a:r>
-              <a:rPr/>
-              <a:t>, hasta que di el salto a la docencia.</a:t>
-            </a:r>
-          </a:p>
-          <a:p>
-            <a:pPr lvl="0"/>
-            <a:r>
-              <a:rPr/>
-              <a:t>Actualmente soy </a:t>
-            </a:r>
-            <a:r>
-              <a:rPr>
-                <a:hlinkClick r:id="rId2"/>
-              </a:rPr>
-              <a:t>Jefe de Servicio de Plataformas Educativas en la Consejería de Digitalización de la Comunidad de Madrid</a:t>
-            </a:r>
-            <a:r>
-              <a:rPr/>
-              <a:t>.</a:t>
-            </a:r>
-          </a:p>
-          <a:p>
-            <a:pPr lvl="0"/>
-            <a:r>
-              <a:rPr/>
-              <a:t>Colaboro como profesor en la </a:t>
-            </a:r>
-            <a:r>
-              <a:rPr>
-                <a:hlinkClick r:id="rId3"/>
-              </a:rPr>
-              <a:t>Universidad de Alcalá</a:t>
-            </a:r>
-            <a:r>
-              <a:rPr/>
-              <a:t> y como formador en </a:t>
-            </a:r>
-            <a:r>
-              <a:rPr>
-                <a:hlinkClick r:id="rId4"/>
-              </a:rPr>
-              <a:t>Pronoide</a:t>
-            </a:r>
-            <a:r>
-              <a:rPr/>
-              <a:t>.</a:t>
+              <a:t>Adolfo Sanz De Diego Autor</a:t>
             </a:r>
           </a:p>
         </p:txBody>
@@ -8542,7 +8491,7 @@
             </a:pPr>
             <a:r>
               <a:rPr/>
-              <a:t>Algunos proyectos</a:t>
+              <a:t>Adolfo Sanz De Diego</a:t>
             </a:r>
           </a:p>
         </p:txBody>
@@ -8565,56 +8514,59 @@
             <a:pPr lvl="0"/>
             <a:r>
               <a:rPr/>
-              <a:t>Hackathon Lovers </a:t>
+              <a:t>Empecé </a:t>
+            </a:r>
+            <a:r>
+              <a:rPr b="1"/>
+              <a:t>desarrollando aplicaciones web</a:t>
+            </a:r>
+            <a:r>
+              <a:rPr/>
+              <a:t>, hasta que di el salto a la docencia.</a:t>
+            </a:r>
+          </a:p>
+          <a:p>
+            <a:pPr lvl="0"/>
+            <a:r>
+              <a:rPr/>
+              <a:t>Actualmente soy </a:t>
             </a:r>
             <a:r>
               <a:rPr>
                 <a:hlinkClick r:id="rId2"/>
               </a:rPr>
-              <a:t>Hackathon Lovers</a:t>
-            </a:r>
-            <a:r>
-              <a:rPr/>
-              <a:t>: un grupo creado para emprendedores y desarrolladores amantes de los hackathones.</a:t>
-            </a:r>
-          </a:p>
-          <a:p>
-            <a:pPr lvl="0"/>
+              <a:t>Jefe de Servicio de Plataformas Educativas en la Consejería de Digitalización de la Comunidad de Madrid</a:t>
+            </a:r>
+            <a:r>
+              <a:rPr/>
+              <a:t>.</a:t>
+            </a:r>
+          </a:p>
+          <a:p>
+            <a:pPr lvl="0"/>
+            <a:r>
+              <a:rPr/>
+              <a:t>Colaboro como profesor en la </a:t>
+            </a:r>
             <a:r>
               <a:rPr>
                 <a:hlinkClick r:id="rId3"/>
               </a:rPr>
-              <a:t>Password Manager Generator</a:t>
-            </a:r>
-            <a:r>
-              <a:rPr/>
-              <a:t>: un gestor de contraseñas online.</a:t>
-            </a:r>
-          </a:p>
-          <a:p>
-            <a:pPr lvl="0"/>
+              <a:t>Universidad de Alcalá</a:t>
+            </a:r>
+            <a:r>
+              <a:rPr/>
+              <a:t> y como formador en </a:t>
+            </a:r>
             <a:r>
               <a:rPr>
                 <a:hlinkClick r:id="rId4"/>
               </a:rPr>
-              <a:t>Extensión de Password Manager Generator</a:t>
-            </a:r>
-            <a:r>
-              <a:rPr/>
-              <a:t>: una extensión para los navegadores de Password Manager Generator.</a:t>
-            </a:r>
-          </a:p>
-          <a:p>
-            <a:pPr lvl="0"/>
-            <a:r>
-              <a:rPr>
-                <a:hlinkClick r:id="rId5"/>
-              </a:rPr>
-              <a:t>MarkdownSlides</a:t>
-            </a:r>
-            <a:r>
-              <a:rPr/>
-              <a:t>: un script para crear slides y mucho más a partir de ficheros MD.</a:t>
+              <a:t>Pronoide</a:t>
+            </a:r>
+            <a:r>
+              <a:rPr/>
+              <a:t>.</a:t>
             </a:r>
           </a:p>
         </p:txBody>
@@ -8759,6 +8711,125 @@
 </file>
 
 <file path=ppt/slides/slide50.xml><?xml version="1.0" encoding="utf-8"?>
+<p:sld xmlns:a="http://schemas.openxmlformats.org/drawingml/2006/main" xmlns:r="http://schemas.openxmlformats.org/officeDocument/2006/relationships" xmlns:p="http://schemas.openxmlformats.org/presentationml/2006/main">
+  <p:cSld>
+    <p:spTree>
+      <p:nvGrpSpPr>
+        <p:cNvPr id="1" name=""/>
+        <p:cNvGrpSpPr/>
+        <p:nvPr/>
+      </p:nvGrpSpPr>
+      <p:grpSpPr>
+        <a:xfrm>
+          <a:off x="0" y="0"/>
+          <a:ext cx="0" cy="0"/>
+          <a:chOff x="0" y="0"/>
+          <a:chExt cx="0" cy="0"/>
+        </a:xfrm>
+      </p:grpSpPr>
+      <p:sp>
+        <p:nvSpPr>
+          <p:cNvPr id="2" name="Title 1"/>
+          <p:cNvSpPr>
+            <a:spLocks noGrp="1"/>
+          </p:cNvSpPr>
+          <p:nvPr>
+            <p:ph type="title"/>
+          </p:nvPr>
+        </p:nvSpPr>
+        <p:spPr/>
+        <p:txBody>
+          <a:bodyPr/>
+          <a:lstStyle/>
+          <a:p>
+            <a:pPr lvl="0" indent="0" marL="0">
+              <a:buNone/>
+            </a:pPr>
+            <a:r>
+              <a:rPr/>
+              <a:t>Algunos proyectos</a:t>
+            </a:r>
+          </a:p>
+        </p:txBody>
+      </p:sp>
+      <p:sp>
+        <p:nvSpPr>
+          <p:cNvPr id="3" name="Content Placeholder 2"/>
+          <p:cNvSpPr>
+            <a:spLocks noGrp="1"/>
+          </p:cNvSpPr>
+          <p:nvPr>
+            <p:ph idx="1"/>
+          </p:nvPr>
+        </p:nvSpPr>
+        <p:spPr/>
+        <p:txBody>
+          <a:bodyPr/>
+          <a:lstStyle/>
+          <a:p>
+            <a:pPr lvl="0"/>
+            <a:r>
+              <a:rPr/>
+              <a:t>Hackathon Lovers </a:t>
+            </a:r>
+            <a:r>
+              <a:rPr>
+                <a:hlinkClick r:id="rId2"/>
+              </a:rPr>
+              <a:t>Hackathon Lovers</a:t>
+            </a:r>
+            <a:r>
+              <a:rPr/>
+              <a:t>: un grupo creado para emprendedores y desarrolladores amantes de los hackathones.</a:t>
+            </a:r>
+          </a:p>
+          <a:p>
+            <a:pPr lvl="0"/>
+            <a:r>
+              <a:rPr>
+                <a:hlinkClick r:id="rId3"/>
+              </a:rPr>
+              <a:t>Password Manager Generator</a:t>
+            </a:r>
+            <a:r>
+              <a:rPr/>
+              <a:t>: un gestor de contraseñas online.</a:t>
+            </a:r>
+          </a:p>
+          <a:p>
+            <a:pPr lvl="0"/>
+            <a:r>
+              <a:rPr>
+                <a:hlinkClick r:id="rId4"/>
+              </a:rPr>
+              <a:t>Extensión de Password Manager Generator</a:t>
+            </a:r>
+            <a:r>
+              <a:rPr/>
+              <a:t>: una extensión para los navegadores de Password Manager Generator.</a:t>
+            </a:r>
+          </a:p>
+          <a:p>
+            <a:pPr lvl="0"/>
+            <a:r>
+              <a:rPr>
+                <a:hlinkClick r:id="rId5"/>
+              </a:rPr>
+              <a:t>MarkdownSlides</a:t>
+            </a:r>
+            <a:r>
+              <a:rPr/>
+              <a:t>: un script para crear slides y mucho más a partir de ficheros MD.</a:t>
+            </a:r>
+          </a:p>
+        </p:txBody>
+      </p:sp>
+    </p:spTree>
+  </p:cSld>
+</p:sld>
+</file>
+
+<file path=ppt/slides/slide51.xml><?xml version="1.0" encoding="utf-8"?>
 <p:sld xmlns:a="http://schemas.openxmlformats.org/drawingml/2006/main" xmlns:r="http://schemas.openxmlformats.org/officeDocument/2006/relationships" xmlns:p="http://schemas.openxmlformats.org/presentationml/2006/main">
   <p:cSld>
     <p:spTree>
